--- a/Python课件.pptx
+++ b/Python课件.pptx
@@ -6,20 +6,23 @@
     <p:sldMasterId id="2147484751" r:id="rId2"/>
   </p:sldMasterIdLst>
   <p:notesMasterIdLst>
-    <p:notesMasterId r:id="rId11"/>
+    <p:notesMasterId r:id="rId14"/>
   </p:notesMasterIdLst>
   <p:handoutMasterIdLst>
-    <p:handoutMasterId r:id="rId12"/>
+    <p:handoutMasterId r:id="rId15"/>
   </p:handoutMasterIdLst>
   <p:sldIdLst>
     <p:sldId id="261" r:id="rId3"/>
     <p:sldId id="635" r:id="rId4"/>
     <p:sldId id="636" r:id="rId5"/>
-    <p:sldId id="637" r:id="rId6"/>
-    <p:sldId id="638" r:id="rId7"/>
-    <p:sldId id="639" r:id="rId8"/>
-    <p:sldId id="640" r:id="rId9"/>
-    <p:sldId id="615" r:id="rId10"/>
+    <p:sldId id="641" r:id="rId6"/>
+    <p:sldId id="642" r:id="rId7"/>
+    <p:sldId id="643" r:id="rId8"/>
+    <p:sldId id="637" r:id="rId9"/>
+    <p:sldId id="638" r:id="rId10"/>
+    <p:sldId id="639" r:id="rId11"/>
+    <p:sldId id="640" r:id="rId12"/>
+    <p:sldId id="615" r:id="rId13"/>
   </p:sldIdLst>
   <p:sldSz cx="9144000" cy="5715000" type="screen16x10"/>
   <p:notesSz cx="6797675" cy="9926638"/>
@@ -156,6 +159,9 @@
             <p14:sldId id="261"/>
             <p14:sldId id="635"/>
             <p14:sldId id="636"/>
+            <p14:sldId id="641"/>
+            <p14:sldId id="642"/>
+            <p14:sldId id="643"/>
             <p14:sldId id="637"/>
             <p14:sldId id="638"/>
             <p14:sldId id="639"/>
@@ -169,7 +175,7 @@
       </p14:sectionLst>
     </p:ext>
     <p:ext uri="{EFAFB233-063F-42B5-8137-9DF3F51BA10A}">
-      <p15:sldGuideLst xmlns:p15="http://schemas.microsoft.com/office/powerpoint/2012/main" xmlns="">
+      <p15:sldGuideLst xmlns="" xmlns:p15="http://schemas.microsoft.com/office/powerpoint/2012/main">
         <p15:guide id="1" orient="horz" pos="3050">
           <p15:clr>
             <a:srgbClr val="A4A3A4"/>
@@ -238,7 +244,7 @@
       </p15:sldGuideLst>
     </p:ext>
     <p:ext uri="{2D200454-40CA-4A62-9FC3-DE9A4176ACB9}">
-      <p15:notesGuideLst xmlns:p15="http://schemas.microsoft.com/office/powerpoint/2012/main" xmlns="">
+      <p15:notesGuideLst xmlns="" xmlns:p15="http://schemas.microsoft.com/office/powerpoint/2012/main">
         <p15:guide id="1" orient="horz" pos="3126">
           <p15:clr>
             <a:srgbClr val="A4A3A4"/>
@@ -1002,6 +1008,753 @@
 </dgm:colorsDef>
 </file>
 
+<file path=ppt/diagrams/colors2.xml><?xml version="1.0" encoding="utf-8"?>
+<dgm:colorsDef xmlns:dgm="http://schemas.openxmlformats.org/drawingml/2006/diagram" xmlns:a="http://schemas.openxmlformats.org/drawingml/2006/main" uniqueId="urn:microsoft.com/office/officeart/2005/8/colors/accent1_2">
+  <dgm:title val=""/>
+  <dgm:desc val=""/>
+  <dgm:catLst>
+    <dgm:cat type="accent1" pri="11200"/>
+  </dgm:catLst>
+  <dgm:styleLbl name="node0">
+    <dgm:fillClrLst meth="repeat">
+      <a:schemeClr val="accent1"/>
+    </dgm:fillClrLst>
+    <dgm:linClrLst meth="repeat">
+      <a:schemeClr val="lt1"/>
+    </dgm:linClrLst>
+    <dgm:effectClrLst/>
+    <dgm:txLinClrLst/>
+    <dgm:txFillClrLst/>
+    <dgm:txEffectClrLst/>
+  </dgm:styleLbl>
+  <dgm:styleLbl name="alignNode1">
+    <dgm:fillClrLst meth="repeat">
+      <a:schemeClr val="accent1"/>
+    </dgm:fillClrLst>
+    <dgm:linClrLst meth="repeat">
+      <a:schemeClr val="accent1"/>
+    </dgm:linClrLst>
+    <dgm:effectClrLst/>
+    <dgm:txLinClrLst/>
+    <dgm:txFillClrLst/>
+    <dgm:txEffectClrLst/>
+  </dgm:styleLbl>
+  <dgm:styleLbl name="node1">
+    <dgm:fillClrLst meth="repeat">
+      <a:schemeClr val="accent1"/>
+    </dgm:fillClrLst>
+    <dgm:linClrLst meth="repeat">
+      <a:schemeClr val="lt1"/>
+    </dgm:linClrLst>
+    <dgm:effectClrLst/>
+    <dgm:txLinClrLst/>
+    <dgm:txFillClrLst/>
+    <dgm:txEffectClrLst/>
+  </dgm:styleLbl>
+  <dgm:styleLbl name="lnNode1">
+    <dgm:fillClrLst meth="repeat">
+      <a:schemeClr val="accent1"/>
+    </dgm:fillClrLst>
+    <dgm:linClrLst meth="repeat">
+      <a:schemeClr val="lt1"/>
+    </dgm:linClrLst>
+    <dgm:effectClrLst/>
+    <dgm:txLinClrLst/>
+    <dgm:txFillClrLst/>
+    <dgm:txEffectClrLst/>
+  </dgm:styleLbl>
+  <dgm:styleLbl name="vennNode1">
+    <dgm:fillClrLst meth="repeat">
+      <a:schemeClr val="accent1">
+        <a:alpha val="50000"/>
+      </a:schemeClr>
+    </dgm:fillClrLst>
+    <dgm:linClrLst meth="repeat">
+      <a:schemeClr val="lt1"/>
+    </dgm:linClrLst>
+    <dgm:effectClrLst/>
+    <dgm:txLinClrLst/>
+    <dgm:txFillClrLst/>
+    <dgm:txEffectClrLst/>
+  </dgm:styleLbl>
+  <dgm:styleLbl name="node2">
+    <dgm:fillClrLst meth="repeat">
+      <a:schemeClr val="accent1"/>
+    </dgm:fillClrLst>
+    <dgm:linClrLst meth="repeat">
+      <a:schemeClr val="lt1"/>
+    </dgm:linClrLst>
+    <dgm:effectClrLst/>
+    <dgm:txLinClrLst/>
+    <dgm:txFillClrLst/>
+    <dgm:txEffectClrLst/>
+  </dgm:styleLbl>
+  <dgm:styleLbl name="node3">
+    <dgm:fillClrLst meth="repeat">
+      <a:schemeClr val="accent1"/>
+    </dgm:fillClrLst>
+    <dgm:linClrLst meth="repeat">
+      <a:schemeClr val="lt1"/>
+    </dgm:linClrLst>
+    <dgm:effectClrLst/>
+    <dgm:txLinClrLst/>
+    <dgm:txFillClrLst/>
+    <dgm:txEffectClrLst/>
+  </dgm:styleLbl>
+  <dgm:styleLbl name="node4">
+    <dgm:fillClrLst meth="repeat">
+      <a:schemeClr val="accent1"/>
+    </dgm:fillClrLst>
+    <dgm:linClrLst meth="repeat">
+      <a:schemeClr val="lt1"/>
+    </dgm:linClrLst>
+    <dgm:effectClrLst/>
+    <dgm:txLinClrLst/>
+    <dgm:txFillClrLst/>
+    <dgm:txEffectClrLst/>
+  </dgm:styleLbl>
+  <dgm:styleLbl name="fgImgPlace1">
+    <dgm:fillClrLst meth="repeat">
+      <a:schemeClr val="accent1">
+        <a:tint val="50000"/>
+      </a:schemeClr>
+    </dgm:fillClrLst>
+    <dgm:linClrLst meth="repeat">
+      <a:schemeClr val="lt1"/>
+    </dgm:linClrLst>
+    <dgm:effectClrLst/>
+    <dgm:txLinClrLst/>
+    <dgm:txFillClrLst meth="repeat">
+      <a:schemeClr val="lt1"/>
+    </dgm:txFillClrLst>
+    <dgm:txEffectClrLst/>
+  </dgm:styleLbl>
+  <dgm:styleLbl name="alignImgPlace1">
+    <dgm:fillClrLst meth="repeat">
+      <a:schemeClr val="accent1">
+        <a:tint val="50000"/>
+      </a:schemeClr>
+    </dgm:fillClrLst>
+    <dgm:linClrLst meth="repeat">
+      <a:schemeClr val="lt1"/>
+    </dgm:linClrLst>
+    <dgm:effectClrLst/>
+    <dgm:txLinClrLst/>
+    <dgm:txFillClrLst meth="repeat">
+      <a:schemeClr val="lt1"/>
+    </dgm:txFillClrLst>
+    <dgm:txEffectClrLst/>
+  </dgm:styleLbl>
+  <dgm:styleLbl name="bgImgPlace1">
+    <dgm:fillClrLst meth="repeat">
+      <a:schemeClr val="accent1">
+        <a:tint val="50000"/>
+      </a:schemeClr>
+    </dgm:fillClrLst>
+    <dgm:linClrLst meth="repeat">
+      <a:schemeClr val="lt1"/>
+    </dgm:linClrLst>
+    <dgm:effectClrLst/>
+    <dgm:txLinClrLst/>
+    <dgm:txFillClrLst meth="repeat">
+      <a:schemeClr val="lt1"/>
+    </dgm:txFillClrLst>
+    <dgm:txEffectClrLst/>
+  </dgm:styleLbl>
+  <dgm:styleLbl name="sibTrans2D1">
+    <dgm:fillClrLst meth="repeat">
+      <a:schemeClr val="accent1">
+        <a:tint val="60000"/>
+      </a:schemeClr>
+    </dgm:fillClrLst>
+    <dgm:linClrLst meth="repeat">
+      <a:schemeClr val="accent1">
+        <a:tint val="60000"/>
+      </a:schemeClr>
+    </dgm:linClrLst>
+    <dgm:effectClrLst/>
+    <dgm:txLinClrLst/>
+    <dgm:txFillClrLst/>
+    <dgm:txEffectClrLst/>
+  </dgm:styleLbl>
+  <dgm:styleLbl name="fgSibTrans2D1">
+    <dgm:fillClrLst meth="repeat">
+      <a:schemeClr val="accent1">
+        <a:tint val="60000"/>
+      </a:schemeClr>
+    </dgm:fillClrLst>
+    <dgm:linClrLst meth="repeat">
+      <a:schemeClr val="accent1">
+        <a:tint val="60000"/>
+      </a:schemeClr>
+    </dgm:linClrLst>
+    <dgm:effectClrLst/>
+    <dgm:txLinClrLst/>
+    <dgm:txFillClrLst/>
+    <dgm:txEffectClrLst/>
+  </dgm:styleLbl>
+  <dgm:styleLbl name="bgSibTrans2D1">
+    <dgm:fillClrLst meth="repeat">
+      <a:schemeClr val="accent1">
+        <a:tint val="60000"/>
+      </a:schemeClr>
+    </dgm:fillClrLst>
+    <dgm:linClrLst meth="repeat">
+      <a:schemeClr val="accent1">
+        <a:tint val="60000"/>
+      </a:schemeClr>
+    </dgm:linClrLst>
+    <dgm:effectClrLst/>
+    <dgm:txLinClrLst/>
+    <dgm:txFillClrLst/>
+    <dgm:txEffectClrLst/>
+  </dgm:styleLbl>
+  <dgm:styleLbl name="sibTrans1D1">
+    <dgm:fillClrLst meth="repeat">
+      <a:schemeClr val="accent1"/>
+    </dgm:fillClrLst>
+    <dgm:linClrLst meth="repeat">
+      <a:schemeClr val="accent1"/>
+    </dgm:linClrLst>
+    <dgm:effectClrLst/>
+    <dgm:txLinClrLst/>
+    <dgm:txFillClrLst meth="repeat">
+      <a:schemeClr val="tx1"/>
+    </dgm:txFillClrLst>
+    <dgm:txEffectClrLst/>
+  </dgm:styleLbl>
+  <dgm:styleLbl name="callout">
+    <dgm:fillClrLst meth="repeat">
+      <a:schemeClr val="accent1"/>
+    </dgm:fillClrLst>
+    <dgm:linClrLst meth="repeat">
+      <a:schemeClr val="accent1">
+        <a:tint val="50000"/>
+      </a:schemeClr>
+    </dgm:linClrLst>
+    <dgm:effectClrLst/>
+    <dgm:txLinClrLst/>
+    <dgm:txFillClrLst meth="repeat">
+      <a:schemeClr val="tx1"/>
+    </dgm:txFillClrLst>
+    <dgm:txEffectClrLst/>
+  </dgm:styleLbl>
+  <dgm:styleLbl name="asst0">
+    <dgm:fillClrLst meth="repeat">
+      <a:schemeClr val="accent1"/>
+    </dgm:fillClrLst>
+    <dgm:linClrLst meth="repeat">
+      <a:schemeClr val="lt1"/>
+    </dgm:linClrLst>
+    <dgm:effectClrLst/>
+    <dgm:txLinClrLst/>
+    <dgm:txFillClrLst/>
+    <dgm:txEffectClrLst/>
+  </dgm:styleLbl>
+  <dgm:styleLbl name="asst1">
+    <dgm:fillClrLst meth="repeat">
+      <a:schemeClr val="accent1"/>
+    </dgm:fillClrLst>
+    <dgm:linClrLst meth="repeat">
+      <a:schemeClr val="lt1"/>
+    </dgm:linClrLst>
+    <dgm:effectClrLst/>
+    <dgm:txLinClrLst/>
+    <dgm:txFillClrLst/>
+    <dgm:txEffectClrLst/>
+  </dgm:styleLbl>
+  <dgm:styleLbl name="asst2">
+    <dgm:fillClrLst meth="repeat">
+      <a:schemeClr val="accent1"/>
+    </dgm:fillClrLst>
+    <dgm:linClrLst meth="repeat">
+      <a:schemeClr val="lt1"/>
+    </dgm:linClrLst>
+    <dgm:effectClrLst/>
+    <dgm:txLinClrLst/>
+    <dgm:txFillClrLst/>
+    <dgm:txEffectClrLst/>
+  </dgm:styleLbl>
+  <dgm:styleLbl name="asst3">
+    <dgm:fillClrLst meth="repeat">
+      <a:schemeClr val="accent1"/>
+    </dgm:fillClrLst>
+    <dgm:linClrLst meth="repeat">
+      <a:schemeClr val="lt1"/>
+    </dgm:linClrLst>
+    <dgm:effectClrLst/>
+    <dgm:txLinClrLst/>
+    <dgm:txFillClrLst/>
+    <dgm:txEffectClrLst/>
+  </dgm:styleLbl>
+  <dgm:styleLbl name="asst4">
+    <dgm:fillClrLst meth="repeat">
+      <a:schemeClr val="accent1"/>
+    </dgm:fillClrLst>
+    <dgm:linClrLst meth="repeat">
+      <a:schemeClr val="lt1"/>
+    </dgm:linClrLst>
+    <dgm:effectClrLst/>
+    <dgm:txLinClrLst/>
+    <dgm:txFillClrLst/>
+    <dgm:txEffectClrLst/>
+  </dgm:styleLbl>
+  <dgm:styleLbl name="parChTrans2D1">
+    <dgm:fillClrLst meth="repeat">
+      <a:schemeClr val="accent1">
+        <a:tint val="60000"/>
+      </a:schemeClr>
+    </dgm:fillClrLst>
+    <dgm:linClrLst meth="repeat">
+      <a:schemeClr val="accent1">
+        <a:tint val="60000"/>
+      </a:schemeClr>
+    </dgm:linClrLst>
+    <dgm:effectClrLst/>
+    <dgm:txLinClrLst/>
+    <dgm:txFillClrLst meth="repeat">
+      <a:schemeClr val="lt1"/>
+    </dgm:txFillClrLst>
+    <dgm:txEffectClrLst/>
+  </dgm:styleLbl>
+  <dgm:styleLbl name="parChTrans2D2">
+    <dgm:fillClrLst meth="repeat">
+      <a:schemeClr val="accent1"/>
+    </dgm:fillClrLst>
+    <dgm:linClrLst meth="repeat">
+      <a:schemeClr val="accent1"/>
+    </dgm:linClrLst>
+    <dgm:effectClrLst/>
+    <dgm:txLinClrLst/>
+    <dgm:txFillClrLst meth="repeat">
+      <a:schemeClr val="lt1"/>
+    </dgm:txFillClrLst>
+    <dgm:txEffectClrLst/>
+  </dgm:styleLbl>
+  <dgm:styleLbl name="parChTrans2D3">
+    <dgm:fillClrLst meth="repeat">
+      <a:schemeClr val="accent1"/>
+    </dgm:fillClrLst>
+    <dgm:linClrLst meth="repeat">
+      <a:schemeClr val="accent1"/>
+    </dgm:linClrLst>
+    <dgm:effectClrLst/>
+    <dgm:txLinClrLst/>
+    <dgm:txFillClrLst meth="repeat">
+      <a:schemeClr val="lt1"/>
+    </dgm:txFillClrLst>
+    <dgm:txEffectClrLst/>
+  </dgm:styleLbl>
+  <dgm:styleLbl name="parChTrans2D4">
+    <dgm:fillClrLst meth="repeat">
+      <a:schemeClr val="accent1"/>
+    </dgm:fillClrLst>
+    <dgm:linClrLst meth="repeat">
+      <a:schemeClr val="accent1"/>
+    </dgm:linClrLst>
+    <dgm:effectClrLst/>
+    <dgm:txLinClrLst/>
+    <dgm:txFillClrLst meth="repeat">
+      <a:schemeClr val="lt1"/>
+    </dgm:txFillClrLst>
+    <dgm:txEffectClrLst/>
+  </dgm:styleLbl>
+  <dgm:styleLbl name="parChTrans1D1">
+    <dgm:fillClrLst meth="repeat">
+      <a:schemeClr val="accent1"/>
+    </dgm:fillClrLst>
+    <dgm:linClrLst meth="repeat">
+      <a:schemeClr val="accent1">
+        <a:shade val="60000"/>
+      </a:schemeClr>
+    </dgm:linClrLst>
+    <dgm:effectClrLst/>
+    <dgm:txLinClrLst/>
+    <dgm:txFillClrLst meth="repeat">
+      <a:schemeClr val="tx1"/>
+    </dgm:txFillClrLst>
+    <dgm:txEffectClrLst/>
+  </dgm:styleLbl>
+  <dgm:styleLbl name="parChTrans1D2">
+    <dgm:fillClrLst meth="repeat">
+      <a:schemeClr val="accent1"/>
+    </dgm:fillClrLst>
+    <dgm:linClrLst meth="repeat">
+      <a:schemeClr val="accent1">
+        <a:shade val="60000"/>
+      </a:schemeClr>
+    </dgm:linClrLst>
+    <dgm:effectClrLst/>
+    <dgm:txLinClrLst/>
+    <dgm:txFillClrLst meth="repeat">
+      <a:schemeClr val="tx1"/>
+    </dgm:txFillClrLst>
+    <dgm:txEffectClrLst/>
+  </dgm:styleLbl>
+  <dgm:styleLbl name="parChTrans1D3">
+    <dgm:fillClrLst meth="repeat">
+      <a:schemeClr val="accent1"/>
+    </dgm:fillClrLst>
+    <dgm:linClrLst meth="repeat">
+      <a:schemeClr val="accent1">
+        <a:shade val="80000"/>
+      </a:schemeClr>
+    </dgm:linClrLst>
+    <dgm:effectClrLst/>
+    <dgm:txLinClrLst/>
+    <dgm:txFillClrLst meth="repeat">
+      <a:schemeClr val="tx1"/>
+    </dgm:txFillClrLst>
+    <dgm:txEffectClrLst/>
+  </dgm:styleLbl>
+  <dgm:styleLbl name="parChTrans1D4">
+    <dgm:fillClrLst meth="repeat">
+      <a:schemeClr val="accent1"/>
+    </dgm:fillClrLst>
+    <dgm:linClrLst meth="repeat">
+      <a:schemeClr val="accent1">
+        <a:shade val="80000"/>
+      </a:schemeClr>
+    </dgm:linClrLst>
+    <dgm:effectClrLst/>
+    <dgm:txLinClrLst/>
+    <dgm:txFillClrLst meth="repeat">
+      <a:schemeClr val="tx1"/>
+    </dgm:txFillClrLst>
+    <dgm:txEffectClrLst/>
+  </dgm:styleLbl>
+  <dgm:styleLbl name="fgAcc1">
+    <dgm:fillClrLst meth="repeat">
+      <a:schemeClr val="lt1">
+        <a:alpha val="90000"/>
+      </a:schemeClr>
+    </dgm:fillClrLst>
+    <dgm:linClrLst meth="repeat">
+      <a:schemeClr val="accent1"/>
+    </dgm:linClrLst>
+    <dgm:effectClrLst/>
+    <dgm:txLinClrLst/>
+    <dgm:txFillClrLst meth="repeat">
+      <a:schemeClr val="dk1"/>
+    </dgm:txFillClrLst>
+    <dgm:txEffectClrLst/>
+  </dgm:styleLbl>
+  <dgm:styleLbl name="conFgAcc1">
+    <dgm:fillClrLst meth="repeat">
+      <a:schemeClr val="lt1">
+        <a:alpha val="90000"/>
+      </a:schemeClr>
+    </dgm:fillClrLst>
+    <dgm:linClrLst meth="repeat">
+      <a:schemeClr val="accent1"/>
+    </dgm:linClrLst>
+    <dgm:effectClrLst/>
+    <dgm:txLinClrLst/>
+    <dgm:txFillClrLst meth="repeat">
+      <a:schemeClr val="dk1"/>
+    </dgm:txFillClrLst>
+    <dgm:txEffectClrLst/>
+  </dgm:styleLbl>
+  <dgm:styleLbl name="alignAcc1">
+    <dgm:fillClrLst meth="repeat">
+      <a:schemeClr val="lt1">
+        <a:alpha val="90000"/>
+      </a:schemeClr>
+    </dgm:fillClrLst>
+    <dgm:linClrLst meth="repeat">
+      <a:schemeClr val="accent1"/>
+    </dgm:linClrLst>
+    <dgm:effectClrLst/>
+    <dgm:txLinClrLst/>
+    <dgm:txFillClrLst meth="repeat">
+      <a:schemeClr val="dk1"/>
+    </dgm:txFillClrLst>
+    <dgm:txEffectClrLst/>
+  </dgm:styleLbl>
+  <dgm:styleLbl name="trAlignAcc1">
+    <dgm:fillClrLst meth="repeat">
+      <a:schemeClr val="lt1">
+        <a:alpha val="40000"/>
+      </a:schemeClr>
+    </dgm:fillClrLst>
+    <dgm:linClrLst meth="repeat">
+      <a:schemeClr val="accent1"/>
+    </dgm:linClrLst>
+    <dgm:effectClrLst/>
+    <dgm:txLinClrLst/>
+    <dgm:txFillClrLst meth="repeat">
+      <a:schemeClr val="dk1"/>
+    </dgm:txFillClrLst>
+    <dgm:txEffectClrLst/>
+  </dgm:styleLbl>
+  <dgm:styleLbl name="bgAcc1">
+    <dgm:fillClrLst meth="repeat">
+      <a:schemeClr val="lt1">
+        <a:alpha val="90000"/>
+      </a:schemeClr>
+    </dgm:fillClrLst>
+    <dgm:linClrLst meth="repeat">
+      <a:schemeClr val="accent1"/>
+    </dgm:linClrLst>
+    <dgm:effectClrLst/>
+    <dgm:txLinClrLst/>
+    <dgm:txFillClrLst meth="repeat">
+      <a:schemeClr val="dk1"/>
+    </dgm:txFillClrLst>
+    <dgm:txEffectClrLst/>
+  </dgm:styleLbl>
+  <dgm:styleLbl name="solidFgAcc1">
+    <dgm:fillClrLst meth="repeat">
+      <a:schemeClr val="lt1"/>
+    </dgm:fillClrLst>
+    <dgm:linClrLst meth="repeat">
+      <a:schemeClr val="accent1"/>
+    </dgm:linClrLst>
+    <dgm:effectClrLst/>
+    <dgm:txLinClrLst/>
+    <dgm:txFillClrLst meth="repeat">
+      <a:schemeClr val="dk1"/>
+    </dgm:txFillClrLst>
+    <dgm:txEffectClrLst/>
+  </dgm:styleLbl>
+  <dgm:styleLbl name="solidAlignAcc1">
+    <dgm:fillClrLst meth="repeat">
+      <a:schemeClr val="lt1"/>
+    </dgm:fillClrLst>
+    <dgm:linClrLst meth="repeat">
+      <a:schemeClr val="accent1"/>
+    </dgm:linClrLst>
+    <dgm:effectClrLst/>
+    <dgm:txLinClrLst/>
+    <dgm:txFillClrLst meth="repeat">
+      <a:schemeClr val="dk1"/>
+    </dgm:txFillClrLst>
+    <dgm:txEffectClrLst/>
+  </dgm:styleLbl>
+  <dgm:styleLbl name="solidBgAcc1">
+    <dgm:fillClrLst meth="repeat">
+      <a:schemeClr val="lt1"/>
+    </dgm:fillClrLst>
+    <dgm:linClrLst meth="repeat">
+      <a:schemeClr val="accent1"/>
+    </dgm:linClrLst>
+    <dgm:effectClrLst/>
+    <dgm:txLinClrLst/>
+    <dgm:txFillClrLst meth="repeat">
+      <a:schemeClr val="dk1"/>
+    </dgm:txFillClrLst>
+    <dgm:txEffectClrLst/>
+  </dgm:styleLbl>
+  <dgm:styleLbl name="fgAccFollowNode1">
+    <dgm:fillClrLst meth="repeat">
+      <a:schemeClr val="accent1">
+        <a:alpha val="90000"/>
+        <a:tint val="40000"/>
+      </a:schemeClr>
+    </dgm:fillClrLst>
+    <dgm:linClrLst meth="repeat">
+      <a:schemeClr val="accent1">
+        <a:alpha val="90000"/>
+        <a:tint val="40000"/>
+      </a:schemeClr>
+    </dgm:linClrLst>
+    <dgm:effectClrLst/>
+    <dgm:txLinClrLst/>
+    <dgm:txFillClrLst meth="repeat">
+      <a:schemeClr val="dk1"/>
+    </dgm:txFillClrLst>
+    <dgm:txEffectClrLst/>
+  </dgm:styleLbl>
+  <dgm:styleLbl name="alignAccFollowNode1">
+    <dgm:fillClrLst meth="repeat">
+      <a:schemeClr val="accent1">
+        <a:alpha val="90000"/>
+        <a:tint val="40000"/>
+      </a:schemeClr>
+    </dgm:fillClrLst>
+    <dgm:linClrLst meth="repeat">
+      <a:schemeClr val="accent1">
+        <a:alpha val="90000"/>
+        <a:tint val="40000"/>
+      </a:schemeClr>
+    </dgm:linClrLst>
+    <dgm:effectClrLst/>
+    <dgm:txLinClrLst/>
+    <dgm:txFillClrLst meth="repeat">
+      <a:schemeClr val="dk1"/>
+    </dgm:txFillClrLst>
+    <dgm:txEffectClrLst/>
+  </dgm:styleLbl>
+  <dgm:styleLbl name="bgAccFollowNode1">
+    <dgm:fillClrLst meth="repeat">
+      <a:schemeClr val="accent1">
+        <a:alpha val="90000"/>
+        <a:tint val="40000"/>
+      </a:schemeClr>
+    </dgm:fillClrLst>
+    <dgm:linClrLst meth="repeat">
+      <a:schemeClr val="accent1">
+        <a:alpha val="90000"/>
+        <a:tint val="40000"/>
+      </a:schemeClr>
+    </dgm:linClrLst>
+    <dgm:effectClrLst/>
+    <dgm:txLinClrLst/>
+    <dgm:txFillClrLst meth="repeat">
+      <a:schemeClr val="dk1"/>
+    </dgm:txFillClrLst>
+    <dgm:txEffectClrLst/>
+  </dgm:styleLbl>
+  <dgm:styleLbl name="fgAcc0">
+    <dgm:fillClrLst meth="repeat">
+      <a:schemeClr val="lt1">
+        <a:alpha val="90000"/>
+      </a:schemeClr>
+    </dgm:fillClrLst>
+    <dgm:linClrLst meth="repeat">
+      <a:schemeClr val="accent1"/>
+    </dgm:linClrLst>
+    <dgm:effectClrLst/>
+    <dgm:txLinClrLst/>
+    <dgm:txFillClrLst meth="repeat">
+      <a:schemeClr val="dk1"/>
+    </dgm:txFillClrLst>
+    <dgm:txEffectClrLst/>
+  </dgm:styleLbl>
+  <dgm:styleLbl name="fgAcc2">
+    <dgm:fillClrLst meth="repeat">
+      <a:schemeClr val="lt1">
+        <a:alpha val="90000"/>
+      </a:schemeClr>
+    </dgm:fillClrLst>
+    <dgm:linClrLst meth="repeat">
+      <a:schemeClr val="accent1"/>
+    </dgm:linClrLst>
+    <dgm:effectClrLst/>
+    <dgm:txLinClrLst/>
+    <dgm:txFillClrLst meth="repeat">
+      <a:schemeClr val="dk1"/>
+    </dgm:txFillClrLst>
+    <dgm:txEffectClrLst/>
+  </dgm:styleLbl>
+  <dgm:styleLbl name="fgAcc3">
+    <dgm:fillClrLst meth="repeat">
+      <a:schemeClr val="lt1">
+        <a:alpha val="90000"/>
+      </a:schemeClr>
+    </dgm:fillClrLst>
+    <dgm:linClrLst meth="repeat">
+      <a:schemeClr val="accent1"/>
+    </dgm:linClrLst>
+    <dgm:effectClrLst/>
+    <dgm:txLinClrLst/>
+    <dgm:txFillClrLst meth="repeat">
+      <a:schemeClr val="dk1"/>
+    </dgm:txFillClrLst>
+    <dgm:txEffectClrLst/>
+  </dgm:styleLbl>
+  <dgm:styleLbl name="fgAcc4">
+    <dgm:fillClrLst meth="repeat">
+      <a:schemeClr val="lt1">
+        <a:alpha val="90000"/>
+      </a:schemeClr>
+    </dgm:fillClrLst>
+    <dgm:linClrLst meth="repeat">
+      <a:schemeClr val="accent1"/>
+    </dgm:linClrLst>
+    <dgm:effectClrLst/>
+    <dgm:txLinClrLst/>
+    <dgm:txFillClrLst meth="repeat">
+      <a:schemeClr val="dk1"/>
+    </dgm:txFillClrLst>
+    <dgm:txEffectClrLst/>
+  </dgm:styleLbl>
+  <dgm:styleLbl name="bgShp">
+    <dgm:fillClrLst meth="repeat">
+      <a:schemeClr val="accent1">
+        <a:tint val="40000"/>
+      </a:schemeClr>
+    </dgm:fillClrLst>
+    <dgm:linClrLst meth="repeat">
+      <a:schemeClr val="accent1"/>
+    </dgm:linClrLst>
+    <dgm:effectClrLst/>
+    <dgm:txLinClrLst/>
+    <dgm:txFillClrLst meth="repeat">
+      <a:schemeClr val="dk1"/>
+    </dgm:txFillClrLst>
+    <dgm:txEffectClrLst/>
+  </dgm:styleLbl>
+  <dgm:styleLbl name="dkBgShp">
+    <dgm:fillClrLst meth="repeat">
+      <a:schemeClr val="accent1">
+        <a:shade val="80000"/>
+      </a:schemeClr>
+    </dgm:fillClrLst>
+    <dgm:linClrLst meth="repeat">
+      <a:schemeClr val="accent1"/>
+    </dgm:linClrLst>
+    <dgm:effectClrLst/>
+    <dgm:txLinClrLst/>
+    <dgm:txFillClrLst meth="repeat">
+      <a:schemeClr val="lt1"/>
+    </dgm:txFillClrLst>
+    <dgm:txEffectClrLst/>
+  </dgm:styleLbl>
+  <dgm:styleLbl name="trBgShp">
+    <dgm:fillClrLst meth="repeat">
+      <a:schemeClr val="accent1">
+        <a:tint val="50000"/>
+        <a:alpha val="40000"/>
+      </a:schemeClr>
+    </dgm:fillClrLst>
+    <dgm:linClrLst meth="repeat">
+      <a:schemeClr val="accent1"/>
+    </dgm:linClrLst>
+    <dgm:effectClrLst/>
+    <dgm:txLinClrLst/>
+    <dgm:txFillClrLst meth="repeat">
+      <a:schemeClr val="lt1"/>
+    </dgm:txFillClrLst>
+    <dgm:txEffectClrLst/>
+  </dgm:styleLbl>
+  <dgm:styleLbl name="fgShp">
+    <dgm:fillClrLst meth="repeat">
+      <a:schemeClr val="accent1">
+        <a:tint val="60000"/>
+      </a:schemeClr>
+    </dgm:fillClrLst>
+    <dgm:linClrLst meth="repeat">
+      <a:schemeClr val="lt1"/>
+    </dgm:linClrLst>
+    <dgm:effectClrLst/>
+    <dgm:txLinClrLst/>
+    <dgm:txFillClrLst meth="repeat">
+      <a:schemeClr val="dk1"/>
+    </dgm:txFillClrLst>
+    <dgm:txEffectClrLst/>
+  </dgm:styleLbl>
+  <dgm:styleLbl name="revTx">
+    <dgm:fillClrLst meth="repeat">
+      <a:schemeClr val="lt1">
+        <a:alpha val="0"/>
+      </a:schemeClr>
+    </dgm:fillClrLst>
+    <dgm:linClrLst meth="repeat">
+      <a:schemeClr val="dk1">
+        <a:alpha val="0"/>
+      </a:schemeClr>
+    </dgm:linClrLst>
+    <dgm:effectClrLst/>
+    <dgm:txLinClrLst/>
+    <dgm:txFillClrLst meth="repeat">
+      <a:schemeClr val="tx1"/>
+    </dgm:txFillClrLst>
+    <dgm:txEffectClrLst/>
+  </dgm:styleLbl>
+</dgm:colorsDef>
+</file>
+
 <file path=ppt/diagrams/data1.xml><?xml version="1.0" encoding="utf-8"?>
 <dgm:dataModel xmlns:dgm="http://schemas.openxmlformats.org/drawingml/2006/diagram" xmlns:a="http://schemas.openxmlformats.org/drawingml/2006/main">
   <dgm:ptLst>
@@ -1025,7 +1778,7 @@
         <a:p>
           <a:r>
             <a:rPr lang="zh-CN" altLang="en-US" dirty="0" smtClean="0"/>
-            <a:t>设计方案及原理</a:t>
+            <a:t>考核方式</a:t>
           </a:r>
           <a:endParaRPr lang="zh-CN" altLang="en-US" dirty="0"/>
         </a:p>
@@ -1061,8 +1814,12 @@
         <a:lstStyle/>
         <a:p>
           <a:r>
+            <a:rPr lang="en-US" altLang="zh-CN" dirty="0" smtClean="0"/>
+            <a:t>Clifford</a:t>
+          </a:r>
+          <a:r>
             <a:rPr lang="zh-CN" altLang="en-US" dirty="0" smtClean="0"/>
-            <a:t>改进计划</a:t>
+            <a:t>框架概述及应用开发</a:t>
           </a:r>
           <a:endParaRPr lang="zh-CN" altLang="en-US" dirty="0"/>
         </a:p>
@@ -1098,8 +1855,12 @@
         <a:lstStyle/>
         <a:p>
           <a:r>
+            <a:rPr lang="en-US" altLang="zh-CN" dirty="0" smtClean="0"/>
+            <a:t>Python</a:t>
+          </a:r>
+          <a:r>
             <a:rPr lang="zh-CN" altLang="en-US" dirty="0" smtClean="0"/>
-            <a:t>使用现状及应用案例</a:t>
+            <a:t>应用进阶</a:t>
           </a:r>
           <a:endParaRPr lang="zh-CN" altLang="en-US" dirty="0"/>
         </a:p>
@@ -1135,8 +1896,12 @@
         <a:lstStyle/>
         <a:p>
           <a:r>
+            <a:rPr lang="en-US" altLang="zh-CN" dirty="0" smtClean="0"/>
+            <a:t>Python</a:t>
+          </a:r>
+          <a:r>
             <a:rPr lang="zh-CN" altLang="en-US" dirty="0" smtClean="0"/>
-            <a:t>技术指标</a:t>
+            <a:t>基础知识</a:t>
           </a:r>
           <a:endParaRPr lang="zh-CN" altLang="en-US" dirty="0"/>
         </a:p>
@@ -1173,7 +1938,7 @@
         <a:p>
           <a:r>
             <a:rPr lang="zh-CN" altLang="en-US" dirty="0" smtClean="0"/>
-            <a:t>项目背景</a:t>
+            <a:t>培训背景</a:t>
           </a:r>
           <a:endParaRPr lang="zh-CN" altLang="en-US" dirty="0"/>
         </a:p>
@@ -1486,22 +2251,22 @@
     </dgm:pt>
   </dgm:ptLst>
   <dgm:cxnLst>
+    <dgm:cxn modelId="{A12C3805-71E1-463A-BDDC-E1808F331BC0}" srcId="{176AFB12-444C-4FF5-99EB-7CBE1D5942BF}" destId="{23E4EE50-F2D6-4EF1-BE06-3200A5317384}" srcOrd="2" destOrd="0" parTransId="{1C3019CF-B5A4-48B4-8DAA-8EE4C4E004B4}" sibTransId="{6EE9AC7A-8EAC-4292-9A0C-202F0EBBB240}"/>
+    <dgm:cxn modelId="{3E2BCBE2-698D-40C4-9E74-9B9988133B4D}" type="presOf" srcId="{23E4EE50-F2D6-4EF1-BE06-3200A5317384}" destId="{ED155A0A-8DCE-4D29-8045-A770F028B281}" srcOrd="0" destOrd="0" presId="urn:microsoft.com/office/officeart/2005/8/layout/list1"/>
+    <dgm:cxn modelId="{37D4AD7F-2C3A-485A-A50C-A044E4B11C02}" type="presOf" srcId="{B77830E2-AA02-4D5F-A237-89B0C51F4829}" destId="{8C3AAB10-B09D-40A9-9FB7-21078CBA4534}" srcOrd="0" destOrd="0" presId="urn:microsoft.com/office/officeart/2005/8/layout/list1"/>
+    <dgm:cxn modelId="{9FF13301-4125-4CF5-A089-68BCA4D5FB9E}" type="presOf" srcId="{19B90B35-E61B-4F5E-B383-63149448AC05}" destId="{1325F008-E70F-4953-95D8-6514A2ACD7CB}" srcOrd="0" destOrd="0" presId="urn:microsoft.com/office/officeart/2005/8/layout/list1"/>
+    <dgm:cxn modelId="{B953BF00-EDC0-4D25-A6DA-BAE90526945F}" srcId="{176AFB12-444C-4FF5-99EB-7CBE1D5942BF}" destId="{B77830E2-AA02-4D5F-A237-89B0C51F4829}" srcOrd="4" destOrd="0" parTransId="{EC76B87A-5305-4804-8359-91F5E6539B86}" sibTransId="{4ED11DCD-0013-4895-AC41-F5BBDE303CD3}"/>
     <dgm:cxn modelId="{6F56388C-2276-45C8-BEFA-05C483D6494D}" srcId="{176AFB12-444C-4FF5-99EB-7CBE1D5942BF}" destId="{6840B376-3CF2-493C-8C69-6CF977E95D0E}" srcOrd="1" destOrd="0" parTransId="{1E5A1EA7-3DA0-41A7-A29D-FA61176B2AA5}" sibTransId="{C3886FFA-71A4-436C-AE25-20E307282FA3}"/>
-    <dgm:cxn modelId="{7854829E-4A67-49D6-82A5-6C6225A3E331}" type="presOf" srcId="{176AFB12-444C-4FF5-99EB-7CBE1D5942BF}" destId="{411DC8C0-1561-409B-BA98-7BB8267A958A}" srcOrd="0" destOrd="0" presId="urn:microsoft.com/office/officeart/2005/8/layout/list1"/>
     <dgm:cxn modelId="{F92FEE87-EE74-4CC5-B0B1-438ADB2F0422}" type="presOf" srcId="{9D89B628-7431-499F-9721-CE76697BA322}" destId="{4BAC28CC-C7CA-402D-9801-189C960D25BA}" srcOrd="1" destOrd="0" presId="urn:microsoft.com/office/officeart/2005/8/layout/list1"/>
     <dgm:cxn modelId="{7656664F-27D6-4166-A5DA-214D53763103}" srcId="{176AFB12-444C-4FF5-99EB-7CBE1D5942BF}" destId="{9D89B628-7431-499F-9721-CE76697BA322}" srcOrd="3" destOrd="0" parTransId="{CBEB240F-E079-4E62-AA03-A26FC8AEC5C1}" sibTransId="{9968A3C5-6FD6-4F52-BC10-BC44BABE4773}"/>
+    <dgm:cxn modelId="{B0F7059B-F1F0-4A13-A28B-8BD80DEAACD7}" srcId="{176AFB12-444C-4FF5-99EB-7CBE1D5942BF}" destId="{19B90B35-E61B-4F5E-B383-63149448AC05}" srcOrd="0" destOrd="0" parTransId="{5D9EDED2-95B4-4E1B-8CA3-369E3EAB7573}" sibTransId="{5747AB80-1466-40F2-B934-1A8E98C227FE}"/>
+    <dgm:cxn modelId="{88E8E2B4-017C-4228-8319-AF513CE1994F}" type="presOf" srcId="{23E4EE50-F2D6-4EF1-BE06-3200A5317384}" destId="{86F143E0-BDFF-4511-937D-B2C335A94DCA}" srcOrd="1" destOrd="0" presId="urn:microsoft.com/office/officeart/2005/8/layout/list1"/>
+    <dgm:cxn modelId="{F027DE32-BBCE-4B77-8961-32B36B9C58EC}" type="presOf" srcId="{19B90B35-E61B-4F5E-B383-63149448AC05}" destId="{980EE00F-8408-4BB3-B7A2-7F3220340BA1}" srcOrd="1" destOrd="0" presId="urn:microsoft.com/office/officeart/2005/8/layout/list1"/>
+    <dgm:cxn modelId="{FFD2FA0E-276D-4A64-BA04-BCC4B7F13C50}" type="presOf" srcId="{9D89B628-7431-499F-9721-CE76697BA322}" destId="{040AABAE-C740-418C-BB80-7A215BEDDC17}" srcOrd="0" destOrd="0" presId="urn:microsoft.com/office/officeart/2005/8/layout/list1"/>
     <dgm:cxn modelId="{153D62AD-0654-4726-8EF9-BDFCAF97675E}" type="presOf" srcId="{B77830E2-AA02-4D5F-A237-89B0C51F4829}" destId="{D4347316-374D-416F-87DB-107CAA5BECDB}" srcOrd="1" destOrd="0" presId="urn:microsoft.com/office/officeart/2005/8/layout/list1"/>
-    <dgm:cxn modelId="{3E2BCBE2-698D-40C4-9E74-9B9988133B4D}" type="presOf" srcId="{23E4EE50-F2D6-4EF1-BE06-3200A5317384}" destId="{ED155A0A-8DCE-4D29-8045-A770F028B281}" srcOrd="0" destOrd="0" presId="urn:microsoft.com/office/officeart/2005/8/layout/list1"/>
-    <dgm:cxn modelId="{37D4AD7F-2C3A-485A-A50C-A044E4B11C02}" type="presOf" srcId="{B77830E2-AA02-4D5F-A237-89B0C51F4829}" destId="{8C3AAB10-B09D-40A9-9FB7-21078CBA4534}" srcOrd="0" destOrd="0" presId="urn:microsoft.com/office/officeart/2005/8/layout/list1"/>
-    <dgm:cxn modelId="{B953BF00-EDC0-4D25-A6DA-BAE90526945F}" srcId="{176AFB12-444C-4FF5-99EB-7CBE1D5942BF}" destId="{B77830E2-AA02-4D5F-A237-89B0C51F4829}" srcOrd="4" destOrd="0" parTransId="{EC76B87A-5305-4804-8359-91F5E6539B86}" sibTransId="{4ED11DCD-0013-4895-AC41-F5BBDE303CD3}"/>
-    <dgm:cxn modelId="{9FF13301-4125-4CF5-A089-68BCA4D5FB9E}" type="presOf" srcId="{19B90B35-E61B-4F5E-B383-63149448AC05}" destId="{1325F008-E70F-4953-95D8-6514A2ACD7CB}" srcOrd="0" destOrd="0" presId="urn:microsoft.com/office/officeart/2005/8/layout/list1"/>
-    <dgm:cxn modelId="{B0F7059B-F1F0-4A13-A28B-8BD80DEAACD7}" srcId="{176AFB12-444C-4FF5-99EB-7CBE1D5942BF}" destId="{19B90B35-E61B-4F5E-B383-63149448AC05}" srcOrd="0" destOrd="0" parTransId="{5D9EDED2-95B4-4E1B-8CA3-369E3EAB7573}" sibTransId="{5747AB80-1466-40F2-B934-1A8E98C227FE}"/>
+    <dgm:cxn modelId="{14888DEE-9705-4F81-8519-48FAA31B340F}" type="presOf" srcId="{6840B376-3CF2-493C-8C69-6CF977E95D0E}" destId="{A9F24341-9988-412D-BCDE-F19F269584F8}" srcOrd="1" destOrd="0" presId="urn:microsoft.com/office/officeart/2005/8/layout/list1"/>
+    <dgm:cxn modelId="{7854829E-4A67-49D6-82A5-6C6225A3E331}" type="presOf" srcId="{176AFB12-444C-4FF5-99EB-7CBE1D5942BF}" destId="{411DC8C0-1561-409B-BA98-7BB8267A958A}" srcOrd="0" destOrd="0" presId="urn:microsoft.com/office/officeart/2005/8/layout/list1"/>
     <dgm:cxn modelId="{AFE5358F-EFA9-41EA-8BBE-DFB48A587895}" type="presOf" srcId="{6840B376-3CF2-493C-8C69-6CF977E95D0E}" destId="{59F7F022-90D7-4B7E-97AE-1BF6C01CFF72}" srcOrd="0" destOrd="0" presId="urn:microsoft.com/office/officeart/2005/8/layout/list1"/>
-    <dgm:cxn modelId="{A12C3805-71E1-463A-BDDC-E1808F331BC0}" srcId="{176AFB12-444C-4FF5-99EB-7CBE1D5942BF}" destId="{23E4EE50-F2D6-4EF1-BE06-3200A5317384}" srcOrd="2" destOrd="0" parTransId="{1C3019CF-B5A4-48B4-8DAA-8EE4C4E004B4}" sibTransId="{6EE9AC7A-8EAC-4292-9A0C-202F0EBBB240}"/>
-    <dgm:cxn modelId="{FFD2FA0E-276D-4A64-BA04-BCC4B7F13C50}" type="presOf" srcId="{9D89B628-7431-499F-9721-CE76697BA322}" destId="{040AABAE-C740-418C-BB80-7A215BEDDC17}" srcOrd="0" destOrd="0" presId="urn:microsoft.com/office/officeart/2005/8/layout/list1"/>
-    <dgm:cxn modelId="{F027DE32-BBCE-4B77-8961-32B36B9C58EC}" type="presOf" srcId="{19B90B35-E61B-4F5E-B383-63149448AC05}" destId="{980EE00F-8408-4BB3-B7A2-7F3220340BA1}" srcOrd="1" destOrd="0" presId="urn:microsoft.com/office/officeart/2005/8/layout/list1"/>
-    <dgm:cxn modelId="{14888DEE-9705-4F81-8519-48FAA31B340F}" type="presOf" srcId="{6840B376-3CF2-493C-8C69-6CF977E95D0E}" destId="{A9F24341-9988-412D-BCDE-F19F269584F8}" srcOrd="1" destOrd="0" presId="urn:microsoft.com/office/officeart/2005/8/layout/list1"/>
-    <dgm:cxn modelId="{88E8E2B4-017C-4228-8319-AF513CE1994F}" type="presOf" srcId="{23E4EE50-F2D6-4EF1-BE06-3200A5317384}" destId="{86F143E0-BDFF-4511-937D-B2C335A94DCA}" srcOrd="1" destOrd="0" presId="urn:microsoft.com/office/officeart/2005/8/layout/list1"/>
     <dgm:cxn modelId="{27273CC6-2F97-44C7-A205-23291C07A9FD}" type="presParOf" srcId="{411DC8C0-1561-409B-BA98-7BB8267A958A}" destId="{785B247D-DB21-4450-8415-C25699789D4A}" srcOrd="0" destOrd="0" presId="urn:microsoft.com/office/officeart/2005/8/layout/list1"/>
     <dgm:cxn modelId="{C936817E-3B52-4F6E-84DE-8BDAF12A033E}" type="presParOf" srcId="{785B247D-DB21-4450-8415-C25699789D4A}" destId="{1325F008-E70F-4953-95D8-6514A2ACD7CB}" srcOrd="0" destOrd="0" presId="urn:microsoft.com/office/officeart/2005/8/layout/list1"/>
     <dgm:cxn modelId="{29D70671-D327-4554-96D4-22C79D4BAE33}" type="presParOf" srcId="{785B247D-DB21-4450-8415-C25699789D4A}" destId="{980EE00F-8408-4BB3-B7A2-7F3220340BA1}" srcOrd="1" destOrd="0" presId="urn:microsoft.com/office/officeart/2005/8/layout/list1"/>
@@ -1537,6 +2302,930 @@
   <dgm:extLst>
     <a:ext uri="http://schemas.microsoft.com/office/drawing/2008/diagram">
       <dsp:dataModelExt xmlns:dsp="http://schemas.microsoft.com/office/drawing/2008/diagram" relId="rId7" minVer="http://schemas.openxmlformats.org/drawingml/2006/diagram"/>
+    </a:ext>
+  </dgm:extLst>
+</dgm:dataModel>
+</file>
+
+<file path=ppt/diagrams/data2.xml><?xml version="1.0" encoding="utf-8"?>
+<dgm:dataModel xmlns:dgm="http://schemas.openxmlformats.org/drawingml/2006/diagram" xmlns:a="http://schemas.openxmlformats.org/drawingml/2006/main">
+  <dgm:ptLst>
+    <dgm:pt modelId="{176AFB12-444C-4FF5-99EB-7CBE1D5942BF}" type="doc">
+      <dgm:prSet loTypeId="urn:microsoft.com/office/officeart/2005/8/layout/list1" loCatId="list" qsTypeId="urn:microsoft.com/office/officeart/2005/8/quickstyle/simple5" qsCatId="simple" csTypeId="urn:microsoft.com/office/officeart/2005/8/colors/accent1_2" csCatId="accent1" phldr="1"/>
+      <dgm:spPr/>
+      <dgm:t>
+        <a:bodyPr/>
+        <a:lstStyle/>
+        <a:p>
+          <a:endParaRPr lang="zh-CN" altLang="en-US"/>
+        </a:p>
+      </dgm:t>
+    </dgm:pt>
+    <dgm:pt modelId="{6840B376-3CF2-493C-8C69-6CF977E95D0E}">
+      <dgm:prSet phldrT="[文本]"/>
+      <dgm:spPr/>
+      <dgm:t>
+        <a:bodyPr/>
+        <a:lstStyle/>
+        <a:p>
+          <a:r>
+            <a:rPr lang="en-US" altLang="zh-CN" dirty="0" smtClean="0"/>
+            <a:t>Python</a:t>
+          </a:r>
+          <a:r>
+            <a:rPr lang="zh-CN" altLang="en-US" dirty="0" smtClean="0"/>
+            <a:t>语法基础</a:t>
+          </a:r>
+          <a:endParaRPr lang="zh-CN" altLang="en-US" dirty="0"/>
+        </a:p>
+      </dgm:t>
+    </dgm:pt>
+    <dgm:pt modelId="{1E5A1EA7-3DA0-41A7-A29D-FA61176B2AA5}" type="parTrans" cxnId="{6F56388C-2276-45C8-BEFA-05C483D6494D}">
+      <dgm:prSet/>
+      <dgm:spPr/>
+      <dgm:t>
+        <a:bodyPr/>
+        <a:lstStyle/>
+        <a:p>
+          <a:endParaRPr lang="zh-CN" altLang="en-US"/>
+        </a:p>
+      </dgm:t>
+    </dgm:pt>
+    <dgm:pt modelId="{C3886FFA-71A4-436C-AE25-20E307282FA3}" type="sibTrans" cxnId="{6F56388C-2276-45C8-BEFA-05C483D6494D}">
+      <dgm:prSet/>
+      <dgm:spPr/>
+      <dgm:t>
+        <a:bodyPr/>
+        <a:lstStyle/>
+        <a:p>
+          <a:endParaRPr lang="zh-CN" altLang="en-US"/>
+        </a:p>
+      </dgm:t>
+    </dgm:pt>
+    <dgm:pt modelId="{B77830E2-AA02-4D5F-A237-89B0C51F4829}">
+      <dgm:prSet phldrT="[文本]"/>
+      <dgm:spPr/>
+      <dgm:t>
+        <a:bodyPr/>
+        <a:lstStyle/>
+        <a:p>
+          <a:r>
+            <a:rPr lang="zh-CN" altLang="en-US" dirty="0" smtClean="0"/>
+            <a:t>函数</a:t>
+          </a:r>
+          <a:endParaRPr lang="zh-CN" altLang="en-US" dirty="0"/>
+        </a:p>
+      </dgm:t>
+    </dgm:pt>
+    <dgm:pt modelId="{4ED11DCD-0013-4895-AC41-F5BBDE303CD3}" type="sibTrans" cxnId="{B953BF00-EDC0-4D25-A6DA-BAE90526945F}">
+      <dgm:prSet/>
+      <dgm:spPr/>
+      <dgm:t>
+        <a:bodyPr/>
+        <a:lstStyle/>
+        <a:p>
+          <a:endParaRPr lang="zh-CN" altLang="en-US"/>
+        </a:p>
+      </dgm:t>
+    </dgm:pt>
+    <dgm:pt modelId="{EC76B87A-5305-4804-8359-91F5E6539B86}" type="parTrans" cxnId="{B953BF00-EDC0-4D25-A6DA-BAE90526945F}">
+      <dgm:prSet/>
+      <dgm:spPr/>
+      <dgm:t>
+        <a:bodyPr/>
+        <a:lstStyle/>
+        <a:p>
+          <a:endParaRPr lang="zh-CN" altLang="en-US"/>
+        </a:p>
+      </dgm:t>
+    </dgm:pt>
+    <dgm:pt modelId="{9D89B628-7431-499F-9721-CE76697BA322}">
+      <dgm:prSet phldrT="[文本]"/>
+      <dgm:spPr/>
+      <dgm:t>
+        <a:bodyPr/>
+        <a:lstStyle/>
+        <a:p>
+          <a:r>
+            <a:rPr lang="zh-CN" altLang="en-US" dirty="0" smtClean="0"/>
+            <a:t>内置数据结构</a:t>
+          </a:r>
+          <a:endParaRPr lang="zh-CN" altLang="en-US" dirty="0"/>
+        </a:p>
+      </dgm:t>
+    </dgm:pt>
+    <dgm:pt modelId="{9968A3C5-6FD6-4F52-BC10-BC44BABE4773}" type="sibTrans" cxnId="{7656664F-27D6-4166-A5DA-214D53763103}">
+      <dgm:prSet/>
+      <dgm:spPr/>
+      <dgm:t>
+        <a:bodyPr/>
+        <a:lstStyle/>
+        <a:p>
+          <a:endParaRPr lang="zh-CN" altLang="en-US"/>
+        </a:p>
+      </dgm:t>
+    </dgm:pt>
+    <dgm:pt modelId="{CBEB240F-E079-4E62-AA03-A26FC8AEC5C1}" type="parTrans" cxnId="{7656664F-27D6-4166-A5DA-214D53763103}">
+      <dgm:prSet/>
+      <dgm:spPr/>
+      <dgm:t>
+        <a:bodyPr/>
+        <a:lstStyle/>
+        <a:p>
+          <a:endParaRPr lang="zh-CN" altLang="en-US"/>
+        </a:p>
+      </dgm:t>
+    </dgm:pt>
+    <dgm:pt modelId="{23E4EE50-F2D6-4EF1-BE06-3200A5317384}">
+      <dgm:prSet phldrT="[文本]"/>
+      <dgm:spPr/>
+      <dgm:t>
+        <a:bodyPr/>
+        <a:lstStyle/>
+        <a:p>
+          <a:r>
+            <a:rPr lang="zh-CN" altLang="en-US" dirty="0" smtClean="0"/>
+            <a:t>流程控制语句</a:t>
+          </a:r>
+          <a:endParaRPr lang="zh-CN" altLang="en-US" dirty="0"/>
+        </a:p>
+      </dgm:t>
+    </dgm:pt>
+    <dgm:pt modelId="{6EE9AC7A-8EAC-4292-9A0C-202F0EBBB240}" type="sibTrans" cxnId="{A12C3805-71E1-463A-BDDC-E1808F331BC0}">
+      <dgm:prSet/>
+      <dgm:spPr/>
+      <dgm:t>
+        <a:bodyPr/>
+        <a:lstStyle/>
+        <a:p>
+          <a:endParaRPr lang="zh-CN" altLang="en-US"/>
+        </a:p>
+      </dgm:t>
+    </dgm:pt>
+    <dgm:pt modelId="{1C3019CF-B5A4-48B4-8DAA-8EE4C4E004B4}" type="parTrans" cxnId="{A12C3805-71E1-463A-BDDC-E1808F331BC0}">
+      <dgm:prSet/>
+      <dgm:spPr/>
+      <dgm:t>
+        <a:bodyPr/>
+        <a:lstStyle/>
+        <a:p>
+          <a:endParaRPr lang="zh-CN" altLang="en-US"/>
+        </a:p>
+      </dgm:t>
+    </dgm:pt>
+    <dgm:pt modelId="{19B90B35-E61B-4F5E-B383-63149448AC05}">
+      <dgm:prSet phldrT="[文本]"/>
+      <dgm:spPr/>
+      <dgm:t>
+        <a:bodyPr/>
+        <a:lstStyle/>
+        <a:p>
+          <a:r>
+            <a:rPr lang="en-US" altLang="zh-CN" dirty="0" smtClean="0"/>
+            <a:t>Python</a:t>
+          </a:r>
+          <a:r>
+            <a:rPr lang="zh-CN" altLang="en-US" dirty="0" smtClean="0"/>
+            <a:t>概述</a:t>
+          </a:r>
+          <a:endParaRPr lang="zh-CN" altLang="en-US" dirty="0"/>
+        </a:p>
+      </dgm:t>
+    </dgm:pt>
+    <dgm:pt modelId="{5D9EDED2-95B4-4E1B-8CA3-369E3EAB7573}" type="parTrans" cxnId="{B0F7059B-F1F0-4A13-A28B-8BD80DEAACD7}">
+      <dgm:prSet/>
+      <dgm:spPr/>
+      <dgm:t>
+        <a:bodyPr/>
+        <a:lstStyle/>
+        <a:p>
+          <a:endParaRPr lang="zh-CN" altLang="en-US"/>
+        </a:p>
+      </dgm:t>
+    </dgm:pt>
+    <dgm:pt modelId="{5747AB80-1466-40F2-B934-1A8E98C227FE}" type="sibTrans" cxnId="{B0F7059B-F1F0-4A13-A28B-8BD80DEAACD7}">
+      <dgm:prSet/>
+      <dgm:spPr/>
+      <dgm:t>
+        <a:bodyPr/>
+        <a:lstStyle/>
+        <a:p>
+          <a:endParaRPr lang="zh-CN" altLang="en-US"/>
+        </a:p>
+      </dgm:t>
+    </dgm:pt>
+    <dgm:pt modelId="{93E3CBBB-BB9D-4436-B899-ABCFF9794CA7}">
+      <dgm:prSet phldrT="[文本]"/>
+      <dgm:spPr/>
+      <dgm:t>
+        <a:bodyPr/>
+        <a:lstStyle/>
+        <a:p>
+          <a:r>
+            <a:rPr lang="zh-CN" altLang="en-US" dirty="0" smtClean="0"/>
+            <a:t>模块</a:t>
+          </a:r>
+          <a:endParaRPr lang="zh-CN" altLang="en-US" dirty="0"/>
+        </a:p>
+      </dgm:t>
+    </dgm:pt>
+    <dgm:pt modelId="{C2DF888F-0E23-4B1C-BE97-4E862A9F4B86}" type="parTrans" cxnId="{BDA8D6B1-85DD-47F4-AE82-96B4EE59CB2F}">
+      <dgm:prSet/>
+      <dgm:spPr/>
+      <dgm:t>
+        <a:bodyPr/>
+        <a:lstStyle/>
+        <a:p>
+          <a:endParaRPr lang="zh-CN" altLang="en-US"/>
+        </a:p>
+      </dgm:t>
+    </dgm:pt>
+    <dgm:pt modelId="{0E83EE0A-3E83-4D81-87E2-ED534BED1617}" type="sibTrans" cxnId="{BDA8D6B1-85DD-47F4-AE82-96B4EE59CB2F}">
+      <dgm:prSet/>
+      <dgm:spPr/>
+      <dgm:t>
+        <a:bodyPr/>
+        <a:lstStyle/>
+        <a:p>
+          <a:endParaRPr lang="zh-CN" altLang="en-US"/>
+        </a:p>
+      </dgm:t>
+    </dgm:pt>
+    <dgm:pt modelId="{6902E96F-5C1C-44EF-831A-47405DFEDF6C}">
+      <dgm:prSet phldrT="[文本]"/>
+      <dgm:spPr/>
+      <dgm:t>
+        <a:bodyPr/>
+        <a:lstStyle/>
+        <a:p>
+          <a:r>
+            <a:rPr lang="zh-CN" altLang="en-US" dirty="0" smtClean="0"/>
+            <a:t>异常</a:t>
+          </a:r>
+          <a:endParaRPr lang="zh-CN" altLang="en-US" dirty="0"/>
+        </a:p>
+      </dgm:t>
+    </dgm:pt>
+    <dgm:pt modelId="{7A6B0270-2A82-4F5E-BDD1-AFBF11A3E74B}" type="parTrans" cxnId="{2C88306E-5618-46D8-B3E8-744E0DE27FD4}">
+      <dgm:prSet/>
+      <dgm:spPr/>
+      <dgm:t>
+        <a:bodyPr/>
+        <a:lstStyle/>
+        <a:p>
+          <a:endParaRPr lang="zh-CN" altLang="en-US"/>
+        </a:p>
+      </dgm:t>
+    </dgm:pt>
+    <dgm:pt modelId="{CFECBF53-AFE8-447E-A292-E4D0E40FA718}" type="sibTrans" cxnId="{2C88306E-5618-46D8-B3E8-744E0DE27FD4}">
+      <dgm:prSet/>
+      <dgm:spPr/>
+      <dgm:t>
+        <a:bodyPr/>
+        <a:lstStyle/>
+        <a:p>
+          <a:endParaRPr lang="zh-CN" altLang="en-US"/>
+        </a:p>
+      </dgm:t>
+    </dgm:pt>
+    <dgm:pt modelId="{98B6B536-7D07-4037-A94E-EED9350E55EB}">
+      <dgm:prSet phldrT="[文本]"/>
+      <dgm:spPr/>
+      <dgm:t>
+        <a:bodyPr/>
+        <a:lstStyle/>
+        <a:p>
+          <a:r>
+            <a:rPr lang="en-US" altLang="zh-CN" dirty="0" smtClean="0"/>
+            <a:t>I/O</a:t>
+          </a:r>
+          <a:r>
+            <a:rPr lang="zh-CN" altLang="en-US" dirty="0" smtClean="0"/>
+            <a:t>文件操作</a:t>
+          </a:r>
+          <a:endParaRPr lang="zh-CN" altLang="en-US" dirty="0"/>
+        </a:p>
+      </dgm:t>
+    </dgm:pt>
+    <dgm:pt modelId="{AAD858C9-7A2E-4A90-938E-410818CFC76A}" type="parTrans" cxnId="{95FBF84B-C3C7-4FC7-8DE2-D0154CC669DA}">
+      <dgm:prSet/>
+      <dgm:spPr/>
+      <dgm:t>
+        <a:bodyPr/>
+        <a:lstStyle/>
+        <a:p>
+          <a:endParaRPr lang="zh-CN" altLang="en-US"/>
+        </a:p>
+      </dgm:t>
+    </dgm:pt>
+    <dgm:pt modelId="{6BFBD470-740A-4EDE-8381-A535338C496B}" type="sibTrans" cxnId="{95FBF84B-C3C7-4FC7-8DE2-D0154CC669DA}">
+      <dgm:prSet/>
+      <dgm:spPr/>
+      <dgm:t>
+        <a:bodyPr/>
+        <a:lstStyle/>
+        <a:p>
+          <a:endParaRPr lang="zh-CN" altLang="en-US"/>
+        </a:p>
+      </dgm:t>
+    </dgm:pt>
+    <dgm:pt modelId="{31D9D35C-CCE5-4D4E-96BA-0D0CED6E4FF1}">
+      <dgm:prSet phldrT="[文本]"/>
+      <dgm:spPr/>
+      <dgm:t>
+        <a:bodyPr/>
+        <a:lstStyle/>
+        <a:p>
+          <a:r>
+            <a:rPr lang="zh-CN" altLang="en-US" dirty="0" smtClean="0"/>
+            <a:t>面向对象</a:t>
+          </a:r>
+          <a:endParaRPr lang="zh-CN" altLang="en-US" dirty="0"/>
+        </a:p>
+      </dgm:t>
+    </dgm:pt>
+    <dgm:pt modelId="{C087FB3A-DED4-4045-A403-FBA0ECEC1AB0}" type="parTrans" cxnId="{3D78236C-3BC8-4B06-B461-98BF296CFB5E}">
+      <dgm:prSet/>
+      <dgm:spPr/>
+      <dgm:t>
+        <a:bodyPr/>
+        <a:lstStyle/>
+        <a:p>
+          <a:endParaRPr lang="zh-CN" altLang="en-US"/>
+        </a:p>
+      </dgm:t>
+    </dgm:pt>
+    <dgm:pt modelId="{1E97B0AA-6960-4460-89FE-6BDCF622C8D9}" type="sibTrans" cxnId="{3D78236C-3BC8-4B06-B461-98BF296CFB5E}">
+      <dgm:prSet/>
+      <dgm:spPr/>
+      <dgm:t>
+        <a:bodyPr/>
+        <a:lstStyle/>
+        <a:p>
+          <a:endParaRPr lang="zh-CN" altLang="en-US"/>
+        </a:p>
+      </dgm:t>
+    </dgm:pt>
+    <dgm:pt modelId="{411DC8C0-1561-409B-BA98-7BB8267A958A}" type="pres">
+      <dgm:prSet presAssocID="{176AFB12-444C-4FF5-99EB-7CBE1D5942BF}" presName="linear" presStyleCnt="0">
+        <dgm:presLayoutVars>
+          <dgm:dir/>
+          <dgm:animLvl val="lvl"/>
+          <dgm:resizeHandles val="exact"/>
+        </dgm:presLayoutVars>
+      </dgm:prSet>
+      <dgm:spPr/>
+      <dgm:t>
+        <a:bodyPr/>
+        <a:lstStyle/>
+        <a:p>
+          <a:endParaRPr lang="zh-CN" altLang="en-US"/>
+        </a:p>
+      </dgm:t>
+    </dgm:pt>
+    <dgm:pt modelId="{785B247D-DB21-4450-8415-C25699789D4A}" type="pres">
+      <dgm:prSet presAssocID="{19B90B35-E61B-4F5E-B383-63149448AC05}" presName="parentLin" presStyleCnt="0"/>
+      <dgm:spPr/>
+    </dgm:pt>
+    <dgm:pt modelId="{1325F008-E70F-4953-95D8-6514A2ACD7CB}" type="pres">
+      <dgm:prSet presAssocID="{19B90B35-E61B-4F5E-B383-63149448AC05}" presName="parentLeftMargin" presStyleLbl="node1" presStyleIdx="0" presStyleCnt="9"/>
+      <dgm:spPr/>
+      <dgm:t>
+        <a:bodyPr/>
+        <a:lstStyle/>
+        <a:p>
+          <a:endParaRPr lang="zh-CN" altLang="en-US"/>
+        </a:p>
+      </dgm:t>
+    </dgm:pt>
+    <dgm:pt modelId="{980EE00F-8408-4BB3-B7A2-7F3220340BA1}" type="pres">
+      <dgm:prSet presAssocID="{19B90B35-E61B-4F5E-B383-63149448AC05}" presName="parentText" presStyleLbl="node1" presStyleIdx="0" presStyleCnt="9">
+        <dgm:presLayoutVars>
+          <dgm:chMax val="0"/>
+          <dgm:bulletEnabled val="1"/>
+        </dgm:presLayoutVars>
+      </dgm:prSet>
+      <dgm:spPr/>
+      <dgm:t>
+        <a:bodyPr/>
+        <a:lstStyle/>
+        <a:p>
+          <a:endParaRPr lang="zh-CN" altLang="en-US"/>
+        </a:p>
+      </dgm:t>
+    </dgm:pt>
+    <dgm:pt modelId="{A7E3ECD8-D6C8-458B-8D05-17F99E0F906A}" type="pres">
+      <dgm:prSet presAssocID="{19B90B35-E61B-4F5E-B383-63149448AC05}" presName="negativeSpace" presStyleCnt="0"/>
+      <dgm:spPr/>
+    </dgm:pt>
+    <dgm:pt modelId="{3EBC469C-F7E6-4717-8D6D-A16DAD5AB2A6}" type="pres">
+      <dgm:prSet presAssocID="{19B90B35-E61B-4F5E-B383-63149448AC05}" presName="childText" presStyleLbl="conFgAcc1" presStyleIdx="0" presStyleCnt="9">
+        <dgm:presLayoutVars>
+          <dgm:bulletEnabled val="1"/>
+        </dgm:presLayoutVars>
+      </dgm:prSet>
+      <dgm:spPr/>
+    </dgm:pt>
+    <dgm:pt modelId="{FECD2F63-3852-4C3A-92F6-223030EF9DAF}" type="pres">
+      <dgm:prSet presAssocID="{5747AB80-1466-40F2-B934-1A8E98C227FE}" presName="spaceBetweenRectangles" presStyleCnt="0"/>
+      <dgm:spPr/>
+    </dgm:pt>
+    <dgm:pt modelId="{B6C8C076-7FDA-44C5-A435-B819040A322E}" type="pres">
+      <dgm:prSet presAssocID="{6840B376-3CF2-493C-8C69-6CF977E95D0E}" presName="parentLin" presStyleCnt="0"/>
+      <dgm:spPr/>
+      <dgm:t>
+        <a:bodyPr/>
+        <a:lstStyle/>
+        <a:p>
+          <a:endParaRPr lang="zh-CN" altLang="en-US"/>
+        </a:p>
+      </dgm:t>
+    </dgm:pt>
+    <dgm:pt modelId="{59F7F022-90D7-4B7E-97AE-1BF6C01CFF72}" type="pres">
+      <dgm:prSet presAssocID="{6840B376-3CF2-493C-8C69-6CF977E95D0E}" presName="parentLeftMargin" presStyleLbl="node1" presStyleIdx="0" presStyleCnt="9"/>
+      <dgm:spPr/>
+      <dgm:t>
+        <a:bodyPr/>
+        <a:lstStyle/>
+        <a:p>
+          <a:endParaRPr lang="zh-CN" altLang="en-US"/>
+        </a:p>
+      </dgm:t>
+    </dgm:pt>
+    <dgm:pt modelId="{A9F24341-9988-412D-BCDE-F19F269584F8}" type="pres">
+      <dgm:prSet presAssocID="{6840B376-3CF2-493C-8C69-6CF977E95D0E}" presName="parentText" presStyleLbl="node1" presStyleIdx="1" presStyleCnt="9">
+        <dgm:presLayoutVars>
+          <dgm:chMax val="0"/>
+          <dgm:bulletEnabled val="1"/>
+        </dgm:presLayoutVars>
+      </dgm:prSet>
+      <dgm:spPr/>
+      <dgm:t>
+        <a:bodyPr/>
+        <a:lstStyle/>
+        <a:p>
+          <a:endParaRPr lang="zh-CN" altLang="en-US"/>
+        </a:p>
+      </dgm:t>
+    </dgm:pt>
+    <dgm:pt modelId="{CEB15832-F39E-4CA8-A4AD-A549A9BBDA03}" type="pres">
+      <dgm:prSet presAssocID="{6840B376-3CF2-493C-8C69-6CF977E95D0E}" presName="negativeSpace" presStyleCnt="0"/>
+      <dgm:spPr/>
+      <dgm:t>
+        <a:bodyPr/>
+        <a:lstStyle/>
+        <a:p>
+          <a:endParaRPr lang="zh-CN" altLang="en-US"/>
+        </a:p>
+      </dgm:t>
+    </dgm:pt>
+    <dgm:pt modelId="{082499B5-A9BD-4E57-98CB-6E3FE1461928}" type="pres">
+      <dgm:prSet presAssocID="{6840B376-3CF2-493C-8C69-6CF977E95D0E}" presName="childText" presStyleLbl="conFgAcc1" presStyleIdx="1" presStyleCnt="9">
+        <dgm:presLayoutVars>
+          <dgm:bulletEnabled val="1"/>
+        </dgm:presLayoutVars>
+      </dgm:prSet>
+      <dgm:spPr/>
+      <dgm:t>
+        <a:bodyPr/>
+        <a:lstStyle/>
+        <a:p>
+          <a:endParaRPr lang="zh-CN" altLang="en-US"/>
+        </a:p>
+      </dgm:t>
+    </dgm:pt>
+    <dgm:pt modelId="{E19849F0-C7B4-4431-A355-73FE23A01DAE}" type="pres">
+      <dgm:prSet presAssocID="{C3886FFA-71A4-436C-AE25-20E307282FA3}" presName="spaceBetweenRectangles" presStyleCnt="0"/>
+      <dgm:spPr/>
+      <dgm:t>
+        <a:bodyPr/>
+        <a:lstStyle/>
+        <a:p>
+          <a:endParaRPr lang="zh-CN" altLang="en-US"/>
+        </a:p>
+      </dgm:t>
+    </dgm:pt>
+    <dgm:pt modelId="{71FD2B98-2778-425E-A807-F5FD70D6E949}" type="pres">
+      <dgm:prSet presAssocID="{23E4EE50-F2D6-4EF1-BE06-3200A5317384}" presName="parentLin" presStyleCnt="0"/>
+      <dgm:spPr/>
+    </dgm:pt>
+    <dgm:pt modelId="{ED155A0A-8DCE-4D29-8045-A770F028B281}" type="pres">
+      <dgm:prSet presAssocID="{23E4EE50-F2D6-4EF1-BE06-3200A5317384}" presName="parentLeftMargin" presStyleLbl="node1" presStyleIdx="1" presStyleCnt="9"/>
+      <dgm:spPr/>
+      <dgm:t>
+        <a:bodyPr/>
+        <a:lstStyle/>
+        <a:p>
+          <a:endParaRPr lang="zh-CN" altLang="en-US"/>
+        </a:p>
+      </dgm:t>
+    </dgm:pt>
+    <dgm:pt modelId="{86F143E0-BDFF-4511-937D-B2C335A94DCA}" type="pres">
+      <dgm:prSet presAssocID="{23E4EE50-F2D6-4EF1-BE06-3200A5317384}" presName="parentText" presStyleLbl="node1" presStyleIdx="2" presStyleCnt="9">
+        <dgm:presLayoutVars>
+          <dgm:chMax val="0"/>
+          <dgm:bulletEnabled val="1"/>
+        </dgm:presLayoutVars>
+      </dgm:prSet>
+      <dgm:spPr/>
+      <dgm:t>
+        <a:bodyPr/>
+        <a:lstStyle/>
+        <a:p>
+          <a:endParaRPr lang="zh-CN" altLang="en-US"/>
+        </a:p>
+      </dgm:t>
+    </dgm:pt>
+    <dgm:pt modelId="{B5E3B1FF-65A6-4C7B-821F-A94452A7E250}" type="pres">
+      <dgm:prSet presAssocID="{23E4EE50-F2D6-4EF1-BE06-3200A5317384}" presName="negativeSpace" presStyleCnt="0"/>
+      <dgm:spPr/>
+    </dgm:pt>
+    <dgm:pt modelId="{908F9F88-C82E-471E-8DF0-7A9C9E3AF93C}" type="pres">
+      <dgm:prSet presAssocID="{23E4EE50-F2D6-4EF1-BE06-3200A5317384}" presName="childText" presStyleLbl="conFgAcc1" presStyleIdx="2" presStyleCnt="9">
+        <dgm:presLayoutVars>
+          <dgm:bulletEnabled val="1"/>
+        </dgm:presLayoutVars>
+      </dgm:prSet>
+      <dgm:spPr/>
+    </dgm:pt>
+    <dgm:pt modelId="{CAE5578D-D65E-483A-A6B4-171708A02A44}" type="pres">
+      <dgm:prSet presAssocID="{6EE9AC7A-8EAC-4292-9A0C-202F0EBBB240}" presName="spaceBetweenRectangles" presStyleCnt="0"/>
+      <dgm:spPr/>
+    </dgm:pt>
+    <dgm:pt modelId="{4ED5C897-21E8-45D1-B7BD-422F32486AEB}" type="pres">
+      <dgm:prSet presAssocID="{9D89B628-7431-499F-9721-CE76697BA322}" presName="parentLin" presStyleCnt="0"/>
+      <dgm:spPr/>
+    </dgm:pt>
+    <dgm:pt modelId="{040AABAE-C740-418C-BB80-7A215BEDDC17}" type="pres">
+      <dgm:prSet presAssocID="{9D89B628-7431-499F-9721-CE76697BA322}" presName="parentLeftMargin" presStyleLbl="node1" presStyleIdx="2" presStyleCnt="9"/>
+      <dgm:spPr/>
+      <dgm:t>
+        <a:bodyPr/>
+        <a:lstStyle/>
+        <a:p>
+          <a:endParaRPr lang="zh-CN" altLang="en-US"/>
+        </a:p>
+      </dgm:t>
+    </dgm:pt>
+    <dgm:pt modelId="{4BAC28CC-C7CA-402D-9801-189C960D25BA}" type="pres">
+      <dgm:prSet presAssocID="{9D89B628-7431-499F-9721-CE76697BA322}" presName="parentText" presStyleLbl="node1" presStyleIdx="3" presStyleCnt="9">
+        <dgm:presLayoutVars>
+          <dgm:chMax val="0"/>
+          <dgm:bulletEnabled val="1"/>
+        </dgm:presLayoutVars>
+      </dgm:prSet>
+      <dgm:spPr/>
+      <dgm:t>
+        <a:bodyPr/>
+        <a:lstStyle/>
+        <a:p>
+          <a:endParaRPr lang="zh-CN" altLang="en-US"/>
+        </a:p>
+      </dgm:t>
+    </dgm:pt>
+    <dgm:pt modelId="{BC9DD6FD-A867-4F8B-B89F-FED0CBC4D305}" type="pres">
+      <dgm:prSet presAssocID="{9D89B628-7431-499F-9721-CE76697BA322}" presName="negativeSpace" presStyleCnt="0"/>
+      <dgm:spPr/>
+    </dgm:pt>
+    <dgm:pt modelId="{70F517AD-A906-4855-A196-587243D09978}" type="pres">
+      <dgm:prSet presAssocID="{9D89B628-7431-499F-9721-CE76697BA322}" presName="childText" presStyleLbl="conFgAcc1" presStyleIdx="3" presStyleCnt="9">
+        <dgm:presLayoutVars>
+          <dgm:bulletEnabled val="1"/>
+        </dgm:presLayoutVars>
+      </dgm:prSet>
+      <dgm:spPr/>
+    </dgm:pt>
+    <dgm:pt modelId="{CD5D9D01-F2CC-4A73-9CB5-ECF7E7386E68}" type="pres">
+      <dgm:prSet presAssocID="{9968A3C5-6FD6-4F52-BC10-BC44BABE4773}" presName="spaceBetweenRectangles" presStyleCnt="0"/>
+      <dgm:spPr/>
+    </dgm:pt>
+    <dgm:pt modelId="{25E7D5F6-C4CA-42B5-BEBE-00E2415AE055}" type="pres">
+      <dgm:prSet presAssocID="{B77830E2-AA02-4D5F-A237-89B0C51F4829}" presName="parentLin" presStyleCnt="0"/>
+      <dgm:spPr/>
+    </dgm:pt>
+    <dgm:pt modelId="{8C3AAB10-B09D-40A9-9FB7-21078CBA4534}" type="pres">
+      <dgm:prSet presAssocID="{B77830E2-AA02-4D5F-A237-89B0C51F4829}" presName="parentLeftMargin" presStyleLbl="node1" presStyleIdx="3" presStyleCnt="9"/>
+      <dgm:spPr/>
+      <dgm:t>
+        <a:bodyPr/>
+        <a:lstStyle/>
+        <a:p>
+          <a:endParaRPr lang="zh-CN" altLang="en-US"/>
+        </a:p>
+      </dgm:t>
+    </dgm:pt>
+    <dgm:pt modelId="{D4347316-374D-416F-87DB-107CAA5BECDB}" type="pres">
+      <dgm:prSet presAssocID="{B77830E2-AA02-4D5F-A237-89B0C51F4829}" presName="parentText" presStyleLbl="node1" presStyleIdx="4" presStyleCnt="9">
+        <dgm:presLayoutVars>
+          <dgm:chMax val="0"/>
+          <dgm:bulletEnabled val="1"/>
+        </dgm:presLayoutVars>
+      </dgm:prSet>
+      <dgm:spPr/>
+      <dgm:t>
+        <a:bodyPr/>
+        <a:lstStyle/>
+        <a:p>
+          <a:endParaRPr lang="zh-CN" altLang="en-US"/>
+        </a:p>
+      </dgm:t>
+    </dgm:pt>
+    <dgm:pt modelId="{5B3B26F8-D440-4BBB-A50A-38B44CBB3B0D}" type="pres">
+      <dgm:prSet presAssocID="{B77830E2-AA02-4D5F-A237-89B0C51F4829}" presName="negativeSpace" presStyleCnt="0"/>
+      <dgm:spPr/>
+    </dgm:pt>
+    <dgm:pt modelId="{0D6705DC-DB45-4730-9FCD-4076E628E5D5}" type="pres">
+      <dgm:prSet presAssocID="{B77830E2-AA02-4D5F-A237-89B0C51F4829}" presName="childText" presStyleLbl="conFgAcc1" presStyleIdx="4" presStyleCnt="9">
+        <dgm:presLayoutVars>
+          <dgm:bulletEnabled val="1"/>
+        </dgm:presLayoutVars>
+      </dgm:prSet>
+      <dgm:spPr/>
+      <dgm:t>
+        <a:bodyPr/>
+        <a:lstStyle/>
+        <a:p>
+          <a:endParaRPr lang="zh-CN" altLang="en-US"/>
+        </a:p>
+      </dgm:t>
+    </dgm:pt>
+    <dgm:pt modelId="{FDE7B2BF-CFA3-4E1E-B51E-E8600AB18A8E}" type="pres">
+      <dgm:prSet presAssocID="{4ED11DCD-0013-4895-AC41-F5BBDE303CD3}" presName="spaceBetweenRectangles" presStyleCnt="0"/>
+      <dgm:spPr/>
+    </dgm:pt>
+    <dgm:pt modelId="{911A5B13-70C6-48C5-9788-DCF8F77AB200}" type="pres">
+      <dgm:prSet presAssocID="{93E3CBBB-BB9D-4436-B899-ABCFF9794CA7}" presName="parentLin" presStyleCnt="0"/>
+      <dgm:spPr/>
+    </dgm:pt>
+    <dgm:pt modelId="{A6ABC651-D648-4817-9C26-6EAAEBEAB61E}" type="pres">
+      <dgm:prSet presAssocID="{93E3CBBB-BB9D-4436-B899-ABCFF9794CA7}" presName="parentLeftMargin" presStyleLbl="node1" presStyleIdx="4" presStyleCnt="9"/>
+      <dgm:spPr/>
+      <dgm:t>
+        <a:bodyPr/>
+        <a:lstStyle/>
+        <a:p>
+          <a:endParaRPr lang="zh-CN" altLang="en-US"/>
+        </a:p>
+      </dgm:t>
+    </dgm:pt>
+    <dgm:pt modelId="{D43C5A37-C7D9-4E1B-8D08-C87C17DA4796}" type="pres">
+      <dgm:prSet presAssocID="{93E3CBBB-BB9D-4436-B899-ABCFF9794CA7}" presName="parentText" presStyleLbl="node1" presStyleIdx="5" presStyleCnt="9">
+        <dgm:presLayoutVars>
+          <dgm:chMax val="0"/>
+          <dgm:bulletEnabled val="1"/>
+        </dgm:presLayoutVars>
+      </dgm:prSet>
+      <dgm:spPr/>
+      <dgm:t>
+        <a:bodyPr/>
+        <a:lstStyle/>
+        <a:p>
+          <a:endParaRPr lang="zh-CN" altLang="en-US"/>
+        </a:p>
+      </dgm:t>
+    </dgm:pt>
+    <dgm:pt modelId="{E76EE04E-550D-4E75-AA57-CD72E9216FF0}" type="pres">
+      <dgm:prSet presAssocID="{93E3CBBB-BB9D-4436-B899-ABCFF9794CA7}" presName="negativeSpace" presStyleCnt="0"/>
+      <dgm:spPr/>
+    </dgm:pt>
+    <dgm:pt modelId="{6F48CDA6-AEFE-4586-BA56-C7619BE614F3}" type="pres">
+      <dgm:prSet presAssocID="{93E3CBBB-BB9D-4436-B899-ABCFF9794CA7}" presName="childText" presStyleLbl="conFgAcc1" presStyleIdx="5" presStyleCnt="9">
+        <dgm:presLayoutVars>
+          <dgm:bulletEnabled val="1"/>
+        </dgm:presLayoutVars>
+      </dgm:prSet>
+      <dgm:spPr/>
+    </dgm:pt>
+    <dgm:pt modelId="{79CF150E-3467-4FB3-8FBF-7339CDA2B23B}" type="pres">
+      <dgm:prSet presAssocID="{0E83EE0A-3E83-4D81-87E2-ED534BED1617}" presName="spaceBetweenRectangles" presStyleCnt="0"/>
+      <dgm:spPr/>
+    </dgm:pt>
+    <dgm:pt modelId="{38EC392B-F63B-40C8-81E7-2E44419F3005}" type="pres">
+      <dgm:prSet presAssocID="{6902E96F-5C1C-44EF-831A-47405DFEDF6C}" presName="parentLin" presStyleCnt="0"/>
+      <dgm:spPr/>
+    </dgm:pt>
+    <dgm:pt modelId="{0CDCC8D9-E33E-4FE5-86B3-3C3CB8BBBC0B}" type="pres">
+      <dgm:prSet presAssocID="{6902E96F-5C1C-44EF-831A-47405DFEDF6C}" presName="parentLeftMargin" presStyleLbl="node1" presStyleIdx="5" presStyleCnt="9"/>
+      <dgm:spPr/>
+      <dgm:t>
+        <a:bodyPr/>
+        <a:lstStyle/>
+        <a:p>
+          <a:endParaRPr lang="zh-CN" altLang="en-US"/>
+        </a:p>
+      </dgm:t>
+    </dgm:pt>
+    <dgm:pt modelId="{DEC60EEA-80D1-4BB7-852F-205588880CF2}" type="pres">
+      <dgm:prSet presAssocID="{6902E96F-5C1C-44EF-831A-47405DFEDF6C}" presName="parentText" presStyleLbl="node1" presStyleIdx="6" presStyleCnt="9">
+        <dgm:presLayoutVars>
+          <dgm:chMax val="0"/>
+          <dgm:bulletEnabled val="1"/>
+        </dgm:presLayoutVars>
+      </dgm:prSet>
+      <dgm:spPr/>
+      <dgm:t>
+        <a:bodyPr/>
+        <a:lstStyle/>
+        <a:p>
+          <a:endParaRPr lang="zh-CN" altLang="en-US"/>
+        </a:p>
+      </dgm:t>
+    </dgm:pt>
+    <dgm:pt modelId="{92DB4087-AF11-47E0-A1FD-6A23392007C0}" type="pres">
+      <dgm:prSet presAssocID="{6902E96F-5C1C-44EF-831A-47405DFEDF6C}" presName="negativeSpace" presStyleCnt="0"/>
+      <dgm:spPr/>
+    </dgm:pt>
+    <dgm:pt modelId="{AE8679DB-5AFE-4B97-ABC4-66DE08231BD5}" type="pres">
+      <dgm:prSet presAssocID="{6902E96F-5C1C-44EF-831A-47405DFEDF6C}" presName="childText" presStyleLbl="conFgAcc1" presStyleIdx="6" presStyleCnt="9">
+        <dgm:presLayoutVars>
+          <dgm:bulletEnabled val="1"/>
+        </dgm:presLayoutVars>
+      </dgm:prSet>
+      <dgm:spPr/>
+    </dgm:pt>
+    <dgm:pt modelId="{C14771EA-C974-43AF-9068-FD0BB40895EF}" type="pres">
+      <dgm:prSet presAssocID="{CFECBF53-AFE8-447E-A292-E4D0E40FA718}" presName="spaceBetweenRectangles" presStyleCnt="0"/>
+      <dgm:spPr/>
+    </dgm:pt>
+    <dgm:pt modelId="{A428D338-7ABA-400C-ABAF-56ECD8BABDFD}" type="pres">
+      <dgm:prSet presAssocID="{98B6B536-7D07-4037-A94E-EED9350E55EB}" presName="parentLin" presStyleCnt="0"/>
+      <dgm:spPr/>
+    </dgm:pt>
+    <dgm:pt modelId="{60539584-6DBB-4804-807F-884A5E471BCA}" type="pres">
+      <dgm:prSet presAssocID="{98B6B536-7D07-4037-A94E-EED9350E55EB}" presName="parentLeftMargin" presStyleLbl="node1" presStyleIdx="6" presStyleCnt="9"/>
+      <dgm:spPr/>
+      <dgm:t>
+        <a:bodyPr/>
+        <a:lstStyle/>
+        <a:p>
+          <a:endParaRPr lang="zh-CN" altLang="en-US"/>
+        </a:p>
+      </dgm:t>
+    </dgm:pt>
+    <dgm:pt modelId="{67B1179A-D9A3-4F4B-98F9-9FBACB2952BC}" type="pres">
+      <dgm:prSet presAssocID="{98B6B536-7D07-4037-A94E-EED9350E55EB}" presName="parentText" presStyleLbl="node1" presStyleIdx="7" presStyleCnt="9">
+        <dgm:presLayoutVars>
+          <dgm:chMax val="0"/>
+          <dgm:bulletEnabled val="1"/>
+        </dgm:presLayoutVars>
+      </dgm:prSet>
+      <dgm:spPr/>
+      <dgm:t>
+        <a:bodyPr/>
+        <a:lstStyle/>
+        <a:p>
+          <a:endParaRPr lang="zh-CN" altLang="en-US"/>
+        </a:p>
+      </dgm:t>
+    </dgm:pt>
+    <dgm:pt modelId="{78543F81-8A82-4681-AB9A-4515B28D2CFB}" type="pres">
+      <dgm:prSet presAssocID="{98B6B536-7D07-4037-A94E-EED9350E55EB}" presName="negativeSpace" presStyleCnt="0"/>
+      <dgm:spPr/>
+    </dgm:pt>
+    <dgm:pt modelId="{1220CEF2-815D-4904-9E7D-B2B7DB0EDBBB}" type="pres">
+      <dgm:prSet presAssocID="{98B6B536-7D07-4037-A94E-EED9350E55EB}" presName="childText" presStyleLbl="conFgAcc1" presStyleIdx="7" presStyleCnt="9">
+        <dgm:presLayoutVars>
+          <dgm:bulletEnabled val="1"/>
+        </dgm:presLayoutVars>
+      </dgm:prSet>
+      <dgm:spPr/>
+    </dgm:pt>
+    <dgm:pt modelId="{70932AE6-D527-4751-8FD1-E9068F116941}" type="pres">
+      <dgm:prSet presAssocID="{6BFBD470-740A-4EDE-8381-A535338C496B}" presName="spaceBetweenRectangles" presStyleCnt="0"/>
+      <dgm:spPr/>
+    </dgm:pt>
+    <dgm:pt modelId="{3A7D2903-1911-451B-B8D1-E29F844F08D0}" type="pres">
+      <dgm:prSet presAssocID="{31D9D35C-CCE5-4D4E-96BA-0D0CED6E4FF1}" presName="parentLin" presStyleCnt="0"/>
+      <dgm:spPr/>
+    </dgm:pt>
+    <dgm:pt modelId="{79E0875C-1742-46A8-AE54-98FF95D9BC9F}" type="pres">
+      <dgm:prSet presAssocID="{31D9D35C-CCE5-4D4E-96BA-0D0CED6E4FF1}" presName="parentLeftMargin" presStyleLbl="node1" presStyleIdx="7" presStyleCnt="9"/>
+      <dgm:spPr/>
+      <dgm:t>
+        <a:bodyPr/>
+        <a:lstStyle/>
+        <a:p>
+          <a:endParaRPr lang="zh-CN" altLang="en-US"/>
+        </a:p>
+      </dgm:t>
+    </dgm:pt>
+    <dgm:pt modelId="{B0AC64E7-A4D4-495C-9DE7-08EB7861C992}" type="pres">
+      <dgm:prSet presAssocID="{31D9D35C-CCE5-4D4E-96BA-0D0CED6E4FF1}" presName="parentText" presStyleLbl="node1" presStyleIdx="8" presStyleCnt="9">
+        <dgm:presLayoutVars>
+          <dgm:chMax val="0"/>
+          <dgm:bulletEnabled val="1"/>
+        </dgm:presLayoutVars>
+      </dgm:prSet>
+      <dgm:spPr/>
+      <dgm:t>
+        <a:bodyPr/>
+        <a:lstStyle/>
+        <a:p>
+          <a:endParaRPr lang="zh-CN" altLang="en-US"/>
+        </a:p>
+      </dgm:t>
+    </dgm:pt>
+    <dgm:pt modelId="{1953B7B2-DE5E-4496-AB3E-8DD774CC4275}" type="pres">
+      <dgm:prSet presAssocID="{31D9D35C-CCE5-4D4E-96BA-0D0CED6E4FF1}" presName="negativeSpace" presStyleCnt="0"/>
+      <dgm:spPr/>
+    </dgm:pt>
+    <dgm:pt modelId="{0301721C-47EC-412B-861B-7EC40AB5B63F}" type="pres">
+      <dgm:prSet presAssocID="{31D9D35C-CCE5-4D4E-96BA-0D0CED6E4FF1}" presName="childText" presStyleLbl="conFgAcc1" presStyleIdx="8" presStyleCnt="9">
+        <dgm:presLayoutVars>
+          <dgm:bulletEnabled val="1"/>
+        </dgm:presLayoutVars>
+      </dgm:prSet>
+      <dgm:spPr/>
+    </dgm:pt>
+  </dgm:ptLst>
+  <dgm:cxnLst>
+    <dgm:cxn modelId="{BDA8D6B1-85DD-47F4-AE82-96B4EE59CB2F}" srcId="{176AFB12-444C-4FF5-99EB-7CBE1D5942BF}" destId="{93E3CBBB-BB9D-4436-B899-ABCFF9794CA7}" srcOrd="5" destOrd="0" parTransId="{C2DF888F-0E23-4B1C-BE97-4E862A9F4B86}" sibTransId="{0E83EE0A-3E83-4D81-87E2-ED534BED1617}"/>
+    <dgm:cxn modelId="{B6F50F1B-1C7F-48ED-BBDD-8BC7B4004E1D}" type="presOf" srcId="{9D89B628-7431-499F-9721-CE76697BA322}" destId="{4BAC28CC-C7CA-402D-9801-189C960D25BA}" srcOrd="1" destOrd="0" presId="urn:microsoft.com/office/officeart/2005/8/layout/list1"/>
+    <dgm:cxn modelId="{2C88306E-5618-46D8-B3E8-744E0DE27FD4}" srcId="{176AFB12-444C-4FF5-99EB-7CBE1D5942BF}" destId="{6902E96F-5C1C-44EF-831A-47405DFEDF6C}" srcOrd="6" destOrd="0" parTransId="{7A6B0270-2A82-4F5E-BDD1-AFBF11A3E74B}" sibTransId="{CFECBF53-AFE8-447E-A292-E4D0E40FA718}"/>
+    <dgm:cxn modelId="{A194C2BE-2983-4E0A-99F9-81B8B2658CEA}" type="presOf" srcId="{19B90B35-E61B-4F5E-B383-63149448AC05}" destId="{1325F008-E70F-4953-95D8-6514A2ACD7CB}" srcOrd="0" destOrd="0" presId="urn:microsoft.com/office/officeart/2005/8/layout/list1"/>
+    <dgm:cxn modelId="{7656664F-27D6-4166-A5DA-214D53763103}" srcId="{176AFB12-444C-4FF5-99EB-7CBE1D5942BF}" destId="{9D89B628-7431-499F-9721-CE76697BA322}" srcOrd="3" destOrd="0" parTransId="{CBEB240F-E079-4E62-AA03-A26FC8AEC5C1}" sibTransId="{9968A3C5-6FD6-4F52-BC10-BC44BABE4773}"/>
+    <dgm:cxn modelId="{3D78236C-3BC8-4B06-B461-98BF296CFB5E}" srcId="{176AFB12-444C-4FF5-99EB-7CBE1D5942BF}" destId="{31D9D35C-CCE5-4D4E-96BA-0D0CED6E4FF1}" srcOrd="8" destOrd="0" parTransId="{C087FB3A-DED4-4045-A403-FBA0ECEC1AB0}" sibTransId="{1E97B0AA-6960-4460-89FE-6BDCF622C8D9}"/>
+    <dgm:cxn modelId="{555DE075-109F-481E-8335-3FC4C5CB8347}" type="presOf" srcId="{B77830E2-AA02-4D5F-A237-89B0C51F4829}" destId="{D4347316-374D-416F-87DB-107CAA5BECDB}" srcOrd="1" destOrd="0" presId="urn:microsoft.com/office/officeart/2005/8/layout/list1"/>
+    <dgm:cxn modelId="{FC60DD7C-CB79-44CF-8CA6-AE50ACB653E5}" type="presOf" srcId="{93E3CBBB-BB9D-4436-B899-ABCFF9794CA7}" destId="{A6ABC651-D648-4817-9C26-6EAAEBEAB61E}" srcOrd="0" destOrd="0" presId="urn:microsoft.com/office/officeart/2005/8/layout/list1"/>
+    <dgm:cxn modelId="{95FBF84B-C3C7-4FC7-8DE2-D0154CC669DA}" srcId="{176AFB12-444C-4FF5-99EB-7CBE1D5942BF}" destId="{98B6B536-7D07-4037-A94E-EED9350E55EB}" srcOrd="7" destOrd="0" parTransId="{AAD858C9-7A2E-4A90-938E-410818CFC76A}" sibTransId="{6BFBD470-740A-4EDE-8381-A535338C496B}"/>
+    <dgm:cxn modelId="{AF2108EB-4725-4D08-B878-70E5CA070954}" type="presOf" srcId="{6902E96F-5C1C-44EF-831A-47405DFEDF6C}" destId="{0CDCC8D9-E33E-4FE5-86B3-3C3CB8BBBC0B}" srcOrd="0" destOrd="0" presId="urn:microsoft.com/office/officeart/2005/8/layout/list1"/>
+    <dgm:cxn modelId="{70136C48-F0FD-43CF-B058-5C10D7557ECB}" type="presOf" srcId="{31D9D35C-CCE5-4D4E-96BA-0D0CED6E4FF1}" destId="{B0AC64E7-A4D4-495C-9DE7-08EB7861C992}" srcOrd="1" destOrd="0" presId="urn:microsoft.com/office/officeart/2005/8/layout/list1"/>
+    <dgm:cxn modelId="{9BE65A38-AD14-4CC7-A0D9-3811298C28CD}" type="presOf" srcId="{6840B376-3CF2-493C-8C69-6CF977E95D0E}" destId="{59F7F022-90D7-4B7E-97AE-1BF6C01CFF72}" srcOrd="0" destOrd="0" presId="urn:microsoft.com/office/officeart/2005/8/layout/list1"/>
+    <dgm:cxn modelId="{B953BF00-EDC0-4D25-A6DA-BAE90526945F}" srcId="{176AFB12-444C-4FF5-99EB-7CBE1D5942BF}" destId="{B77830E2-AA02-4D5F-A237-89B0C51F4829}" srcOrd="4" destOrd="0" parTransId="{EC76B87A-5305-4804-8359-91F5E6539B86}" sibTransId="{4ED11DCD-0013-4895-AC41-F5BBDE303CD3}"/>
+    <dgm:cxn modelId="{7C711305-0F4F-4FBD-A174-91C267871FF1}" type="presOf" srcId="{98B6B536-7D07-4037-A94E-EED9350E55EB}" destId="{67B1179A-D9A3-4F4B-98F9-9FBACB2952BC}" srcOrd="1" destOrd="0" presId="urn:microsoft.com/office/officeart/2005/8/layout/list1"/>
+    <dgm:cxn modelId="{28E8766A-2BF6-4F3E-9C3D-38E7D2FF6919}" type="presOf" srcId="{9D89B628-7431-499F-9721-CE76697BA322}" destId="{040AABAE-C740-418C-BB80-7A215BEDDC17}" srcOrd="0" destOrd="0" presId="urn:microsoft.com/office/officeart/2005/8/layout/list1"/>
+    <dgm:cxn modelId="{94D6B7C2-D961-438D-981F-89B8DB1EEED3}" type="presOf" srcId="{23E4EE50-F2D6-4EF1-BE06-3200A5317384}" destId="{86F143E0-BDFF-4511-937D-B2C335A94DCA}" srcOrd="1" destOrd="0" presId="urn:microsoft.com/office/officeart/2005/8/layout/list1"/>
+    <dgm:cxn modelId="{F32806C1-A99A-4621-B768-28D571CF3F35}" type="presOf" srcId="{19B90B35-E61B-4F5E-B383-63149448AC05}" destId="{980EE00F-8408-4BB3-B7A2-7F3220340BA1}" srcOrd="1" destOrd="0" presId="urn:microsoft.com/office/officeart/2005/8/layout/list1"/>
+    <dgm:cxn modelId="{9E56C246-298B-4CB6-B687-7AE100F55EBB}" type="presOf" srcId="{6840B376-3CF2-493C-8C69-6CF977E95D0E}" destId="{A9F24341-9988-412D-BCDE-F19F269584F8}" srcOrd="1" destOrd="0" presId="urn:microsoft.com/office/officeart/2005/8/layout/list1"/>
+    <dgm:cxn modelId="{547094A5-A76E-4C9D-A931-BB80FB1E92AE}" type="presOf" srcId="{98B6B536-7D07-4037-A94E-EED9350E55EB}" destId="{60539584-6DBB-4804-807F-884A5E471BCA}" srcOrd="0" destOrd="0" presId="urn:microsoft.com/office/officeart/2005/8/layout/list1"/>
+    <dgm:cxn modelId="{A12C3805-71E1-463A-BDDC-E1808F331BC0}" srcId="{176AFB12-444C-4FF5-99EB-7CBE1D5942BF}" destId="{23E4EE50-F2D6-4EF1-BE06-3200A5317384}" srcOrd="2" destOrd="0" parTransId="{1C3019CF-B5A4-48B4-8DAA-8EE4C4E004B4}" sibTransId="{6EE9AC7A-8EAC-4292-9A0C-202F0EBBB240}"/>
+    <dgm:cxn modelId="{1ECF02CF-3B49-4593-80ED-7B245DD67286}" type="presOf" srcId="{176AFB12-444C-4FF5-99EB-7CBE1D5942BF}" destId="{411DC8C0-1561-409B-BA98-7BB8267A958A}" srcOrd="0" destOrd="0" presId="urn:microsoft.com/office/officeart/2005/8/layout/list1"/>
+    <dgm:cxn modelId="{18401606-4017-44DC-9FDD-A1DCFDEE685E}" type="presOf" srcId="{6902E96F-5C1C-44EF-831A-47405DFEDF6C}" destId="{DEC60EEA-80D1-4BB7-852F-205588880CF2}" srcOrd="1" destOrd="0" presId="urn:microsoft.com/office/officeart/2005/8/layout/list1"/>
+    <dgm:cxn modelId="{0BA924CF-0E3D-4D97-83BA-68F727F1D29A}" type="presOf" srcId="{B77830E2-AA02-4D5F-A237-89B0C51F4829}" destId="{8C3AAB10-B09D-40A9-9FB7-21078CBA4534}" srcOrd="0" destOrd="0" presId="urn:microsoft.com/office/officeart/2005/8/layout/list1"/>
+    <dgm:cxn modelId="{6F56388C-2276-45C8-BEFA-05C483D6494D}" srcId="{176AFB12-444C-4FF5-99EB-7CBE1D5942BF}" destId="{6840B376-3CF2-493C-8C69-6CF977E95D0E}" srcOrd="1" destOrd="0" parTransId="{1E5A1EA7-3DA0-41A7-A29D-FA61176B2AA5}" sibTransId="{C3886FFA-71A4-436C-AE25-20E307282FA3}"/>
+    <dgm:cxn modelId="{B0F7059B-F1F0-4A13-A28B-8BD80DEAACD7}" srcId="{176AFB12-444C-4FF5-99EB-7CBE1D5942BF}" destId="{19B90B35-E61B-4F5E-B383-63149448AC05}" srcOrd="0" destOrd="0" parTransId="{5D9EDED2-95B4-4E1B-8CA3-369E3EAB7573}" sibTransId="{5747AB80-1466-40F2-B934-1A8E98C227FE}"/>
+    <dgm:cxn modelId="{1BB31FAA-6A59-4B95-A203-554C4CD82D3B}" type="presOf" srcId="{93E3CBBB-BB9D-4436-B899-ABCFF9794CA7}" destId="{D43C5A37-C7D9-4E1B-8D08-C87C17DA4796}" srcOrd="1" destOrd="0" presId="urn:microsoft.com/office/officeart/2005/8/layout/list1"/>
+    <dgm:cxn modelId="{1E6CCAC3-1B31-4540-8817-C794937716AB}" type="presOf" srcId="{23E4EE50-F2D6-4EF1-BE06-3200A5317384}" destId="{ED155A0A-8DCE-4D29-8045-A770F028B281}" srcOrd="0" destOrd="0" presId="urn:microsoft.com/office/officeart/2005/8/layout/list1"/>
+    <dgm:cxn modelId="{4BFD4284-FFBA-42B0-8F9A-E64B4BB2C01E}" type="presOf" srcId="{31D9D35C-CCE5-4D4E-96BA-0D0CED6E4FF1}" destId="{79E0875C-1742-46A8-AE54-98FF95D9BC9F}" srcOrd="0" destOrd="0" presId="urn:microsoft.com/office/officeart/2005/8/layout/list1"/>
+    <dgm:cxn modelId="{FB3A5D7C-8A5A-4FAB-A1D3-39AF57554B01}" type="presParOf" srcId="{411DC8C0-1561-409B-BA98-7BB8267A958A}" destId="{785B247D-DB21-4450-8415-C25699789D4A}" srcOrd="0" destOrd="0" presId="urn:microsoft.com/office/officeart/2005/8/layout/list1"/>
+    <dgm:cxn modelId="{D4BEF0B5-1DE9-4BF9-9589-893A24F229C9}" type="presParOf" srcId="{785B247D-DB21-4450-8415-C25699789D4A}" destId="{1325F008-E70F-4953-95D8-6514A2ACD7CB}" srcOrd="0" destOrd="0" presId="urn:microsoft.com/office/officeart/2005/8/layout/list1"/>
+    <dgm:cxn modelId="{49423F91-C6F7-4995-9E43-6523DB346462}" type="presParOf" srcId="{785B247D-DB21-4450-8415-C25699789D4A}" destId="{980EE00F-8408-4BB3-B7A2-7F3220340BA1}" srcOrd="1" destOrd="0" presId="urn:microsoft.com/office/officeart/2005/8/layout/list1"/>
+    <dgm:cxn modelId="{D3323B3F-78E1-4389-B276-E87972F4E9FA}" type="presParOf" srcId="{411DC8C0-1561-409B-BA98-7BB8267A958A}" destId="{A7E3ECD8-D6C8-458B-8D05-17F99E0F906A}" srcOrd="1" destOrd="0" presId="urn:microsoft.com/office/officeart/2005/8/layout/list1"/>
+    <dgm:cxn modelId="{6B3876D6-2828-4901-BEC8-BD88ED219E94}" type="presParOf" srcId="{411DC8C0-1561-409B-BA98-7BB8267A958A}" destId="{3EBC469C-F7E6-4717-8D6D-A16DAD5AB2A6}" srcOrd="2" destOrd="0" presId="urn:microsoft.com/office/officeart/2005/8/layout/list1"/>
+    <dgm:cxn modelId="{584C321E-E89A-434B-8FD6-C4F66D853EB0}" type="presParOf" srcId="{411DC8C0-1561-409B-BA98-7BB8267A958A}" destId="{FECD2F63-3852-4C3A-92F6-223030EF9DAF}" srcOrd="3" destOrd="0" presId="urn:microsoft.com/office/officeart/2005/8/layout/list1"/>
+    <dgm:cxn modelId="{9CB8870E-B8B8-45F3-B2C6-247F761CA9F9}" type="presParOf" srcId="{411DC8C0-1561-409B-BA98-7BB8267A958A}" destId="{B6C8C076-7FDA-44C5-A435-B819040A322E}" srcOrd="4" destOrd="0" presId="urn:microsoft.com/office/officeart/2005/8/layout/list1"/>
+    <dgm:cxn modelId="{B2604688-9F9B-48E6-933F-80D59B50AF58}" type="presParOf" srcId="{B6C8C076-7FDA-44C5-A435-B819040A322E}" destId="{59F7F022-90D7-4B7E-97AE-1BF6C01CFF72}" srcOrd="0" destOrd="0" presId="urn:microsoft.com/office/officeart/2005/8/layout/list1"/>
+    <dgm:cxn modelId="{4FF441A0-D608-442D-914F-3D8A0166B0D0}" type="presParOf" srcId="{B6C8C076-7FDA-44C5-A435-B819040A322E}" destId="{A9F24341-9988-412D-BCDE-F19F269584F8}" srcOrd="1" destOrd="0" presId="urn:microsoft.com/office/officeart/2005/8/layout/list1"/>
+    <dgm:cxn modelId="{79FF9C8B-955A-41C1-A06D-45183C9D90F0}" type="presParOf" srcId="{411DC8C0-1561-409B-BA98-7BB8267A958A}" destId="{CEB15832-F39E-4CA8-A4AD-A549A9BBDA03}" srcOrd="5" destOrd="0" presId="urn:microsoft.com/office/officeart/2005/8/layout/list1"/>
+    <dgm:cxn modelId="{CC14F931-0BFE-435B-AEF2-21E78BD31E49}" type="presParOf" srcId="{411DC8C0-1561-409B-BA98-7BB8267A958A}" destId="{082499B5-A9BD-4E57-98CB-6E3FE1461928}" srcOrd="6" destOrd="0" presId="urn:microsoft.com/office/officeart/2005/8/layout/list1"/>
+    <dgm:cxn modelId="{884229D1-ACE2-4FFF-A355-6EDF6B753A1D}" type="presParOf" srcId="{411DC8C0-1561-409B-BA98-7BB8267A958A}" destId="{E19849F0-C7B4-4431-A355-73FE23A01DAE}" srcOrd="7" destOrd="0" presId="urn:microsoft.com/office/officeart/2005/8/layout/list1"/>
+    <dgm:cxn modelId="{47DDAB43-FE2B-4DDC-B296-B625BC362651}" type="presParOf" srcId="{411DC8C0-1561-409B-BA98-7BB8267A958A}" destId="{71FD2B98-2778-425E-A807-F5FD70D6E949}" srcOrd="8" destOrd="0" presId="urn:microsoft.com/office/officeart/2005/8/layout/list1"/>
+    <dgm:cxn modelId="{0C68003B-502E-4793-A3BB-E1B2688B9B73}" type="presParOf" srcId="{71FD2B98-2778-425E-A807-F5FD70D6E949}" destId="{ED155A0A-8DCE-4D29-8045-A770F028B281}" srcOrd="0" destOrd="0" presId="urn:microsoft.com/office/officeart/2005/8/layout/list1"/>
+    <dgm:cxn modelId="{F675C8A9-584A-4E8D-8879-A514B2A6417F}" type="presParOf" srcId="{71FD2B98-2778-425E-A807-F5FD70D6E949}" destId="{86F143E0-BDFF-4511-937D-B2C335A94DCA}" srcOrd="1" destOrd="0" presId="urn:microsoft.com/office/officeart/2005/8/layout/list1"/>
+    <dgm:cxn modelId="{7827A554-9C9D-40A1-A69B-4E2A97028F3E}" type="presParOf" srcId="{411DC8C0-1561-409B-BA98-7BB8267A958A}" destId="{B5E3B1FF-65A6-4C7B-821F-A94452A7E250}" srcOrd="9" destOrd="0" presId="urn:microsoft.com/office/officeart/2005/8/layout/list1"/>
+    <dgm:cxn modelId="{B3038DE8-0E77-454C-81ED-3CC2F2B79F94}" type="presParOf" srcId="{411DC8C0-1561-409B-BA98-7BB8267A958A}" destId="{908F9F88-C82E-471E-8DF0-7A9C9E3AF93C}" srcOrd="10" destOrd="0" presId="urn:microsoft.com/office/officeart/2005/8/layout/list1"/>
+    <dgm:cxn modelId="{CDACD69E-7576-4D2C-9563-F81A1DDF431B}" type="presParOf" srcId="{411DC8C0-1561-409B-BA98-7BB8267A958A}" destId="{CAE5578D-D65E-483A-A6B4-171708A02A44}" srcOrd="11" destOrd="0" presId="urn:microsoft.com/office/officeart/2005/8/layout/list1"/>
+    <dgm:cxn modelId="{2206C864-5385-4630-B314-ACECCDB9BB70}" type="presParOf" srcId="{411DC8C0-1561-409B-BA98-7BB8267A958A}" destId="{4ED5C897-21E8-45D1-B7BD-422F32486AEB}" srcOrd="12" destOrd="0" presId="urn:microsoft.com/office/officeart/2005/8/layout/list1"/>
+    <dgm:cxn modelId="{E10E98E2-90E5-479F-9C1E-601415C6BFD7}" type="presParOf" srcId="{4ED5C897-21E8-45D1-B7BD-422F32486AEB}" destId="{040AABAE-C740-418C-BB80-7A215BEDDC17}" srcOrd="0" destOrd="0" presId="urn:microsoft.com/office/officeart/2005/8/layout/list1"/>
+    <dgm:cxn modelId="{2B2FAF25-267B-417F-BD4D-B365B514FB85}" type="presParOf" srcId="{4ED5C897-21E8-45D1-B7BD-422F32486AEB}" destId="{4BAC28CC-C7CA-402D-9801-189C960D25BA}" srcOrd="1" destOrd="0" presId="urn:microsoft.com/office/officeart/2005/8/layout/list1"/>
+    <dgm:cxn modelId="{C38A11C9-399A-47BD-85C7-4580F9BFF73E}" type="presParOf" srcId="{411DC8C0-1561-409B-BA98-7BB8267A958A}" destId="{BC9DD6FD-A867-4F8B-B89F-FED0CBC4D305}" srcOrd="13" destOrd="0" presId="urn:microsoft.com/office/officeart/2005/8/layout/list1"/>
+    <dgm:cxn modelId="{9ED03791-51F4-4E0B-A82C-2A52D14F5EDD}" type="presParOf" srcId="{411DC8C0-1561-409B-BA98-7BB8267A958A}" destId="{70F517AD-A906-4855-A196-587243D09978}" srcOrd="14" destOrd="0" presId="urn:microsoft.com/office/officeart/2005/8/layout/list1"/>
+    <dgm:cxn modelId="{30175B01-89F1-4591-9798-78374BC1FFCE}" type="presParOf" srcId="{411DC8C0-1561-409B-BA98-7BB8267A958A}" destId="{CD5D9D01-F2CC-4A73-9CB5-ECF7E7386E68}" srcOrd="15" destOrd="0" presId="urn:microsoft.com/office/officeart/2005/8/layout/list1"/>
+    <dgm:cxn modelId="{C7F7DA8E-AF31-4F9A-A25C-838FFEBB80CB}" type="presParOf" srcId="{411DC8C0-1561-409B-BA98-7BB8267A958A}" destId="{25E7D5F6-C4CA-42B5-BEBE-00E2415AE055}" srcOrd="16" destOrd="0" presId="urn:microsoft.com/office/officeart/2005/8/layout/list1"/>
+    <dgm:cxn modelId="{DE34B0A2-BC9D-4752-B271-CBD3F6AF4D2B}" type="presParOf" srcId="{25E7D5F6-C4CA-42B5-BEBE-00E2415AE055}" destId="{8C3AAB10-B09D-40A9-9FB7-21078CBA4534}" srcOrd="0" destOrd="0" presId="urn:microsoft.com/office/officeart/2005/8/layout/list1"/>
+    <dgm:cxn modelId="{74BEC488-836A-4BD0-8395-8D24271E1974}" type="presParOf" srcId="{25E7D5F6-C4CA-42B5-BEBE-00E2415AE055}" destId="{D4347316-374D-416F-87DB-107CAA5BECDB}" srcOrd="1" destOrd="0" presId="urn:microsoft.com/office/officeart/2005/8/layout/list1"/>
+    <dgm:cxn modelId="{232AAC50-B635-4251-BFDC-BC7609019F29}" type="presParOf" srcId="{411DC8C0-1561-409B-BA98-7BB8267A958A}" destId="{5B3B26F8-D440-4BBB-A50A-38B44CBB3B0D}" srcOrd="17" destOrd="0" presId="urn:microsoft.com/office/officeart/2005/8/layout/list1"/>
+    <dgm:cxn modelId="{51D555E8-B32F-4A4F-A757-B196504608CE}" type="presParOf" srcId="{411DC8C0-1561-409B-BA98-7BB8267A958A}" destId="{0D6705DC-DB45-4730-9FCD-4076E628E5D5}" srcOrd="18" destOrd="0" presId="urn:microsoft.com/office/officeart/2005/8/layout/list1"/>
+    <dgm:cxn modelId="{BC547006-8DF1-4D2E-AB23-75EA05B948C3}" type="presParOf" srcId="{411DC8C0-1561-409B-BA98-7BB8267A958A}" destId="{FDE7B2BF-CFA3-4E1E-B51E-E8600AB18A8E}" srcOrd="19" destOrd="0" presId="urn:microsoft.com/office/officeart/2005/8/layout/list1"/>
+    <dgm:cxn modelId="{E685E736-FA3B-4680-9CAA-B0CB0B93D3EB}" type="presParOf" srcId="{411DC8C0-1561-409B-BA98-7BB8267A958A}" destId="{911A5B13-70C6-48C5-9788-DCF8F77AB200}" srcOrd="20" destOrd="0" presId="urn:microsoft.com/office/officeart/2005/8/layout/list1"/>
+    <dgm:cxn modelId="{D979A3D6-6A2F-4387-AC44-4501DE8EEDA5}" type="presParOf" srcId="{911A5B13-70C6-48C5-9788-DCF8F77AB200}" destId="{A6ABC651-D648-4817-9C26-6EAAEBEAB61E}" srcOrd="0" destOrd="0" presId="urn:microsoft.com/office/officeart/2005/8/layout/list1"/>
+    <dgm:cxn modelId="{E009A561-D8DA-4199-9B43-0C24932E2FCD}" type="presParOf" srcId="{911A5B13-70C6-48C5-9788-DCF8F77AB200}" destId="{D43C5A37-C7D9-4E1B-8D08-C87C17DA4796}" srcOrd="1" destOrd="0" presId="urn:microsoft.com/office/officeart/2005/8/layout/list1"/>
+    <dgm:cxn modelId="{204D3EB0-4A14-46CA-9AFF-3D48012A1821}" type="presParOf" srcId="{411DC8C0-1561-409B-BA98-7BB8267A958A}" destId="{E76EE04E-550D-4E75-AA57-CD72E9216FF0}" srcOrd="21" destOrd="0" presId="urn:microsoft.com/office/officeart/2005/8/layout/list1"/>
+    <dgm:cxn modelId="{0B47E6DB-B020-4CC9-8C4B-6FDB5FF8E71B}" type="presParOf" srcId="{411DC8C0-1561-409B-BA98-7BB8267A958A}" destId="{6F48CDA6-AEFE-4586-BA56-C7619BE614F3}" srcOrd="22" destOrd="0" presId="urn:microsoft.com/office/officeart/2005/8/layout/list1"/>
+    <dgm:cxn modelId="{83FB4322-5837-4C93-A7CB-F14EB54C4D42}" type="presParOf" srcId="{411DC8C0-1561-409B-BA98-7BB8267A958A}" destId="{79CF150E-3467-4FB3-8FBF-7339CDA2B23B}" srcOrd="23" destOrd="0" presId="urn:microsoft.com/office/officeart/2005/8/layout/list1"/>
+    <dgm:cxn modelId="{C5B546F4-DCFC-4206-BA1D-5270F937210A}" type="presParOf" srcId="{411DC8C0-1561-409B-BA98-7BB8267A958A}" destId="{38EC392B-F63B-40C8-81E7-2E44419F3005}" srcOrd="24" destOrd="0" presId="urn:microsoft.com/office/officeart/2005/8/layout/list1"/>
+    <dgm:cxn modelId="{0FA51007-AC78-49CC-89E3-4DF0DD9104C6}" type="presParOf" srcId="{38EC392B-F63B-40C8-81E7-2E44419F3005}" destId="{0CDCC8D9-E33E-4FE5-86B3-3C3CB8BBBC0B}" srcOrd="0" destOrd="0" presId="urn:microsoft.com/office/officeart/2005/8/layout/list1"/>
+    <dgm:cxn modelId="{63009C9A-A2A1-4F11-A275-3835391DD0B6}" type="presParOf" srcId="{38EC392B-F63B-40C8-81E7-2E44419F3005}" destId="{DEC60EEA-80D1-4BB7-852F-205588880CF2}" srcOrd="1" destOrd="0" presId="urn:microsoft.com/office/officeart/2005/8/layout/list1"/>
+    <dgm:cxn modelId="{CA6BA779-B3CA-4A47-BBE1-ABE885596AA3}" type="presParOf" srcId="{411DC8C0-1561-409B-BA98-7BB8267A958A}" destId="{92DB4087-AF11-47E0-A1FD-6A23392007C0}" srcOrd="25" destOrd="0" presId="urn:microsoft.com/office/officeart/2005/8/layout/list1"/>
+    <dgm:cxn modelId="{0D3B6F6B-A1B1-4B40-A07B-44D63CFCDF3A}" type="presParOf" srcId="{411DC8C0-1561-409B-BA98-7BB8267A958A}" destId="{AE8679DB-5AFE-4B97-ABC4-66DE08231BD5}" srcOrd="26" destOrd="0" presId="urn:microsoft.com/office/officeart/2005/8/layout/list1"/>
+    <dgm:cxn modelId="{C23A8759-2E77-4015-BE03-E436E4E9D946}" type="presParOf" srcId="{411DC8C0-1561-409B-BA98-7BB8267A958A}" destId="{C14771EA-C974-43AF-9068-FD0BB40895EF}" srcOrd="27" destOrd="0" presId="urn:microsoft.com/office/officeart/2005/8/layout/list1"/>
+    <dgm:cxn modelId="{5DC0D69F-4549-4F0A-B294-2B42B0ADDB59}" type="presParOf" srcId="{411DC8C0-1561-409B-BA98-7BB8267A958A}" destId="{A428D338-7ABA-400C-ABAF-56ECD8BABDFD}" srcOrd="28" destOrd="0" presId="urn:microsoft.com/office/officeart/2005/8/layout/list1"/>
+    <dgm:cxn modelId="{DD9E0942-5676-4A12-8D37-5975761B0813}" type="presParOf" srcId="{A428D338-7ABA-400C-ABAF-56ECD8BABDFD}" destId="{60539584-6DBB-4804-807F-884A5E471BCA}" srcOrd="0" destOrd="0" presId="urn:microsoft.com/office/officeart/2005/8/layout/list1"/>
+    <dgm:cxn modelId="{FC78E4F2-E331-41E7-9E3B-A1CB5EE9294F}" type="presParOf" srcId="{A428D338-7ABA-400C-ABAF-56ECD8BABDFD}" destId="{67B1179A-D9A3-4F4B-98F9-9FBACB2952BC}" srcOrd="1" destOrd="0" presId="urn:microsoft.com/office/officeart/2005/8/layout/list1"/>
+    <dgm:cxn modelId="{92519771-4B35-4FEA-9899-DED055AE53E5}" type="presParOf" srcId="{411DC8C0-1561-409B-BA98-7BB8267A958A}" destId="{78543F81-8A82-4681-AB9A-4515B28D2CFB}" srcOrd="29" destOrd="0" presId="urn:microsoft.com/office/officeart/2005/8/layout/list1"/>
+    <dgm:cxn modelId="{BB0DC9CE-2CA7-4E68-8267-9DCFF4403427}" type="presParOf" srcId="{411DC8C0-1561-409B-BA98-7BB8267A958A}" destId="{1220CEF2-815D-4904-9E7D-B2B7DB0EDBBB}" srcOrd="30" destOrd="0" presId="urn:microsoft.com/office/officeart/2005/8/layout/list1"/>
+    <dgm:cxn modelId="{F333E02B-2677-4B7B-B428-8DB0D0A234AC}" type="presParOf" srcId="{411DC8C0-1561-409B-BA98-7BB8267A958A}" destId="{70932AE6-D527-4751-8FD1-E9068F116941}" srcOrd="31" destOrd="0" presId="urn:microsoft.com/office/officeart/2005/8/layout/list1"/>
+    <dgm:cxn modelId="{427A6A8D-5816-4885-B1D0-B35EF9830825}" type="presParOf" srcId="{411DC8C0-1561-409B-BA98-7BB8267A958A}" destId="{3A7D2903-1911-451B-B8D1-E29F844F08D0}" srcOrd="32" destOrd="0" presId="urn:microsoft.com/office/officeart/2005/8/layout/list1"/>
+    <dgm:cxn modelId="{0B2A2100-2CB8-4A8A-94BD-6BDBCAAF6B52}" type="presParOf" srcId="{3A7D2903-1911-451B-B8D1-E29F844F08D0}" destId="{79E0875C-1742-46A8-AE54-98FF95D9BC9F}" srcOrd="0" destOrd="0" presId="urn:microsoft.com/office/officeart/2005/8/layout/list1"/>
+    <dgm:cxn modelId="{BD3A357C-F938-4D26-9103-1C0EFBAAC236}" type="presParOf" srcId="{3A7D2903-1911-451B-B8D1-E29F844F08D0}" destId="{B0AC64E7-A4D4-495C-9DE7-08EB7861C992}" srcOrd="1" destOrd="0" presId="urn:microsoft.com/office/officeart/2005/8/layout/list1"/>
+    <dgm:cxn modelId="{5400D514-E4AC-48A0-8764-1E4CADEFCF9D}" type="presParOf" srcId="{411DC8C0-1561-409B-BA98-7BB8267A958A}" destId="{1953B7B2-DE5E-4496-AB3E-8DD774CC4275}" srcOrd="33" destOrd="0" presId="urn:microsoft.com/office/officeart/2005/8/layout/list1"/>
+    <dgm:cxn modelId="{09C083D0-F27C-41AE-AEA0-C52FCC93DFFE}" type="presParOf" srcId="{411DC8C0-1561-409B-BA98-7BB8267A958A}" destId="{0301721C-47EC-412B-861B-7EC40AB5B63F}" srcOrd="34" destOrd="0" presId="urn:microsoft.com/office/officeart/2005/8/layout/list1"/>
+  </dgm:cxnLst>
+  <dgm:bg/>
+  <dgm:whole/>
+  <dgm:extLst>
+    <a:ext uri="http://schemas.microsoft.com/office/drawing/2008/diagram">
+      <dsp:dataModelExt xmlns:dsp="http://schemas.microsoft.com/office/drawing/2008/diagram" relId="rId6" minVer="http://schemas.openxmlformats.org/drawingml/2006/diagram"/>
     </a:ext>
   </dgm:extLst>
 </dgm:dataModel>
@@ -1707,7 +3396,7 @@
           </a:pPr>
           <a:r>
             <a:rPr lang="zh-CN" altLang="en-US" sz="1800" kern="1200" dirty="0" smtClean="0"/>
-            <a:t>项目背景</a:t>
+            <a:t>培训背景</a:t>
           </a:r>
           <a:endParaRPr lang="zh-CN" altLang="en-US" sz="1800" kern="1200" dirty="0"/>
         </a:p>
@@ -1874,7 +3563,7 @@
           </a:pPr>
           <a:r>
             <a:rPr lang="zh-CN" altLang="en-US" sz="1800" kern="1200" dirty="0" smtClean="0"/>
-            <a:t>设计方案及原理</a:t>
+            <a:t>考核方式</a:t>
           </a:r>
           <a:endParaRPr lang="zh-CN" altLang="en-US" sz="1800" kern="1200" dirty="0"/>
         </a:p>
@@ -2040,8 +3729,12 @@
             </a:spcAft>
           </a:pPr>
           <a:r>
+            <a:rPr lang="en-US" altLang="zh-CN" sz="1800" kern="1200" dirty="0" smtClean="0"/>
+            <a:t>Python</a:t>
+          </a:r>
+          <a:r>
             <a:rPr lang="zh-CN" altLang="en-US" sz="1800" kern="1200" dirty="0" smtClean="0"/>
-            <a:t>技术指标</a:t>
+            <a:t>基础知识</a:t>
           </a:r>
           <a:endParaRPr lang="zh-CN" altLang="en-US" sz="1800" kern="1200" dirty="0"/>
         </a:p>
@@ -2207,8 +3900,12 @@
             </a:spcAft>
           </a:pPr>
           <a:r>
+            <a:rPr lang="en-US" altLang="zh-CN" sz="1800" kern="1200" dirty="0" smtClean="0"/>
+            <a:t>Python</a:t>
+          </a:r>
+          <a:r>
             <a:rPr lang="zh-CN" altLang="en-US" sz="1800" kern="1200" dirty="0" smtClean="0"/>
-            <a:t>使用现状及应用案例</a:t>
+            <a:t>应用进阶</a:t>
           </a:r>
           <a:endParaRPr lang="zh-CN" altLang="en-US" sz="1800" kern="1200" dirty="0"/>
         </a:p>
@@ -2374,8 +4071,12 @@
             </a:spcAft>
           </a:pPr>
           <a:r>
+            <a:rPr lang="en-US" altLang="zh-CN" sz="1800" kern="1200" dirty="0" smtClean="0"/>
+            <a:t>Clifford</a:t>
+          </a:r>
+          <a:r>
             <a:rPr lang="zh-CN" altLang="en-US" sz="1800" kern="1200" dirty="0" smtClean="0"/>
-            <a:t>改进计划</a:t>
+            <a:t>框架概述及应用开发</a:t>
           </a:r>
           <a:endParaRPr lang="zh-CN" altLang="en-US" sz="1800" kern="1200" dirty="0"/>
         </a:p>
@@ -2389,7 +4090,1759 @@
 </dsp:drawing>
 </file>
 
+<file path=ppt/diagrams/drawing2.xml><?xml version="1.0" encoding="utf-8"?>
+<dsp:drawing xmlns:dgm="http://schemas.openxmlformats.org/drawingml/2006/diagram" xmlns:dsp="http://schemas.microsoft.com/office/drawing/2008/diagram" xmlns:a="http://schemas.openxmlformats.org/drawingml/2006/main">
+  <dsp:spTree>
+    <dsp:nvGrpSpPr>
+      <dsp:cNvPr id="0" name=""/>
+      <dsp:cNvGrpSpPr/>
+    </dsp:nvGrpSpPr>
+    <dsp:grpSpPr/>
+    <dsp:sp modelId="{3EBC469C-F7E6-4717-8D6D-A16DAD5AB2A6}">
+      <dsp:nvSpPr>
+        <dsp:cNvPr id="0" name=""/>
+        <dsp:cNvSpPr/>
+      </dsp:nvSpPr>
+      <dsp:spPr>
+        <a:xfrm>
+          <a:off x="0" y="178578"/>
+          <a:ext cx="7375137" cy="252000"/>
+        </a:xfrm>
+        <a:prstGeom prst="rect">
+          <a:avLst/>
+        </a:prstGeom>
+        <a:solidFill>
+          <a:schemeClr val="lt1">
+            <a:alpha val="90000"/>
+            <a:hueOff val="0"/>
+            <a:satOff val="0"/>
+            <a:lumOff val="0"/>
+            <a:alphaOff val="0"/>
+          </a:schemeClr>
+        </a:solidFill>
+        <a:ln w="9525" cap="flat" cmpd="sng" algn="ctr">
+          <a:solidFill>
+            <a:schemeClr val="accent1">
+              <a:hueOff val="0"/>
+              <a:satOff val="0"/>
+              <a:lumOff val="0"/>
+              <a:alphaOff val="0"/>
+            </a:schemeClr>
+          </a:solidFill>
+          <a:prstDash val="solid"/>
+        </a:ln>
+        <a:effectLst>
+          <a:outerShdw blurRad="40000" dist="23000" dir="5400000" rotWithShape="0">
+            <a:srgbClr val="000000">
+              <a:alpha val="35000"/>
+            </a:srgbClr>
+          </a:outerShdw>
+        </a:effectLst>
+      </dsp:spPr>
+      <dsp:style>
+        <a:lnRef idx="1">
+          <a:scrgbClr r="0" g="0" b="0"/>
+        </a:lnRef>
+        <a:fillRef idx="1">
+          <a:scrgbClr r="0" g="0" b="0"/>
+        </a:fillRef>
+        <a:effectRef idx="2">
+          <a:scrgbClr r="0" g="0" b="0"/>
+        </a:effectRef>
+        <a:fontRef idx="minor"/>
+      </dsp:style>
+    </dsp:sp>
+    <dsp:sp modelId="{980EE00F-8408-4BB3-B7A2-7F3220340BA1}">
+      <dsp:nvSpPr>
+        <dsp:cNvPr id="0" name=""/>
+        <dsp:cNvSpPr/>
+      </dsp:nvSpPr>
+      <dsp:spPr>
+        <a:xfrm>
+          <a:off x="368756" y="30978"/>
+          <a:ext cx="5162595" cy="295200"/>
+        </a:xfrm>
+        <a:prstGeom prst="roundRect">
+          <a:avLst/>
+        </a:prstGeom>
+        <a:gradFill rotWithShape="0">
+          <a:gsLst>
+            <a:gs pos="0">
+              <a:schemeClr val="accent1">
+                <a:hueOff val="0"/>
+                <a:satOff val="0"/>
+                <a:lumOff val="0"/>
+                <a:alphaOff val="0"/>
+                <a:shade val="51000"/>
+                <a:satMod val="130000"/>
+              </a:schemeClr>
+            </a:gs>
+            <a:gs pos="80000">
+              <a:schemeClr val="accent1">
+                <a:hueOff val="0"/>
+                <a:satOff val="0"/>
+                <a:lumOff val="0"/>
+                <a:alphaOff val="0"/>
+                <a:shade val="93000"/>
+                <a:satMod val="130000"/>
+              </a:schemeClr>
+            </a:gs>
+            <a:gs pos="100000">
+              <a:schemeClr val="accent1">
+                <a:hueOff val="0"/>
+                <a:satOff val="0"/>
+                <a:lumOff val="0"/>
+                <a:alphaOff val="0"/>
+                <a:shade val="94000"/>
+                <a:satMod val="135000"/>
+              </a:schemeClr>
+            </a:gs>
+          </a:gsLst>
+          <a:lin ang="16200000" scaled="0"/>
+        </a:gradFill>
+        <a:ln>
+          <a:noFill/>
+        </a:ln>
+        <a:effectLst>
+          <a:outerShdw blurRad="40000" dist="23000" dir="5400000" rotWithShape="0">
+            <a:srgbClr val="000000">
+              <a:alpha val="35000"/>
+            </a:srgbClr>
+          </a:outerShdw>
+        </a:effectLst>
+        <a:scene3d>
+          <a:camera prst="orthographicFront">
+            <a:rot lat="0" lon="0" rev="0"/>
+          </a:camera>
+          <a:lightRig rig="threePt" dir="t">
+            <a:rot lat="0" lon="0" rev="1200000"/>
+          </a:lightRig>
+        </a:scene3d>
+        <a:sp3d>
+          <a:bevelT w="63500" h="25400"/>
+        </a:sp3d>
+      </dsp:spPr>
+      <dsp:style>
+        <a:lnRef idx="0">
+          <a:scrgbClr r="0" g="0" b="0"/>
+        </a:lnRef>
+        <a:fillRef idx="3">
+          <a:scrgbClr r="0" g="0" b="0"/>
+        </a:fillRef>
+        <a:effectRef idx="3">
+          <a:scrgbClr r="0" g="0" b="0"/>
+        </a:effectRef>
+        <a:fontRef idx="minor">
+          <a:schemeClr val="lt1"/>
+        </a:fontRef>
+      </dsp:style>
+      <dsp:txBody>
+        <a:bodyPr spcFirstLastPara="0" vert="horz" wrap="square" lIns="195134" tIns="0" rIns="195134" bIns="0" numCol="1" spcCol="1270" anchor="ctr" anchorCtr="0">
+          <a:noAutofit/>
+        </a:bodyPr>
+        <a:lstStyle/>
+        <a:p>
+          <a:pPr lvl="0" algn="l" defTabSz="444500">
+            <a:lnSpc>
+              <a:spcPct val="90000"/>
+            </a:lnSpc>
+            <a:spcBef>
+              <a:spcPct val="0"/>
+            </a:spcBef>
+            <a:spcAft>
+              <a:spcPct val="35000"/>
+            </a:spcAft>
+          </a:pPr>
+          <a:r>
+            <a:rPr lang="en-US" altLang="zh-CN" sz="1000" kern="1200" dirty="0" smtClean="0"/>
+            <a:t>Python</a:t>
+          </a:r>
+          <a:r>
+            <a:rPr lang="zh-CN" altLang="en-US" sz="1000" kern="1200" dirty="0" smtClean="0"/>
+            <a:t>概述</a:t>
+          </a:r>
+          <a:endParaRPr lang="zh-CN" altLang="en-US" sz="1000" kern="1200" dirty="0"/>
+        </a:p>
+      </dsp:txBody>
+      <dsp:txXfrm>
+        <a:off x="383166" y="45388"/>
+        <a:ext cx="5133775" cy="266380"/>
+      </dsp:txXfrm>
+    </dsp:sp>
+    <dsp:sp modelId="{082499B5-A9BD-4E57-98CB-6E3FE1461928}">
+      <dsp:nvSpPr>
+        <dsp:cNvPr id="0" name=""/>
+        <dsp:cNvSpPr/>
+      </dsp:nvSpPr>
+      <dsp:spPr>
+        <a:xfrm>
+          <a:off x="0" y="632178"/>
+          <a:ext cx="7375137" cy="252000"/>
+        </a:xfrm>
+        <a:prstGeom prst="rect">
+          <a:avLst/>
+        </a:prstGeom>
+        <a:solidFill>
+          <a:schemeClr val="lt1">
+            <a:alpha val="90000"/>
+            <a:hueOff val="0"/>
+            <a:satOff val="0"/>
+            <a:lumOff val="0"/>
+            <a:alphaOff val="0"/>
+          </a:schemeClr>
+        </a:solidFill>
+        <a:ln w="9525" cap="flat" cmpd="sng" algn="ctr">
+          <a:solidFill>
+            <a:schemeClr val="accent1">
+              <a:hueOff val="0"/>
+              <a:satOff val="0"/>
+              <a:lumOff val="0"/>
+              <a:alphaOff val="0"/>
+            </a:schemeClr>
+          </a:solidFill>
+          <a:prstDash val="solid"/>
+        </a:ln>
+        <a:effectLst>
+          <a:outerShdw blurRad="40000" dist="23000" dir="5400000" rotWithShape="0">
+            <a:srgbClr val="000000">
+              <a:alpha val="35000"/>
+            </a:srgbClr>
+          </a:outerShdw>
+        </a:effectLst>
+      </dsp:spPr>
+      <dsp:style>
+        <a:lnRef idx="1">
+          <a:scrgbClr r="0" g="0" b="0"/>
+        </a:lnRef>
+        <a:fillRef idx="1">
+          <a:scrgbClr r="0" g="0" b="0"/>
+        </a:fillRef>
+        <a:effectRef idx="2">
+          <a:scrgbClr r="0" g="0" b="0"/>
+        </a:effectRef>
+        <a:fontRef idx="minor"/>
+      </dsp:style>
+    </dsp:sp>
+    <dsp:sp modelId="{A9F24341-9988-412D-BCDE-F19F269584F8}">
+      <dsp:nvSpPr>
+        <dsp:cNvPr id="0" name=""/>
+        <dsp:cNvSpPr/>
+      </dsp:nvSpPr>
+      <dsp:spPr>
+        <a:xfrm>
+          <a:off x="368756" y="484578"/>
+          <a:ext cx="5162595" cy="295200"/>
+        </a:xfrm>
+        <a:prstGeom prst="roundRect">
+          <a:avLst/>
+        </a:prstGeom>
+        <a:gradFill rotWithShape="0">
+          <a:gsLst>
+            <a:gs pos="0">
+              <a:schemeClr val="accent1">
+                <a:hueOff val="0"/>
+                <a:satOff val="0"/>
+                <a:lumOff val="0"/>
+                <a:alphaOff val="0"/>
+                <a:shade val="51000"/>
+                <a:satMod val="130000"/>
+              </a:schemeClr>
+            </a:gs>
+            <a:gs pos="80000">
+              <a:schemeClr val="accent1">
+                <a:hueOff val="0"/>
+                <a:satOff val="0"/>
+                <a:lumOff val="0"/>
+                <a:alphaOff val="0"/>
+                <a:shade val="93000"/>
+                <a:satMod val="130000"/>
+              </a:schemeClr>
+            </a:gs>
+            <a:gs pos="100000">
+              <a:schemeClr val="accent1">
+                <a:hueOff val="0"/>
+                <a:satOff val="0"/>
+                <a:lumOff val="0"/>
+                <a:alphaOff val="0"/>
+                <a:shade val="94000"/>
+                <a:satMod val="135000"/>
+              </a:schemeClr>
+            </a:gs>
+          </a:gsLst>
+          <a:lin ang="16200000" scaled="0"/>
+        </a:gradFill>
+        <a:ln>
+          <a:noFill/>
+        </a:ln>
+        <a:effectLst>
+          <a:outerShdw blurRad="40000" dist="23000" dir="5400000" rotWithShape="0">
+            <a:srgbClr val="000000">
+              <a:alpha val="35000"/>
+            </a:srgbClr>
+          </a:outerShdw>
+        </a:effectLst>
+        <a:scene3d>
+          <a:camera prst="orthographicFront">
+            <a:rot lat="0" lon="0" rev="0"/>
+          </a:camera>
+          <a:lightRig rig="threePt" dir="t">
+            <a:rot lat="0" lon="0" rev="1200000"/>
+          </a:lightRig>
+        </a:scene3d>
+        <a:sp3d>
+          <a:bevelT w="63500" h="25400"/>
+        </a:sp3d>
+      </dsp:spPr>
+      <dsp:style>
+        <a:lnRef idx="0">
+          <a:scrgbClr r="0" g="0" b="0"/>
+        </a:lnRef>
+        <a:fillRef idx="3">
+          <a:scrgbClr r="0" g="0" b="0"/>
+        </a:fillRef>
+        <a:effectRef idx="3">
+          <a:scrgbClr r="0" g="0" b="0"/>
+        </a:effectRef>
+        <a:fontRef idx="minor">
+          <a:schemeClr val="lt1"/>
+        </a:fontRef>
+      </dsp:style>
+      <dsp:txBody>
+        <a:bodyPr spcFirstLastPara="0" vert="horz" wrap="square" lIns="195134" tIns="0" rIns="195134" bIns="0" numCol="1" spcCol="1270" anchor="ctr" anchorCtr="0">
+          <a:noAutofit/>
+        </a:bodyPr>
+        <a:lstStyle/>
+        <a:p>
+          <a:pPr lvl="0" algn="l" defTabSz="444500">
+            <a:lnSpc>
+              <a:spcPct val="90000"/>
+            </a:lnSpc>
+            <a:spcBef>
+              <a:spcPct val="0"/>
+            </a:spcBef>
+            <a:spcAft>
+              <a:spcPct val="35000"/>
+            </a:spcAft>
+          </a:pPr>
+          <a:r>
+            <a:rPr lang="en-US" altLang="zh-CN" sz="1000" kern="1200" dirty="0" smtClean="0"/>
+            <a:t>Python</a:t>
+          </a:r>
+          <a:r>
+            <a:rPr lang="zh-CN" altLang="en-US" sz="1000" kern="1200" dirty="0" smtClean="0"/>
+            <a:t>语法基础</a:t>
+          </a:r>
+          <a:endParaRPr lang="zh-CN" altLang="en-US" sz="1000" kern="1200" dirty="0"/>
+        </a:p>
+      </dsp:txBody>
+      <dsp:txXfrm>
+        <a:off x="383166" y="498988"/>
+        <a:ext cx="5133775" cy="266380"/>
+      </dsp:txXfrm>
+    </dsp:sp>
+    <dsp:sp modelId="{908F9F88-C82E-471E-8DF0-7A9C9E3AF93C}">
+      <dsp:nvSpPr>
+        <dsp:cNvPr id="0" name=""/>
+        <dsp:cNvSpPr/>
+      </dsp:nvSpPr>
+      <dsp:spPr>
+        <a:xfrm>
+          <a:off x="0" y="1085778"/>
+          <a:ext cx="7375137" cy="252000"/>
+        </a:xfrm>
+        <a:prstGeom prst="rect">
+          <a:avLst/>
+        </a:prstGeom>
+        <a:solidFill>
+          <a:schemeClr val="lt1">
+            <a:alpha val="90000"/>
+            <a:hueOff val="0"/>
+            <a:satOff val="0"/>
+            <a:lumOff val="0"/>
+            <a:alphaOff val="0"/>
+          </a:schemeClr>
+        </a:solidFill>
+        <a:ln w="9525" cap="flat" cmpd="sng" algn="ctr">
+          <a:solidFill>
+            <a:schemeClr val="accent1">
+              <a:hueOff val="0"/>
+              <a:satOff val="0"/>
+              <a:lumOff val="0"/>
+              <a:alphaOff val="0"/>
+            </a:schemeClr>
+          </a:solidFill>
+          <a:prstDash val="solid"/>
+        </a:ln>
+        <a:effectLst>
+          <a:outerShdw blurRad="40000" dist="23000" dir="5400000" rotWithShape="0">
+            <a:srgbClr val="000000">
+              <a:alpha val="35000"/>
+            </a:srgbClr>
+          </a:outerShdw>
+        </a:effectLst>
+      </dsp:spPr>
+      <dsp:style>
+        <a:lnRef idx="1">
+          <a:scrgbClr r="0" g="0" b="0"/>
+        </a:lnRef>
+        <a:fillRef idx="1">
+          <a:scrgbClr r="0" g="0" b="0"/>
+        </a:fillRef>
+        <a:effectRef idx="2">
+          <a:scrgbClr r="0" g="0" b="0"/>
+        </a:effectRef>
+        <a:fontRef idx="minor"/>
+      </dsp:style>
+    </dsp:sp>
+    <dsp:sp modelId="{86F143E0-BDFF-4511-937D-B2C335A94DCA}">
+      <dsp:nvSpPr>
+        <dsp:cNvPr id="0" name=""/>
+        <dsp:cNvSpPr/>
+      </dsp:nvSpPr>
+      <dsp:spPr>
+        <a:xfrm>
+          <a:off x="368756" y="938178"/>
+          <a:ext cx="5162595" cy="295200"/>
+        </a:xfrm>
+        <a:prstGeom prst="roundRect">
+          <a:avLst/>
+        </a:prstGeom>
+        <a:gradFill rotWithShape="0">
+          <a:gsLst>
+            <a:gs pos="0">
+              <a:schemeClr val="accent1">
+                <a:hueOff val="0"/>
+                <a:satOff val="0"/>
+                <a:lumOff val="0"/>
+                <a:alphaOff val="0"/>
+                <a:shade val="51000"/>
+                <a:satMod val="130000"/>
+              </a:schemeClr>
+            </a:gs>
+            <a:gs pos="80000">
+              <a:schemeClr val="accent1">
+                <a:hueOff val="0"/>
+                <a:satOff val="0"/>
+                <a:lumOff val="0"/>
+                <a:alphaOff val="0"/>
+                <a:shade val="93000"/>
+                <a:satMod val="130000"/>
+              </a:schemeClr>
+            </a:gs>
+            <a:gs pos="100000">
+              <a:schemeClr val="accent1">
+                <a:hueOff val="0"/>
+                <a:satOff val="0"/>
+                <a:lumOff val="0"/>
+                <a:alphaOff val="0"/>
+                <a:shade val="94000"/>
+                <a:satMod val="135000"/>
+              </a:schemeClr>
+            </a:gs>
+          </a:gsLst>
+          <a:lin ang="16200000" scaled="0"/>
+        </a:gradFill>
+        <a:ln>
+          <a:noFill/>
+        </a:ln>
+        <a:effectLst>
+          <a:outerShdw blurRad="40000" dist="23000" dir="5400000" rotWithShape="0">
+            <a:srgbClr val="000000">
+              <a:alpha val="35000"/>
+            </a:srgbClr>
+          </a:outerShdw>
+        </a:effectLst>
+        <a:scene3d>
+          <a:camera prst="orthographicFront">
+            <a:rot lat="0" lon="0" rev="0"/>
+          </a:camera>
+          <a:lightRig rig="threePt" dir="t">
+            <a:rot lat="0" lon="0" rev="1200000"/>
+          </a:lightRig>
+        </a:scene3d>
+        <a:sp3d>
+          <a:bevelT w="63500" h="25400"/>
+        </a:sp3d>
+      </dsp:spPr>
+      <dsp:style>
+        <a:lnRef idx="0">
+          <a:scrgbClr r="0" g="0" b="0"/>
+        </a:lnRef>
+        <a:fillRef idx="3">
+          <a:scrgbClr r="0" g="0" b="0"/>
+        </a:fillRef>
+        <a:effectRef idx="3">
+          <a:scrgbClr r="0" g="0" b="0"/>
+        </a:effectRef>
+        <a:fontRef idx="minor">
+          <a:schemeClr val="lt1"/>
+        </a:fontRef>
+      </dsp:style>
+      <dsp:txBody>
+        <a:bodyPr spcFirstLastPara="0" vert="horz" wrap="square" lIns="195134" tIns="0" rIns="195134" bIns="0" numCol="1" spcCol="1270" anchor="ctr" anchorCtr="0">
+          <a:noAutofit/>
+        </a:bodyPr>
+        <a:lstStyle/>
+        <a:p>
+          <a:pPr lvl="0" algn="l" defTabSz="444500">
+            <a:lnSpc>
+              <a:spcPct val="90000"/>
+            </a:lnSpc>
+            <a:spcBef>
+              <a:spcPct val="0"/>
+            </a:spcBef>
+            <a:spcAft>
+              <a:spcPct val="35000"/>
+            </a:spcAft>
+          </a:pPr>
+          <a:r>
+            <a:rPr lang="zh-CN" altLang="en-US" sz="1000" kern="1200" dirty="0" smtClean="0"/>
+            <a:t>流程控制语句</a:t>
+          </a:r>
+          <a:endParaRPr lang="zh-CN" altLang="en-US" sz="1000" kern="1200" dirty="0"/>
+        </a:p>
+      </dsp:txBody>
+      <dsp:txXfrm>
+        <a:off x="383166" y="952588"/>
+        <a:ext cx="5133775" cy="266380"/>
+      </dsp:txXfrm>
+    </dsp:sp>
+    <dsp:sp modelId="{70F517AD-A906-4855-A196-587243D09978}">
+      <dsp:nvSpPr>
+        <dsp:cNvPr id="0" name=""/>
+        <dsp:cNvSpPr/>
+      </dsp:nvSpPr>
+      <dsp:spPr>
+        <a:xfrm>
+          <a:off x="0" y="1539378"/>
+          <a:ext cx="7375137" cy="252000"/>
+        </a:xfrm>
+        <a:prstGeom prst="rect">
+          <a:avLst/>
+        </a:prstGeom>
+        <a:solidFill>
+          <a:schemeClr val="lt1">
+            <a:alpha val="90000"/>
+            <a:hueOff val="0"/>
+            <a:satOff val="0"/>
+            <a:lumOff val="0"/>
+            <a:alphaOff val="0"/>
+          </a:schemeClr>
+        </a:solidFill>
+        <a:ln w="9525" cap="flat" cmpd="sng" algn="ctr">
+          <a:solidFill>
+            <a:schemeClr val="accent1">
+              <a:hueOff val="0"/>
+              <a:satOff val="0"/>
+              <a:lumOff val="0"/>
+              <a:alphaOff val="0"/>
+            </a:schemeClr>
+          </a:solidFill>
+          <a:prstDash val="solid"/>
+        </a:ln>
+        <a:effectLst>
+          <a:outerShdw blurRad="40000" dist="23000" dir="5400000" rotWithShape="0">
+            <a:srgbClr val="000000">
+              <a:alpha val="35000"/>
+            </a:srgbClr>
+          </a:outerShdw>
+        </a:effectLst>
+      </dsp:spPr>
+      <dsp:style>
+        <a:lnRef idx="1">
+          <a:scrgbClr r="0" g="0" b="0"/>
+        </a:lnRef>
+        <a:fillRef idx="1">
+          <a:scrgbClr r="0" g="0" b="0"/>
+        </a:fillRef>
+        <a:effectRef idx="2">
+          <a:scrgbClr r="0" g="0" b="0"/>
+        </a:effectRef>
+        <a:fontRef idx="minor"/>
+      </dsp:style>
+    </dsp:sp>
+    <dsp:sp modelId="{4BAC28CC-C7CA-402D-9801-189C960D25BA}">
+      <dsp:nvSpPr>
+        <dsp:cNvPr id="0" name=""/>
+        <dsp:cNvSpPr/>
+      </dsp:nvSpPr>
+      <dsp:spPr>
+        <a:xfrm>
+          <a:off x="368756" y="1391778"/>
+          <a:ext cx="5162595" cy="295200"/>
+        </a:xfrm>
+        <a:prstGeom prst="roundRect">
+          <a:avLst/>
+        </a:prstGeom>
+        <a:gradFill rotWithShape="0">
+          <a:gsLst>
+            <a:gs pos="0">
+              <a:schemeClr val="accent1">
+                <a:hueOff val="0"/>
+                <a:satOff val="0"/>
+                <a:lumOff val="0"/>
+                <a:alphaOff val="0"/>
+                <a:shade val="51000"/>
+                <a:satMod val="130000"/>
+              </a:schemeClr>
+            </a:gs>
+            <a:gs pos="80000">
+              <a:schemeClr val="accent1">
+                <a:hueOff val="0"/>
+                <a:satOff val="0"/>
+                <a:lumOff val="0"/>
+                <a:alphaOff val="0"/>
+                <a:shade val="93000"/>
+                <a:satMod val="130000"/>
+              </a:schemeClr>
+            </a:gs>
+            <a:gs pos="100000">
+              <a:schemeClr val="accent1">
+                <a:hueOff val="0"/>
+                <a:satOff val="0"/>
+                <a:lumOff val="0"/>
+                <a:alphaOff val="0"/>
+                <a:shade val="94000"/>
+                <a:satMod val="135000"/>
+              </a:schemeClr>
+            </a:gs>
+          </a:gsLst>
+          <a:lin ang="16200000" scaled="0"/>
+        </a:gradFill>
+        <a:ln>
+          <a:noFill/>
+        </a:ln>
+        <a:effectLst>
+          <a:outerShdw blurRad="40000" dist="23000" dir="5400000" rotWithShape="0">
+            <a:srgbClr val="000000">
+              <a:alpha val="35000"/>
+            </a:srgbClr>
+          </a:outerShdw>
+        </a:effectLst>
+        <a:scene3d>
+          <a:camera prst="orthographicFront">
+            <a:rot lat="0" lon="0" rev="0"/>
+          </a:camera>
+          <a:lightRig rig="threePt" dir="t">
+            <a:rot lat="0" lon="0" rev="1200000"/>
+          </a:lightRig>
+        </a:scene3d>
+        <a:sp3d>
+          <a:bevelT w="63500" h="25400"/>
+        </a:sp3d>
+      </dsp:spPr>
+      <dsp:style>
+        <a:lnRef idx="0">
+          <a:scrgbClr r="0" g="0" b="0"/>
+        </a:lnRef>
+        <a:fillRef idx="3">
+          <a:scrgbClr r="0" g="0" b="0"/>
+        </a:fillRef>
+        <a:effectRef idx="3">
+          <a:scrgbClr r="0" g="0" b="0"/>
+        </a:effectRef>
+        <a:fontRef idx="minor">
+          <a:schemeClr val="lt1"/>
+        </a:fontRef>
+      </dsp:style>
+      <dsp:txBody>
+        <a:bodyPr spcFirstLastPara="0" vert="horz" wrap="square" lIns="195134" tIns="0" rIns="195134" bIns="0" numCol="1" spcCol="1270" anchor="ctr" anchorCtr="0">
+          <a:noAutofit/>
+        </a:bodyPr>
+        <a:lstStyle/>
+        <a:p>
+          <a:pPr lvl="0" algn="l" defTabSz="444500">
+            <a:lnSpc>
+              <a:spcPct val="90000"/>
+            </a:lnSpc>
+            <a:spcBef>
+              <a:spcPct val="0"/>
+            </a:spcBef>
+            <a:spcAft>
+              <a:spcPct val="35000"/>
+            </a:spcAft>
+          </a:pPr>
+          <a:r>
+            <a:rPr lang="zh-CN" altLang="en-US" sz="1000" kern="1200" dirty="0" smtClean="0"/>
+            <a:t>内置数据结构</a:t>
+          </a:r>
+          <a:endParaRPr lang="zh-CN" altLang="en-US" sz="1000" kern="1200" dirty="0"/>
+        </a:p>
+      </dsp:txBody>
+      <dsp:txXfrm>
+        <a:off x="383166" y="1406188"/>
+        <a:ext cx="5133775" cy="266380"/>
+      </dsp:txXfrm>
+    </dsp:sp>
+    <dsp:sp modelId="{0D6705DC-DB45-4730-9FCD-4076E628E5D5}">
+      <dsp:nvSpPr>
+        <dsp:cNvPr id="0" name=""/>
+        <dsp:cNvSpPr/>
+      </dsp:nvSpPr>
+      <dsp:spPr>
+        <a:xfrm>
+          <a:off x="0" y="1992978"/>
+          <a:ext cx="7375137" cy="252000"/>
+        </a:xfrm>
+        <a:prstGeom prst="rect">
+          <a:avLst/>
+        </a:prstGeom>
+        <a:solidFill>
+          <a:schemeClr val="lt1">
+            <a:alpha val="90000"/>
+            <a:hueOff val="0"/>
+            <a:satOff val="0"/>
+            <a:lumOff val="0"/>
+            <a:alphaOff val="0"/>
+          </a:schemeClr>
+        </a:solidFill>
+        <a:ln w="9525" cap="flat" cmpd="sng" algn="ctr">
+          <a:solidFill>
+            <a:schemeClr val="accent1">
+              <a:hueOff val="0"/>
+              <a:satOff val="0"/>
+              <a:lumOff val="0"/>
+              <a:alphaOff val="0"/>
+            </a:schemeClr>
+          </a:solidFill>
+          <a:prstDash val="solid"/>
+        </a:ln>
+        <a:effectLst>
+          <a:outerShdw blurRad="40000" dist="23000" dir="5400000" rotWithShape="0">
+            <a:srgbClr val="000000">
+              <a:alpha val="35000"/>
+            </a:srgbClr>
+          </a:outerShdw>
+        </a:effectLst>
+      </dsp:spPr>
+      <dsp:style>
+        <a:lnRef idx="1">
+          <a:scrgbClr r="0" g="0" b="0"/>
+        </a:lnRef>
+        <a:fillRef idx="1">
+          <a:scrgbClr r="0" g="0" b="0"/>
+        </a:fillRef>
+        <a:effectRef idx="2">
+          <a:scrgbClr r="0" g="0" b="0"/>
+        </a:effectRef>
+        <a:fontRef idx="minor"/>
+      </dsp:style>
+    </dsp:sp>
+    <dsp:sp modelId="{D4347316-374D-416F-87DB-107CAA5BECDB}">
+      <dsp:nvSpPr>
+        <dsp:cNvPr id="0" name=""/>
+        <dsp:cNvSpPr/>
+      </dsp:nvSpPr>
+      <dsp:spPr>
+        <a:xfrm>
+          <a:off x="368756" y="1845378"/>
+          <a:ext cx="5162595" cy="295200"/>
+        </a:xfrm>
+        <a:prstGeom prst="roundRect">
+          <a:avLst/>
+        </a:prstGeom>
+        <a:gradFill rotWithShape="0">
+          <a:gsLst>
+            <a:gs pos="0">
+              <a:schemeClr val="accent1">
+                <a:hueOff val="0"/>
+                <a:satOff val="0"/>
+                <a:lumOff val="0"/>
+                <a:alphaOff val="0"/>
+                <a:shade val="51000"/>
+                <a:satMod val="130000"/>
+              </a:schemeClr>
+            </a:gs>
+            <a:gs pos="80000">
+              <a:schemeClr val="accent1">
+                <a:hueOff val="0"/>
+                <a:satOff val="0"/>
+                <a:lumOff val="0"/>
+                <a:alphaOff val="0"/>
+                <a:shade val="93000"/>
+                <a:satMod val="130000"/>
+              </a:schemeClr>
+            </a:gs>
+            <a:gs pos="100000">
+              <a:schemeClr val="accent1">
+                <a:hueOff val="0"/>
+                <a:satOff val="0"/>
+                <a:lumOff val="0"/>
+                <a:alphaOff val="0"/>
+                <a:shade val="94000"/>
+                <a:satMod val="135000"/>
+              </a:schemeClr>
+            </a:gs>
+          </a:gsLst>
+          <a:lin ang="16200000" scaled="0"/>
+        </a:gradFill>
+        <a:ln>
+          <a:noFill/>
+        </a:ln>
+        <a:effectLst>
+          <a:outerShdw blurRad="40000" dist="23000" dir="5400000" rotWithShape="0">
+            <a:srgbClr val="000000">
+              <a:alpha val="35000"/>
+            </a:srgbClr>
+          </a:outerShdw>
+        </a:effectLst>
+        <a:scene3d>
+          <a:camera prst="orthographicFront">
+            <a:rot lat="0" lon="0" rev="0"/>
+          </a:camera>
+          <a:lightRig rig="threePt" dir="t">
+            <a:rot lat="0" lon="0" rev="1200000"/>
+          </a:lightRig>
+        </a:scene3d>
+        <a:sp3d>
+          <a:bevelT w="63500" h="25400"/>
+        </a:sp3d>
+      </dsp:spPr>
+      <dsp:style>
+        <a:lnRef idx="0">
+          <a:scrgbClr r="0" g="0" b="0"/>
+        </a:lnRef>
+        <a:fillRef idx="3">
+          <a:scrgbClr r="0" g="0" b="0"/>
+        </a:fillRef>
+        <a:effectRef idx="3">
+          <a:scrgbClr r="0" g="0" b="0"/>
+        </a:effectRef>
+        <a:fontRef idx="minor">
+          <a:schemeClr val="lt1"/>
+        </a:fontRef>
+      </dsp:style>
+      <dsp:txBody>
+        <a:bodyPr spcFirstLastPara="0" vert="horz" wrap="square" lIns="195134" tIns="0" rIns="195134" bIns="0" numCol="1" spcCol="1270" anchor="ctr" anchorCtr="0">
+          <a:noAutofit/>
+        </a:bodyPr>
+        <a:lstStyle/>
+        <a:p>
+          <a:pPr lvl="0" algn="l" defTabSz="444500">
+            <a:lnSpc>
+              <a:spcPct val="90000"/>
+            </a:lnSpc>
+            <a:spcBef>
+              <a:spcPct val="0"/>
+            </a:spcBef>
+            <a:spcAft>
+              <a:spcPct val="35000"/>
+            </a:spcAft>
+          </a:pPr>
+          <a:r>
+            <a:rPr lang="zh-CN" altLang="en-US" sz="1000" kern="1200" dirty="0" smtClean="0"/>
+            <a:t>函数</a:t>
+          </a:r>
+          <a:endParaRPr lang="zh-CN" altLang="en-US" sz="1000" kern="1200" dirty="0"/>
+        </a:p>
+      </dsp:txBody>
+      <dsp:txXfrm>
+        <a:off x="383166" y="1859788"/>
+        <a:ext cx="5133775" cy="266380"/>
+      </dsp:txXfrm>
+    </dsp:sp>
+    <dsp:sp modelId="{6F48CDA6-AEFE-4586-BA56-C7619BE614F3}">
+      <dsp:nvSpPr>
+        <dsp:cNvPr id="0" name=""/>
+        <dsp:cNvSpPr/>
+      </dsp:nvSpPr>
+      <dsp:spPr>
+        <a:xfrm>
+          <a:off x="0" y="2446578"/>
+          <a:ext cx="7375137" cy="252000"/>
+        </a:xfrm>
+        <a:prstGeom prst="rect">
+          <a:avLst/>
+        </a:prstGeom>
+        <a:solidFill>
+          <a:schemeClr val="lt1">
+            <a:alpha val="90000"/>
+            <a:hueOff val="0"/>
+            <a:satOff val="0"/>
+            <a:lumOff val="0"/>
+            <a:alphaOff val="0"/>
+          </a:schemeClr>
+        </a:solidFill>
+        <a:ln w="9525" cap="flat" cmpd="sng" algn="ctr">
+          <a:solidFill>
+            <a:schemeClr val="accent1">
+              <a:hueOff val="0"/>
+              <a:satOff val="0"/>
+              <a:lumOff val="0"/>
+              <a:alphaOff val="0"/>
+            </a:schemeClr>
+          </a:solidFill>
+          <a:prstDash val="solid"/>
+        </a:ln>
+        <a:effectLst>
+          <a:outerShdw blurRad="40000" dist="23000" dir="5400000" rotWithShape="0">
+            <a:srgbClr val="000000">
+              <a:alpha val="35000"/>
+            </a:srgbClr>
+          </a:outerShdw>
+        </a:effectLst>
+      </dsp:spPr>
+      <dsp:style>
+        <a:lnRef idx="1">
+          <a:scrgbClr r="0" g="0" b="0"/>
+        </a:lnRef>
+        <a:fillRef idx="1">
+          <a:scrgbClr r="0" g="0" b="0"/>
+        </a:fillRef>
+        <a:effectRef idx="2">
+          <a:scrgbClr r="0" g="0" b="0"/>
+        </a:effectRef>
+        <a:fontRef idx="minor"/>
+      </dsp:style>
+    </dsp:sp>
+    <dsp:sp modelId="{D43C5A37-C7D9-4E1B-8D08-C87C17DA4796}">
+      <dsp:nvSpPr>
+        <dsp:cNvPr id="0" name=""/>
+        <dsp:cNvSpPr/>
+      </dsp:nvSpPr>
+      <dsp:spPr>
+        <a:xfrm>
+          <a:off x="368756" y="2298978"/>
+          <a:ext cx="5162595" cy="295200"/>
+        </a:xfrm>
+        <a:prstGeom prst="roundRect">
+          <a:avLst/>
+        </a:prstGeom>
+        <a:gradFill rotWithShape="0">
+          <a:gsLst>
+            <a:gs pos="0">
+              <a:schemeClr val="accent1">
+                <a:hueOff val="0"/>
+                <a:satOff val="0"/>
+                <a:lumOff val="0"/>
+                <a:alphaOff val="0"/>
+                <a:shade val="51000"/>
+                <a:satMod val="130000"/>
+              </a:schemeClr>
+            </a:gs>
+            <a:gs pos="80000">
+              <a:schemeClr val="accent1">
+                <a:hueOff val="0"/>
+                <a:satOff val="0"/>
+                <a:lumOff val="0"/>
+                <a:alphaOff val="0"/>
+                <a:shade val="93000"/>
+                <a:satMod val="130000"/>
+              </a:schemeClr>
+            </a:gs>
+            <a:gs pos="100000">
+              <a:schemeClr val="accent1">
+                <a:hueOff val="0"/>
+                <a:satOff val="0"/>
+                <a:lumOff val="0"/>
+                <a:alphaOff val="0"/>
+                <a:shade val="94000"/>
+                <a:satMod val="135000"/>
+              </a:schemeClr>
+            </a:gs>
+          </a:gsLst>
+          <a:lin ang="16200000" scaled="0"/>
+        </a:gradFill>
+        <a:ln>
+          <a:noFill/>
+        </a:ln>
+        <a:effectLst>
+          <a:outerShdw blurRad="40000" dist="23000" dir="5400000" rotWithShape="0">
+            <a:srgbClr val="000000">
+              <a:alpha val="35000"/>
+            </a:srgbClr>
+          </a:outerShdw>
+        </a:effectLst>
+        <a:scene3d>
+          <a:camera prst="orthographicFront">
+            <a:rot lat="0" lon="0" rev="0"/>
+          </a:camera>
+          <a:lightRig rig="threePt" dir="t">
+            <a:rot lat="0" lon="0" rev="1200000"/>
+          </a:lightRig>
+        </a:scene3d>
+        <a:sp3d>
+          <a:bevelT w="63500" h="25400"/>
+        </a:sp3d>
+      </dsp:spPr>
+      <dsp:style>
+        <a:lnRef idx="0">
+          <a:scrgbClr r="0" g="0" b="0"/>
+        </a:lnRef>
+        <a:fillRef idx="3">
+          <a:scrgbClr r="0" g="0" b="0"/>
+        </a:fillRef>
+        <a:effectRef idx="3">
+          <a:scrgbClr r="0" g="0" b="0"/>
+        </a:effectRef>
+        <a:fontRef idx="minor">
+          <a:schemeClr val="lt1"/>
+        </a:fontRef>
+      </dsp:style>
+      <dsp:txBody>
+        <a:bodyPr spcFirstLastPara="0" vert="horz" wrap="square" lIns="195134" tIns="0" rIns="195134" bIns="0" numCol="1" spcCol="1270" anchor="ctr" anchorCtr="0">
+          <a:noAutofit/>
+        </a:bodyPr>
+        <a:lstStyle/>
+        <a:p>
+          <a:pPr lvl="0" algn="l" defTabSz="444500">
+            <a:lnSpc>
+              <a:spcPct val="90000"/>
+            </a:lnSpc>
+            <a:spcBef>
+              <a:spcPct val="0"/>
+            </a:spcBef>
+            <a:spcAft>
+              <a:spcPct val="35000"/>
+            </a:spcAft>
+          </a:pPr>
+          <a:r>
+            <a:rPr lang="zh-CN" altLang="en-US" sz="1000" kern="1200" dirty="0" smtClean="0"/>
+            <a:t>模块</a:t>
+          </a:r>
+          <a:endParaRPr lang="zh-CN" altLang="en-US" sz="1000" kern="1200" dirty="0"/>
+        </a:p>
+      </dsp:txBody>
+      <dsp:txXfrm>
+        <a:off x="383166" y="2313388"/>
+        <a:ext cx="5133775" cy="266380"/>
+      </dsp:txXfrm>
+    </dsp:sp>
+    <dsp:sp modelId="{AE8679DB-5AFE-4B97-ABC4-66DE08231BD5}">
+      <dsp:nvSpPr>
+        <dsp:cNvPr id="0" name=""/>
+        <dsp:cNvSpPr/>
+      </dsp:nvSpPr>
+      <dsp:spPr>
+        <a:xfrm>
+          <a:off x="0" y="2900179"/>
+          <a:ext cx="7375137" cy="252000"/>
+        </a:xfrm>
+        <a:prstGeom prst="rect">
+          <a:avLst/>
+        </a:prstGeom>
+        <a:solidFill>
+          <a:schemeClr val="lt1">
+            <a:alpha val="90000"/>
+            <a:hueOff val="0"/>
+            <a:satOff val="0"/>
+            <a:lumOff val="0"/>
+            <a:alphaOff val="0"/>
+          </a:schemeClr>
+        </a:solidFill>
+        <a:ln w="9525" cap="flat" cmpd="sng" algn="ctr">
+          <a:solidFill>
+            <a:schemeClr val="accent1">
+              <a:hueOff val="0"/>
+              <a:satOff val="0"/>
+              <a:lumOff val="0"/>
+              <a:alphaOff val="0"/>
+            </a:schemeClr>
+          </a:solidFill>
+          <a:prstDash val="solid"/>
+        </a:ln>
+        <a:effectLst>
+          <a:outerShdw blurRad="40000" dist="23000" dir="5400000" rotWithShape="0">
+            <a:srgbClr val="000000">
+              <a:alpha val="35000"/>
+            </a:srgbClr>
+          </a:outerShdw>
+        </a:effectLst>
+      </dsp:spPr>
+      <dsp:style>
+        <a:lnRef idx="1">
+          <a:scrgbClr r="0" g="0" b="0"/>
+        </a:lnRef>
+        <a:fillRef idx="1">
+          <a:scrgbClr r="0" g="0" b="0"/>
+        </a:fillRef>
+        <a:effectRef idx="2">
+          <a:scrgbClr r="0" g="0" b="0"/>
+        </a:effectRef>
+        <a:fontRef idx="minor"/>
+      </dsp:style>
+    </dsp:sp>
+    <dsp:sp modelId="{DEC60EEA-80D1-4BB7-852F-205588880CF2}">
+      <dsp:nvSpPr>
+        <dsp:cNvPr id="0" name=""/>
+        <dsp:cNvSpPr/>
+      </dsp:nvSpPr>
+      <dsp:spPr>
+        <a:xfrm>
+          <a:off x="368756" y="2752578"/>
+          <a:ext cx="5162595" cy="295200"/>
+        </a:xfrm>
+        <a:prstGeom prst="roundRect">
+          <a:avLst/>
+        </a:prstGeom>
+        <a:gradFill rotWithShape="0">
+          <a:gsLst>
+            <a:gs pos="0">
+              <a:schemeClr val="accent1">
+                <a:hueOff val="0"/>
+                <a:satOff val="0"/>
+                <a:lumOff val="0"/>
+                <a:alphaOff val="0"/>
+                <a:shade val="51000"/>
+                <a:satMod val="130000"/>
+              </a:schemeClr>
+            </a:gs>
+            <a:gs pos="80000">
+              <a:schemeClr val="accent1">
+                <a:hueOff val="0"/>
+                <a:satOff val="0"/>
+                <a:lumOff val="0"/>
+                <a:alphaOff val="0"/>
+                <a:shade val="93000"/>
+                <a:satMod val="130000"/>
+              </a:schemeClr>
+            </a:gs>
+            <a:gs pos="100000">
+              <a:schemeClr val="accent1">
+                <a:hueOff val="0"/>
+                <a:satOff val="0"/>
+                <a:lumOff val="0"/>
+                <a:alphaOff val="0"/>
+                <a:shade val="94000"/>
+                <a:satMod val="135000"/>
+              </a:schemeClr>
+            </a:gs>
+          </a:gsLst>
+          <a:lin ang="16200000" scaled="0"/>
+        </a:gradFill>
+        <a:ln>
+          <a:noFill/>
+        </a:ln>
+        <a:effectLst>
+          <a:outerShdw blurRad="40000" dist="23000" dir="5400000" rotWithShape="0">
+            <a:srgbClr val="000000">
+              <a:alpha val="35000"/>
+            </a:srgbClr>
+          </a:outerShdw>
+        </a:effectLst>
+        <a:scene3d>
+          <a:camera prst="orthographicFront">
+            <a:rot lat="0" lon="0" rev="0"/>
+          </a:camera>
+          <a:lightRig rig="threePt" dir="t">
+            <a:rot lat="0" lon="0" rev="1200000"/>
+          </a:lightRig>
+        </a:scene3d>
+        <a:sp3d>
+          <a:bevelT w="63500" h="25400"/>
+        </a:sp3d>
+      </dsp:spPr>
+      <dsp:style>
+        <a:lnRef idx="0">
+          <a:scrgbClr r="0" g="0" b="0"/>
+        </a:lnRef>
+        <a:fillRef idx="3">
+          <a:scrgbClr r="0" g="0" b="0"/>
+        </a:fillRef>
+        <a:effectRef idx="3">
+          <a:scrgbClr r="0" g="0" b="0"/>
+        </a:effectRef>
+        <a:fontRef idx="minor">
+          <a:schemeClr val="lt1"/>
+        </a:fontRef>
+      </dsp:style>
+      <dsp:txBody>
+        <a:bodyPr spcFirstLastPara="0" vert="horz" wrap="square" lIns="195134" tIns="0" rIns="195134" bIns="0" numCol="1" spcCol="1270" anchor="ctr" anchorCtr="0">
+          <a:noAutofit/>
+        </a:bodyPr>
+        <a:lstStyle/>
+        <a:p>
+          <a:pPr lvl="0" algn="l" defTabSz="444500">
+            <a:lnSpc>
+              <a:spcPct val="90000"/>
+            </a:lnSpc>
+            <a:spcBef>
+              <a:spcPct val="0"/>
+            </a:spcBef>
+            <a:spcAft>
+              <a:spcPct val="35000"/>
+            </a:spcAft>
+          </a:pPr>
+          <a:r>
+            <a:rPr lang="zh-CN" altLang="en-US" sz="1000" kern="1200" dirty="0" smtClean="0"/>
+            <a:t>异常</a:t>
+          </a:r>
+          <a:endParaRPr lang="zh-CN" altLang="en-US" sz="1000" kern="1200" dirty="0"/>
+        </a:p>
+      </dsp:txBody>
+      <dsp:txXfrm>
+        <a:off x="383166" y="2766988"/>
+        <a:ext cx="5133775" cy="266380"/>
+      </dsp:txXfrm>
+    </dsp:sp>
+    <dsp:sp modelId="{1220CEF2-815D-4904-9E7D-B2B7DB0EDBBB}">
+      <dsp:nvSpPr>
+        <dsp:cNvPr id="0" name=""/>
+        <dsp:cNvSpPr/>
+      </dsp:nvSpPr>
+      <dsp:spPr>
+        <a:xfrm>
+          <a:off x="0" y="3353779"/>
+          <a:ext cx="7375137" cy="252000"/>
+        </a:xfrm>
+        <a:prstGeom prst="rect">
+          <a:avLst/>
+        </a:prstGeom>
+        <a:solidFill>
+          <a:schemeClr val="lt1">
+            <a:alpha val="90000"/>
+            <a:hueOff val="0"/>
+            <a:satOff val="0"/>
+            <a:lumOff val="0"/>
+            <a:alphaOff val="0"/>
+          </a:schemeClr>
+        </a:solidFill>
+        <a:ln w="9525" cap="flat" cmpd="sng" algn="ctr">
+          <a:solidFill>
+            <a:schemeClr val="accent1">
+              <a:hueOff val="0"/>
+              <a:satOff val="0"/>
+              <a:lumOff val="0"/>
+              <a:alphaOff val="0"/>
+            </a:schemeClr>
+          </a:solidFill>
+          <a:prstDash val="solid"/>
+        </a:ln>
+        <a:effectLst>
+          <a:outerShdw blurRad="40000" dist="23000" dir="5400000" rotWithShape="0">
+            <a:srgbClr val="000000">
+              <a:alpha val="35000"/>
+            </a:srgbClr>
+          </a:outerShdw>
+        </a:effectLst>
+      </dsp:spPr>
+      <dsp:style>
+        <a:lnRef idx="1">
+          <a:scrgbClr r="0" g="0" b="0"/>
+        </a:lnRef>
+        <a:fillRef idx="1">
+          <a:scrgbClr r="0" g="0" b="0"/>
+        </a:fillRef>
+        <a:effectRef idx="2">
+          <a:scrgbClr r="0" g="0" b="0"/>
+        </a:effectRef>
+        <a:fontRef idx="minor"/>
+      </dsp:style>
+    </dsp:sp>
+    <dsp:sp modelId="{67B1179A-D9A3-4F4B-98F9-9FBACB2952BC}">
+      <dsp:nvSpPr>
+        <dsp:cNvPr id="0" name=""/>
+        <dsp:cNvSpPr/>
+      </dsp:nvSpPr>
+      <dsp:spPr>
+        <a:xfrm>
+          <a:off x="368756" y="3206179"/>
+          <a:ext cx="5162595" cy="295200"/>
+        </a:xfrm>
+        <a:prstGeom prst="roundRect">
+          <a:avLst/>
+        </a:prstGeom>
+        <a:gradFill rotWithShape="0">
+          <a:gsLst>
+            <a:gs pos="0">
+              <a:schemeClr val="accent1">
+                <a:hueOff val="0"/>
+                <a:satOff val="0"/>
+                <a:lumOff val="0"/>
+                <a:alphaOff val="0"/>
+                <a:shade val="51000"/>
+                <a:satMod val="130000"/>
+              </a:schemeClr>
+            </a:gs>
+            <a:gs pos="80000">
+              <a:schemeClr val="accent1">
+                <a:hueOff val="0"/>
+                <a:satOff val="0"/>
+                <a:lumOff val="0"/>
+                <a:alphaOff val="0"/>
+                <a:shade val="93000"/>
+                <a:satMod val="130000"/>
+              </a:schemeClr>
+            </a:gs>
+            <a:gs pos="100000">
+              <a:schemeClr val="accent1">
+                <a:hueOff val="0"/>
+                <a:satOff val="0"/>
+                <a:lumOff val="0"/>
+                <a:alphaOff val="0"/>
+                <a:shade val="94000"/>
+                <a:satMod val="135000"/>
+              </a:schemeClr>
+            </a:gs>
+          </a:gsLst>
+          <a:lin ang="16200000" scaled="0"/>
+        </a:gradFill>
+        <a:ln>
+          <a:noFill/>
+        </a:ln>
+        <a:effectLst>
+          <a:outerShdw blurRad="40000" dist="23000" dir="5400000" rotWithShape="0">
+            <a:srgbClr val="000000">
+              <a:alpha val="35000"/>
+            </a:srgbClr>
+          </a:outerShdw>
+        </a:effectLst>
+        <a:scene3d>
+          <a:camera prst="orthographicFront">
+            <a:rot lat="0" lon="0" rev="0"/>
+          </a:camera>
+          <a:lightRig rig="threePt" dir="t">
+            <a:rot lat="0" lon="0" rev="1200000"/>
+          </a:lightRig>
+        </a:scene3d>
+        <a:sp3d>
+          <a:bevelT w="63500" h="25400"/>
+        </a:sp3d>
+      </dsp:spPr>
+      <dsp:style>
+        <a:lnRef idx="0">
+          <a:scrgbClr r="0" g="0" b="0"/>
+        </a:lnRef>
+        <a:fillRef idx="3">
+          <a:scrgbClr r="0" g="0" b="0"/>
+        </a:fillRef>
+        <a:effectRef idx="3">
+          <a:scrgbClr r="0" g="0" b="0"/>
+        </a:effectRef>
+        <a:fontRef idx="minor">
+          <a:schemeClr val="lt1"/>
+        </a:fontRef>
+      </dsp:style>
+      <dsp:txBody>
+        <a:bodyPr spcFirstLastPara="0" vert="horz" wrap="square" lIns="195134" tIns="0" rIns="195134" bIns="0" numCol="1" spcCol="1270" anchor="ctr" anchorCtr="0">
+          <a:noAutofit/>
+        </a:bodyPr>
+        <a:lstStyle/>
+        <a:p>
+          <a:pPr lvl="0" algn="l" defTabSz="444500">
+            <a:lnSpc>
+              <a:spcPct val="90000"/>
+            </a:lnSpc>
+            <a:spcBef>
+              <a:spcPct val="0"/>
+            </a:spcBef>
+            <a:spcAft>
+              <a:spcPct val="35000"/>
+            </a:spcAft>
+          </a:pPr>
+          <a:r>
+            <a:rPr lang="en-US" altLang="zh-CN" sz="1000" kern="1200" dirty="0" smtClean="0"/>
+            <a:t>I/O</a:t>
+          </a:r>
+          <a:r>
+            <a:rPr lang="zh-CN" altLang="en-US" sz="1000" kern="1200" dirty="0" smtClean="0"/>
+            <a:t>文件操作</a:t>
+          </a:r>
+          <a:endParaRPr lang="zh-CN" altLang="en-US" sz="1000" kern="1200" dirty="0"/>
+        </a:p>
+      </dsp:txBody>
+      <dsp:txXfrm>
+        <a:off x="383166" y="3220589"/>
+        <a:ext cx="5133775" cy="266380"/>
+      </dsp:txXfrm>
+    </dsp:sp>
+    <dsp:sp modelId="{0301721C-47EC-412B-861B-7EC40AB5B63F}">
+      <dsp:nvSpPr>
+        <dsp:cNvPr id="0" name=""/>
+        <dsp:cNvSpPr/>
+      </dsp:nvSpPr>
+      <dsp:spPr>
+        <a:xfrm>
+          <a:off x="0" y="3807379"/>
+          <a:ext cx="7375137" cy="252000"/>
+        </a:xfrm>
+        <a:prstGeom prst="rect">
+          <a:avLst/>
+        </a:prstGeom>
+        <a:solidFill>
+          <a:schemeClr val="lt1">
+            <a:alpha val="90000"/>
+            <a:hueOff val="0"/>
+            <a:satOff val="0"/>
+            <a:lumOff val="0"/>
+            <a:alphaOff val="0"/>
+          </a:schemeClr>
+        </a:solidFill>
+        <a:ln w="9525" cap="flat" cmpd="sng" algn="ctr">
+          <a:solidFill>
+            <a:schemeClr val="accent1">
+              <a:hueOff val="0"/>
+              <a:satOff val="0"/>
+              <a:lumOff val="0"/>
+              <a:alphaOff val="0"/>
+            </a:schemeClr>
+          </a:solidFill>
+          <a:prstDash val="solid"/>
+        </a:ln>
+        <a:effectLst>
+          <a:outerShdw blurRad="40000" dist="23000" dir="5400000" rotWithShape="0">
+            <a:srgbClr val="000000">
+              <a:alpha val="35000"/>
+            </a:srgbClr>
+          </a:outerShdw>
+        </a:effectLst>
+      </dsp:spPr>
+      <dsp:style>
+        <a:lnRef idx="1">
+          <a:scrgbClr r="0" g="0" b="0"/>
+        </a:lnRef>
+        <a:fillRef idx="1">
+          <a:scrgbClr r="0" g="0" b="0"/>
+        </a:fillRef>
+        <a:effectRef idx="2">
+          <a:scrgbClr r="0" g="0" b="0"/>
+        </a:effectRef>
+        <a:fontRef idx="minor"/>
+      </dsp:style>
+    </dsp:sp>
+    <dsp:sp modelId="{B0AC64E7-A4D4-495C-9DE7-08EB7861C992}">
+      <dsp:nvSpPr>
+        <dsp:cNvPr id="0" name=""/>
+        <dsp:cNvSpPr/>
+      </dsp:nvSpPr>
+      <dsp:spPr>
+        <a:xfrm>
+          <a:off x="368756" y="3659779"/>
+          <a:ext cx="5162595" cy="295200"/>
+        </a:xfrm>
+        <a:prstGeom prst="roundRect">
+          <a:avLst/>
+        </a:prstGeom>
+        <a:gradFill rotWithShape="0">
+          <a:gsLst>
+            <a:gs pos="0">
+              <a:schemeClr val="accent1">
+                <a:hueOff val="0"/>
+                <a:satOff val="0"/>
+                <a:lumOff val="0"/>
+                <a:alphaOff val="0"/>
+                <a:shade val="51000"/>
+                <a:satMod val="130000"/>
+              </a:schemeClr>
+            </a:gs>
+            <a:gs pos="80000">
+              <a:schemeClr val="accent1">
+                <a:hueOff val="0"/>
+                <a:satOff val="0"/>
+                <a:lumOff val="0"/>
+                <a:alphaOff val="0"/>
+                <a:shade val="93000"/>
+                <a:satMod val="130000"/>
+              </a:schemeClr>
+            </a:gs>
+            <a:gs pos="100000">
+              <a:schemeClr val="accent1">
+                <a:hueOff val="0"/>
+                <a:satOff val="0"/>
+                <a:lumOff val="0"/>
+                <a:alphaOff val="0"/>
+                <a:shade val="94000"/>
+                <a:satMod val="135000"/>
+              </a:schemeClr>
+            </a:gs>
+          </a:gsLst>
+          <a:lin ang="16200000" scaled="0"/>
+        </a:gradFill>
+        <a:ln>
+          <a:noFill/>
+        </a:ln>
+        <a:effectLst>
+          <a:outerShdw blurRad="40000" dist="23000" dir="5400000" rotWithShape="0">
+            <a:srgbClr val="000000">
+              <a:alpha val="35000"/>
+            </a:srgbClr>
+          </a:outerShdw>
+        </a:effectLst>
+        <a:scene3d>
+          <a:camera prst="orthographicFront">
+            <a:rot lat="0" lon="0" rev="0"/>
+          </a:camera>
+          <a:lightRig rig="threePt" dir="t">
+            <a:rot lat="0" lon="0" rev="1200000"/>
+          </a:lightRig>
+        </a:scene3d>
+        <a:sp3d>
+          <a:bevelT w="63500" h="25400"/>
+        </a:sp3d>
+      </dsp:spPr>
+      <dsp:style>
+        <a:lnRef idx="0">
+          <a:scrgbClr r="0" g="0" b="0"/>
+        </a:lnRef>
+        <a:fillRef idx="3">
+          <a:scrgbClr r="0" g="0" b="0"/>
+        </a:fillRef>
+        <a:effectRef idx="3">
+          <a:scrgbClr r="0" g="0" b="0"/>
+        </a:effectRef>
+        <a:fontRef idx="minor">
+          <a:schemeClr val="lt1"/>
+        </a:fontRef>
+      </dsp:style>
+      <dsp:txBody>
+        <a:bodyPr spcFirstLastPara="0" vert="horz" wrap="square" lIns="195134" tIns="0" rIns="195134" bIns="0" numCol="1" spcCol="1270" anchor="ctr" anchorCtr="0">
+          <a:noAutofit/>
+        </a:bodyPr>
+        <a:lstStyle/>
+        <a:p>
+          <a:pPr lvl="0" algn="l" defTabSz="444500">
+            <a:lnSpc>
+              <a:spcPct val="90000"/>
+            </a:lnSpc>
+            <a:spcBef>
+              <a:spcPct val="0"/>
+            </a:spcBef>
+            <a:spcAft>
+              <a:spcPct val="35000"/>
+            </a:spcAft>
+          </a:pPr>
+          <a:r>
+            <a:rPr lang="zh-CN" altLang="en-US" sz="1000" kern="1200" dirty="0" smtClean="0"/>
+            <a:t>面向对象</a:t>
+          </a:r>
+          <a:endParaRPr lang="zh-CN" altLang="en-US" sz="1000" kern="1200" dirty="0"/>
+        </a:p>
+      </dsp:txBody>
+      <dsp:txXfrm>
+        <a:off x="383166" y="3674189"/>
+        <a:ext cx="5133775" cy="266380"/>
+      </dsp:txXfrm>
+    </dsp:sp>
+  </dsp:spTree>
+</dsp:drawing>
+</file>
+
 <file path=ppt/diagrams/layout1.xml><?xml version="1.0" encoding="utf-8"?>
+<dgm:layoutDef xmlns:dgm="http://schemas.openxmlformats.org/drawingml/2006/diagram" xmlns:a="http://schemas.openxmlformats.org/drawingml/2006/main" uniqueId="urn:microsoft.com/office/officeart/2005/8/layout/list1">
+  <dgm:title val=""/>
+  <dgm:desc val=""/>
+  <dgm:catLst>
+    <dgm:cat type="list" pri="4000"/>
+  </dgm:catLst>
+  <dgm:sampData>
+    <dgm:dataModel>
+      <dgm:ptLst>
+        <dgm:pt modelId="0" type="doc"/>
+        <dgm:pt modelId="1">
+          <dgm:prSet phldr="1"/>
+        </dgm:pt>
+        <dgm:pt modelId="2">
+          <dgm:prSet phldr="1"/>
+        </dgm:pt>
+        <dgm:pt modelId="3">
+          <dgm:prSet phldr="1"/>
+        </dgm:pt>
+      </dgm:ptLst>
+      <dgm:cxnLst>
+        <dgm:cxn modelId="4" srcId="0" destId="1" srcOrd="0" destOrd="0"/>
+        <dgm:cxn modelId="5" srcId="0" destId="2" srcOrd="1" destOrd="0"/>
+        <dgm:cxn modelId="6" srcId="0" destId="3" srcOrd="2" destOrd="0"/>
+      </dgm:cxnLst>
+      <dgm:bg/>
+      <dgm:whole/>
+    </dgm:dataModel>
+  </dgm:sampData>
+  <dgm:styleData>
+    <dgm:dataModel>
+      <dgm:ptLst>
+        <dgm:pt modelId="0" type="doc"/>
+        <dgm:pt modelId="1"/>
+        <dgm:pt modelId="2"/>
+      </dgm:ptLst>
+      <dgm:cxnLst>
+        <dgm:cxn modelId="4" srcId="0" destId="1" srcOrd="0" destOrd="0"/>
+        <dgm:cxn modelId="5" srcId="0" destId="2" srcOrd="1" destOrd="0"/>
+      </dgm:cxnLst>
+      <dgm:bg/>
+      <dgm:whole/>
+    </dgm:dataModel>
+  </dgm:styleData>
+  <dgm:clrData>
+    <dgm:dataModel>
+      <dgm:ptLst>
+        <dgm:pt modelId="0" type="doc"/>
+        <dgm:pt modelId="1"/>
+        <dgm:pt modelId="2"/>
+        <dgm:pt modelId="3"/>
+        <dgm:pt modelId="4"/>
+      </dgm:ptLst>
+      <dgm:cxnLst>
+        <dgm:cxn modelId="5" srcId="0" destId="1" srcOrd="0" destOrd="0"/>
+        <dgm:cxn modelId="6" srcId="0" destId="2" srcOrd="1" destOrd="0"/>
+        <dgm:cxn modelId="7" srcId="0" destId="3" srcOrd="2" destOrd="0"/>
+        <dgm:cxn modelId="8" srcId="0" destId="4" srcOrd="3" destOrd="0"/>
+      </dgm:cxnLst>
+      <dgm:bg/>
+      <dgm:whole/>
+    </dgm:dataModel>
+  </dgm:clrData>
+  <dgm:layoutNode name="linear">
+    <dgm:varLst>
+      <dgm:dir/>
+      <dgm:animLvl val="lvl"/>
+      <dgm:resizeHandles val="exact"/>
+    </dgm:varLst>
+    <dgm:choose name="Name0">
+      <dgm:if name="Name1" func="var" arg="dir" op="equ" val="norm">
+        <dgm:alg type="lin">
+          <dgm:param type="linDir" val="fromT"/>
+          <dgm:param type="vertAlign" val="mid"/>
+          <dgm:param type="horzAlign" val="l"/>
+          <dgm:param type="nodeHorzAlign" val="l"/>
+        </dgm:alg>
+      </dgm:if>
+      <dgm:else name="Name2">
+        <dgm:alg type="lin">
+          <dgm:param type="linDir" val="fromT"/>
+          <dgm:param type="vertAlign" val="mid"/>
+          <dgm:param type="horzAlign" val="r"/>
+          <dgm:param type="nodeHorzAlign" val="r"/>
+        </dgm:alg>
+      </dgm:else>
+    </dgm:choose>
+    <dgm:shape xmlns:r="http://schemas.openxmlformats.org/officeDocument/2006/relationships" r:blip="">
+      <dgm:adjLst/>
+    </dgm:shape>
+    <dgm:presOf/>
+    <dgm:constrLst>
+      <dgm:constr type="w" for="ch" forName="parentLin" refType="w"/>
+      <dgm:constr type="h" for="ch" forName="parentLin" val="INF"/>
+      <dgm:constr type="w" for="des" forName="parentLeftMargin" refType="w" fact="0.05"/>
+      <dgm:constr type="w" for="des" forName="parentText" refType="w" fact="0.7"/>
+      <dgm:constr type="h" for="des" forName="parentText" refType="primFontSz" refFor="des" refForName="parentText" fact="0.82"/>
+      <dgm:constr type="h" for="ch" forName="negativeSpace" refType="primFontSz" refFor="des" refForName="parentText" fact="-0.41"/>
+      <dgm:constr type="h" for="ch" forName="negativeSpace" refType="h" refFor="des" refForName="parentText" op="lte" fact="-0.82"/>
+      <dgm:constr type="h" for="ch" forName="negativeSpace" refType="h" refFor="des" refForName="parentText" op="gte" fact="-0.82"/>
+      <dgm:constr type="w" for="ch" forName="childText" refType="w"/>
+      <dgm:constr type="h" for="ch" forName="childText" refType="primFontSz" refFor="des" refForName="parentText" fact="0.7"/>
+      <dgm:constr type="primFontSz" for="des" forName="parentText" val="65"/>
+      <dgm:constr type="primFontSz" for="ch" forName="childText" refType="primFontSz" refFor="des" refForName="parentText"/>
+      <dgm:constr type="tMarg" for="ch" forName="childText" refType="primFontSz" refFor="des" refForName="parentText" fact="1.64"/>
+      <dgm:constr type="tMarg" for="ch" forName="childText" refType="h" refFor="des" refForName="parentText" op="lte" fact="3.28"/>
+      <dgm:constr type="tMarg" for="ch" forName="childText" refType="h" refFor="des" refForName="parentText" op="gte" fact="3.28"/>
+      <dgm:constr type="lMarg" for="ch" forName="childText" refType="w" fact="0.22"/>
+      <dgm:constr type="rMarg" for="ch" forName="childText" refType="lMarg" refFor="ch" refForName="childText"/>
+      <dgm:constr type="lMarg" for="des" forName="parentText" refType="w" fact="0.075"/>
+      <dgm:constr type="rMarg" for="des" forName="parentText" refType="lMarg" refFor="des" refForName="parentText"/>
+      <dgm:constr type="h" for="ch" forName="spaceBetweenRectangles" refType="primFontSz" refFor="des" refForName="parentText" fact="0.15"/>
+    </dgm:constrLst>
+    <dgm:ruleLst>
+      <dgm:rule type="primFontSz" for="des" forName="parentText" val="5" fact="NaN" max="NaN"/>
+    </dgm:ruleLst>
+    <dgm:forEach name="Name3" axis="ch" ptType="node">
+      <dgm:layoutNode name="parentLin">
+        <dgm:choose name="Name4">
+          <dgm:if name="Name5" func="var" arg="dir" op="equ" val="norm">
+            <dgm:alg type="lin">
+              <dgm:param type="linDir" val="fromL"/>
+              <dgm:param type="horzAlign" val="l"/>
+              <dgm:param type="nodeHorzAlign" val="l"/>
+            </dgm:alg>
+          </dgm:if>
+          <dgm:else name="Name6">
+            <dgm:alg type="lin">
+              <dgm:param type="linDir" val="fromR"/>
+              <dgm:param type="horzAlign" val="r"/>
+              <dgm:param type="nodeHorzAlign" val="r"/>
+            </dgm:alg>
+          </dgm:else>
+        </dgm:choose>
+        <dgm:shape xmlns:r="http://schemas.openxmlformats.org/officeDocument/2006/relationships" r:blip="">
+          <dgm:adjLst/>
+        </dgm:shape>
+        <dgm:presOf/>
+        <dgm:constrLst/>
+        <dgm:ruleLst/>
+        <dgm:layoutNode name="parentLeftMargin">
+          <dgm:alg type="sp"/>
+          <dgm:shape xmlns:r="http://schemas.openxmlformats.org/officeDocument/2006/relationships" type="rect" r:blip="" hideGeom="1">
+            <dgm:adjLst/>
+          </dgm:shape>
+          <dgm:presOf axis="self"/>
+          <dgm:constrLst>
+            <dgm:constr type="h"/>
+          </dgm:constrLst>
+          <dgm:ruleLst/>
+        </dgm:layoutNode>
+        <dgm:layoutNode name="parentText" styleLbl="node1">
+          <dgm:varLst>
+            <dgm:chMax val="0"/>
+            <dgm:bulletEnabled val="1"/>
+          </dgm:varLst>
+          <dgm:choose name="Name7">
+            <dgm:if name="Name8" func="var" arg="dir" op="equ" val="norm">
+              <dgm:alg type="tx">
+                <dgm:param type="parTxLTRAlign" val="l"/>
+                <dgm:param type="parTxRTLAlign" val="l"/>
+              </dgm:alg>
+            </dgm:if>
+            <dgm:else name="Name9">
+              <dgm:alg type="tx">
+                <dgm:param type="parTxLTRAlign" val="r"/>
+                <dgm:param type="parTxRTLAlign" val="r"/>
+              </dgm:alg>
+            </dgm:else>
+          </dgm:choose>
+          <dgm:shape xmlns:r="http://schemas.openxmlformats.org/officeDocument/2006/relationships" type="roundRect" r:blip="">
+            <dgm:adjLst/>
+          </dgm:shape>
+          <dgm:presOf axis="self" ptType="node"/>
+          <dgm:constrLst>
+            <dgm:constr type="tMarg"/>
+            <dgm:constr type="bMarg"/>
+          </dgm:constrLst>
+          <dgm:ruleLst/>
+        </dgm:layoutNode>
+      </dgm:layoutNode>
+      <dgm:layoutNode name="negativeSpace">
+        <dgm:alg type="sp"/>
+        <dgm:shape xmlns:r="http://schemas.openxmlformats.org/officeDocument/2006/relationships" r:blip="">
+          <dgm:adjLst/>
+        </dgm:shape>
+        <dgm:presOf/>
+        <dgm:constrLst/>
+        <dgm:ruleLst/>
+      </dgm:layoutNode>
+      <dgm:layoutNode name="childText" styleLbl="conFgAcc1">
+        <dgm:varLst>
+          <dgm:bulletEnabled val="1"/>
+        </dgm:varLst>
+        <dgm:alg type="tx">
+          <dgm:param type="stBulletLvl" val="1"/>
+        </dgm:alg>
+        <dgm:shape xmlns:r="http://schemas.openxmlformats.org/officeDocument/2006/relationships" type="rect" r:blip="" zOrderOff="-2">
+          <dgm:adjLst/>
+        </dgm:shape>
+        <dgm:presOf axis="des" ptType="node"/>
+        <dgm:constrLst>
+          <dgm:constr type="secFontSz" refType="primFontSz"/>
+        </dgm:constrLst>
+        <dgm:ruleLst>
+          <dgm:rule type="h" val="INF" fact="NaN" max="NaN"/>
+        </dgm:ruleLst>
+      </dgm:layoutNode>
+      <dgm:forEach name="Name10" axis="followSib" ptType="sibTrans" cnt="1">
+        <dgm:layoutNode name="spaceBetweenRectangles">
+          <dgm:alg type="sp"/>
+          <dgm:shape xmlns:r="http://schemas.openxmlformats.org/officeDocument/2006/relationships" r:blip="">
+            <dgm:adjLst/>
+          </dgm:shape>
+          <dgm:presOf/>
+          <dgm:constrLst/>
+          <dgm:ruleLst/>
+        </dgm:layoutNode>
+      </dgm:forEach>
+    </dgm:forEach>
+  </dgm:layoutNode>
+</dgm:layoutDef>
+</file>
+
+<file path=ppt/diagrams/layout2.xml><?xml version="1.0" encoding="utf-8"?>
 <dgm:layoutDef xmlns:dgm="http://schemas.openxmlformats.org/drawingml/2006/diagram" xmlns:a="http://schemas.openxmlformats.org/drawingml/2006/main" uniqueId="urn:microsoft.com/office/officeart/2005/8/layout/list1">
   <dgm:title val=""/>
   <dgm:desc val=""/>
@@ -3648,6 +7101,1040 @@
 </dgm:styleDef>
 </file>
 
+<file path=ppt/diagrams/quickStyle2.xml><?xml version="1.0" encoding="utf-8"?>
+<dgm:styleDef xmlns:dgm="http://schemas.openxmlformats.org/drawingml/2006/diagram" xmlns:a="http://schemas.openxmlformats.org/drawingml/2006/main" uniqueId="urn:microsoft.com/office/officeart/2005/8/quickstyle/simple5">
+  <dgm:title val=""/>
+  <dgm:desc val=""/>
+  <dgm:catLst>
+    <dgm:cat type="simple" pri="10500"/>
+  </dgm:catLst>
+  <dgm:scene3d>
+    <a:camera prst="orthographicFront"/>
+    <a:lightRig rig="threePt" dir="t"/>
+  </dgm:scene3d>
+  <dgm:styleLbl name="node0">
+    <dgm:scene3d>
+      <a:camera prst="orthographicFront"/>
+      <a:lightRig rig="threePt" dir="t"/>
+    </dgm:scene3d>
+    <dgm:sp3d/>
+    <dgm:txPr/>
+    <dgm:style>
+      <a:lnRef idx="0">
+        <a:scrgbClr r="0" g="0" b="0"/>
+      </a:lnRef>
+      <a:fillRef idx="3">
+        <a:scrgbClr r="0" g="0" b="0"/>
+      </a:fillRef>
+      <a:effectRef idx="3">
+        <a:scrgbClr r="0" g="0" b="0"/>
+      </a:effectRef>
+      <a:fontRef idx="minor">
+        <a:schemeClr val="lt1"/>
+      </a:fontRef>
+    </dgm:style>
+  </dgm:styleLbl>
+  <dgm:styleLbl name="lnNode1">
+    <dgm:scene3d>
+      <a:camera prst="orthographicFront"/>
+      <a:lightRig rig="threePt" dir="t"/>
+    </dgm:scene3d>
+    <dgm:sp3d/>
+    <dgm:txPr/>
+    <dgm:style>
+      <a:lnRef idx="0">
+        <a:scrgbClr r="0" g="0" b="0"/>
+      </a:lnRef>
+      <a:fillRef idx="3">
+        <a:scrgbClr r="0" g="0" b="0"/>
+      </a:fillRef>
+      <a:effectRef idx="3">
+        <a:scrgbClr r="0" g="0" b="0"/>
+      </a:effectRef>
+      <a:fontRef idx="minor">
+        <a:schemeClr val="lt1"/>
+      </a:fontRef>
+    </dgm:style>
+  </dgm:styleLbl>
+  <dgm:styleLbl name="vennNode1">
+    <dgm:scene3d>
+      <a:camera prst="orthographicFront"/>
+      <a:lightRig rig="threePt" dir="t"/>
+    </dgm:scene3d>
+    <dgm:sp3d/>
+    <dgm:txPr/>
+    <dgm:style>
+      <a:lnRef idx="0">
+        <a:scrgbClr r="0" g="0" b="0"/>
+      </a:lnRef>
+      <a:fillRef idx="3">
+        <a:scrgbClr r="0" g="0" b="0"/>
+      </a:fillRef>
+      <a:effectRef idx="3">
+        <a:scrgbClr r="0" g="0" b="0"/>
+      </a:effectRef>
+      <a:fontRef idx="minor">
+        <a:schemeClr val="tx1"/>
+      </a:fontRef>
+    </dgm:style>
+  </dgm:styleLbl>
+  <dgm:styleLbl name="alignNode1">
+    <dgm:scene3d>
+      <a:camera prst="orthographicFront"/>
+      <a:lightRig rig="threePt" dir="t"/>
+    </dgm:scene3d>
+    <dgm:sp3d/>
+    <dgm:txPr/>
+    <dgm:style>
+      <a:lnRef idx="1">
+        <a:scrgbClr r="0" g="0" b="0"/>
+      </a:lnRef>
+      <a:fillRef idx="3">
+        <a:scrgbClr r="0" g="0" b="0"/>
+      </a:fillRef>
+      <a:effectRef idx="3">
+        <a:scrgbClr r="0" g="0" b="0"/>
+      </a:effectRef>
+      <a:fontRef idx="minor">
+        <a:schemeClr val="lt1"/>
+      </a:fontRef>
+    </dgm:style>
+  </dgm:styleLbl>
+  <dgm:styleLbl name="node1">
+    <dgm:scene3d>
+      <a:camera prst="orthographicFront"/>
+      <a:lightRig rig="threePt" dir="t"/>
+    </dgm:scene3d>
+    <dgm:sp3d/>
+    <dgm:txPr/>
+    <dgm:style>
+      <a:lnRef idx="0">
+        <a:scrgbClr r="0" g="0" b="0"/>
+      </a:lnRef>
+      <a:fillRef idx="3">
+        <a:scrgbClr r="0" g="0" b="0"/>
+      </a:fillRef>
+      <a:effectRef idx="3">
+        <a:scrgbClr r="0" g="0" b="0"/>
+      </a:effectRef>
+      <a:fontRef idx="minor">
+        <a:schemeClr val="lt1"/>
+      </a:fontRef>
+    </dgm:style>
+  </dgm:styleLbl>
+  <dgm:styleLbl name="node2">
+    <dgm:scene3d>
+      <a:camera prst="orthographicFront"/>
+      <a:lightRig rig="threePt" dir="t"/>
+    </dgm:scene3d>
+    <dgm:sp3d/>
+    <dgm:txPr/>
+    <dgm:style>
+      <a:lnRef idx="0">
+        <a:scrgbClr r="0" g="0" b="0"/>
+      </a:lnRef>
+      <a:fillRef idx="3">
+        <a:scrgbClr r="0" g="0" b="0"/>
+      </a:fillRef>
+      <a:effectRef idx="3">
+        <a:scrgbClr r="0" g="0" b="0"/>
+      </a:effectRef>
+      <a:fontRef idx="minor">
+        <a:schemeClr val="lt1"/>
+      </a:fontRef>
+    </dgm:style>
+  </dgm:styleLbl>
+  <dgm:styleLbl name="node3">
+    <dgm:scene3d>
+      <a:camera prst="orthographicFront"/>
+      <a:lightRig rig="threePt" dir="t"/>
+    </dgm:scene3d>
+    <dgm:sp3d/>
+    <dgm:txPr/>
+    <dgm:style>
+      <a:lnRef idx="0">
+        <a:scrgbClr r="0" g="0" b="0"/>
+      </a:lnRef>
+      <a:fillRef idx="3">
+        <a:scrgbClr r="0" g="0" b="0"/>
+      </a:fillRef>
+      <a:effectRef idx="3">
+        <a:scrgbClr r="0" g="0" b="0"/>
+      </a:effectRef>
+      <a:fontRef idx="minor">
+        <a:schemeClr val="lt1"/>
+      </a:fontRef>
+    </dgm:style>
+  </dgm:styleLbl>
+  <dgm:styleLbl name="node4">
+    <dgm:scene3d>
+      <a:camera prst="orthographicFront"/>
+      <a:lightRig rig="threePt" dir="t"/>
+    </dgm:scene3d>
+    <dgm:sp3d/>
+    <dgm:txPr/>
+    <dgm:style>
+      <a:lnRef idx="0">
+        <a:scrgbClr r="0" g="0" b="0"/>
+      </a:lnRef>
+      <a:fillRef idx="3">
+        <a:scrgbClr r="0" g="0" b="0"/>
+      </a:fillRef>
+      <a:effectRef idx="3">
+        <a:scrgbClr r="0" g="0" b="0"/>
+      </a:effectRef>
+      <a:fontRef idx="minor">
+        <a:schemeClr val="lt1"/>
+      </a:fontRef>
+    </dgm:style>
+  </dgm:styleLbl>
+  <dgm:styleLbl name="fgImgPlace1">
+    <dgm:scene3d>
+      <a:camera prst="orthographicFront"/>
+      <a:lightRig rig="threePt" dir="t"/>
+    </dgm:scene3d>
+    <dgm:sp3d/>
+    <dgm:txPr/>
+    <dgm:style>
+      <a:lnRef idx="0">
+        <a:scrgbClr r="0" g="0" b="0"/>
+      </a:lnRef>
+      <a:fillRef idx="1">
+        <a:scrgbClr r="0" g="0" b="0"/>
+      </a:fillRef>
+      <a:effectRef idx="3">
+        <a:scrgbClr r="0" g="0" b="0"/>
+      </a:effectRef>
+      <a:fontRef idx="minor"/>
+    </dgm:style>
+  </dgm:styleLbl>
+  <dgm:styleLbl name="alignImgPlace1">
+    <dgm:scene3d>
+      <a:camera prst="orthographicFront"/>
+      <a:lightRig rig="threePt" dir="t"/>
+    </dgm:scene3d>
+    <dgm:sp3d/>
+    <dgm:txPr/>
+    <dgm:style>
+      <a:lnRef idx="0">
+        <a:scrgbClr r="0" g="0" b="0"/>
+      </a:lnRef>
+      <a:fillRef idx="1">
+        <a:scrgbClr r="0" g="0" b="0"/>
+      </a:fillRef>
+      <a:effectRef idx="3">
+        <a:scrgbClr r="0" g="0" b="0"/>
+      </a:effectRef>
+      <a:fontRef idx="minor"/>
+    </dgm:style>
+  </dgm:styleLbl>
+  <dgm:styleLbl name="bgImgPlace1">
+    <dgm:scene3d>
+      <a:camera prst="orthographicFront"/>
+      <a:lightRig rig="threePt" dir="t"/>
+    </dgm:scene3d>
+    <dgm:sp3d/>
+    <dgm:txPr/>
+    <dgm:style>
+      <a:lnRef idx="0">
+        <a:scrgbClr r="0" g="0" b="0"/>
+      </a:lnRef>
+      <a:fillRef idx="1">
+        <a:scrgbClr r="0" g="0" b="0"/>
+      </a:fillRef>
+      <a:effectRef idx="3">
+        <a:scrgbClr r="0" g="0" b="0"/>
+      </a:effectRef>
+      <a:fontRef idx="minor"/>
+    </dgm:style>
+  </dgm:styleLbl>
+  <dgm:styleLbl name="sibTrans2D1">
+    <dgm:scene3d>
+      <a:camera prst="orthographicFront"/>
+      <a:lightRig rig="threePt" dir="t"/>
+    </dgm:scene3d>
+    <dgm:sp3d/>
+    <dgm:txPr/>
+    <dgm:style>
+      <a:lnRef idx="0">
+        <a:scrgbClr r="0" g="0" b="0"/>
+      </a:lnRef>
+      <a:fillRef idx="3">
+        <a:scrgbClr r="0" g="0" b="0"/>
+      </a:fillRef>
+      <a:effectRef idx="3">
+        <a:scrgbClr r="0" g="0" b="0"/>
+      </a:effectRef>
+      <a:fontRef idx="minor">
+        <a:schemeClr val="lt1"/>
+      </a:fontRef>
+    </dgm:style>
+  </dgm:styleLbl>
+  <dgm:styleLbl name="fgSibTrans2D1">
+    <dgm:scene3d>
+      <a:camera prst="orthographicFront"/>
+      <a:lightRig rig="threePt" dir="t"/>
+    </dgm:scene3d>
+    <dgm:sp3d/>
+    <dgm:txPr/>
+    <dgm:style>
+      <a:lnRef idx="0">
+        <a:scrgbClr r="0" g="0" b="0"/>
+      </a:lnRef>
+      <a:fillRef idx="3">
+        <a:scrgbClr r="0" g="0" b="0"/>
+      </a:fillRef>
+      <a:effectRef idx="3">
+        <a:scrgbClr r="0" g="0" b="0"/>
+      </a:effectRef>
+      <a:fontRef idx="minor">
+        <a:schemeClr val="lt1"/>
+      </a:fontRef>
+    </dgm:style>
+  </dgm:styleLbl>
+  <dgm:styleLbl name="bgSibTrans2D1">
+    <dgm:scene3d>
+      <a:camera prst="orthographicFront"/>
+      <a:lightRig rig="threePt" dir="t"/>
+    </dgm:scene3d>
+    <dgm:sp3d/>
+    <dgm:txPr/>
+    <dgm:style>
+      <a:lnRef idx="0">
+        <a:scrgbClr r="0" g="0" b="0"/>
+      </a:lnRef>
+      <a:fillRef idx="3">
+        <a:scrgbClr r="0" g="0" b="0"/>
+      </a:fillRef>
+      <a:effectRef idx="3">
+        <a:scrgbClr r="0" g="0" b="0"/>
+      </a:effectRef>
+      <a:fontRef idx="minor">
+        <a:schemeClr val="lt1"/>
+      </a:fontRef>
+    </dgm:style>
+  </dgm:styleLbl>
+  <dgm:styleLbl name="sibTrans1D1">
+    <dgm:scene3d>
+      <a:camera prst="orthographicFront"/>
+      <a:lightRig rig="threePt" dir="t"/>
+    </dgm:scene3d>
+    <dgm:sp3d/>
+    <dgm:txPr/>
+    <dgm:style>
+      <a:lnRef idx="1">
+        <a:scrgbClr r="0" g="0" b="0"/>
+      </a:lnRef>
+      <a:fillRef idx="0">
+        <a:scrgbClr r="0" g="0" b="0"/>
+      </a:fillRef>
+      <a:effectRef idx="0">
+        <a:scrgbClr r="0" g="0" b="0"/>
+      </a:effectRef>
+      <a:fontRef idx="minor"/>
+    </dgm:style>
+  </dgm:styleLbl>
+  <dgm:styleLbl name="callout">
+    <dgm:scene3d>
+      <a:camera prst="orthographicFront"/>
+      <a:lightRig rig="threePt" dir="t"/>
+    </dgm:scene3d>
+    <dgm:sp3d/>
+    <dgm:txPr/>
+    <dgm:style>
+      <a:lnRef idx="1">
+        <a:scrgbClr r="0" g="0" b="0"/>
+      </a:lnRef>
+      <a:fillRef idx="0">
+        <a:scrgbClr r="0" g="0" b="0"/>
+      </a:fillRef>
+      <a:effectRef idx="1">
+        <a:scrgbClr r="0" g="0" b="0"/>
+      </a:effectRef>
+      <a:fontRef idx="minor"/>
+    </dgm:style>
+  </dgm:styleLbl>
+  <dgm:styleLbl name="asst0">
+    <dgm:scene3d>
+      <a:camera prst="orthographicFront"/>
+      <a:lightRig rig="threePt" dir="t"/>
+    </dgm:scene3d>
+    <dgm:sp3d/>
+    <dgm:txPr/>
+    <dgm:style>
+      <a:lnRef idx="0">
+        <a:scrgbClr r="0" g="0" b="0"/>
+      </a:lnRef>
+      <a:fillRef idx="3">
+        <a:scrgbClr r="0" g="0" b="0"/>
+      </a:fillRef>
+      <a:effectRef idx="3">
+        <a:scrgbClr r="0" g="0" b="0"/>
+      </a:effectRef>
+      <a:fontRef idx="minor">
+        <a:schemeClr val="lt1"/>
+      </a:fontRef>
+    </dgm:style>
+  </dgm:styleLbl>
+  <dgm:styleLbl name="asst1">
+    <dgm:scene3d>
+      <a:camera prst="orthographicFront"/>
+      <a:lightRig rig="threePt" dir="t"/>
+    </dgm:scene3d>
+    <dgm:sp3d/>
+    <dgm:txPr/>
+    <dgm:style>
+      <a:lnRef idx="0">
+        <a:scrgbClr r="0" g="0" b="0"/>
+      </a:lnRef>
+      <a:fillRef idx="3">
+        <a:scrgbClr r="0" g="0" b="0"/>
+      </a:fillRef>
+      <a:effectRef idx="3">
+        <a:scrgbClr r="0" g="0" b="0"/>
+      </a:effectRef>
+      <a:fontRef idx="minor">
+        <a:schemeClr val="lt1"/>
+      </a:fontRef>
+    </dgm:style>
+  </dgm:styleLbl>
+  <dgm:styleLbl name="asst2">
+    <dgm:scene3d>
+      <a:camera prst="orthographicFront"/>
+      <a:lightRig rig="threePt" dir="t"/>
+    </dgm:scene3d>
+    <dgm:sp3d/>
+    <dgm:txPr/>
+    <dgm:style>
+      <a:lnRef idx="0">
+        <a:scrgbClr r="0" g="0" b="0"/>
+      </a:lnRef>
+      <a:fillRef idx="3">
+        <a:scrgbClr r="0" g="0" b="0"/>
+      </a:fillRef>
+      <a:effectRef idx="3">
+        <a:scrgbClr r="0" g="0" b="0"/>
+      </a:effectRef>
+      <a:fontRef idx="minor">
+        <a:schemeClr val="lt1"/>
+      </a:fontRef>
+    </dgm:style>
+  </dgm:styleLbl>
+  <dgm:styleLbl name="asst3">
+    <dgm:scene3d>
+      <a:camera prst="orthographicFront"/>
+      <a:lightRig rig="threePt" dir="t"/>
+    </dgm:scene3d>
+    <dgm:sp3d/>
+    <dgm:txPr/>
+    <dgm:style>
+      <a:lnRef idx="0">
+        <a:scrgbClr r="0" g="0" b="0"/>
+      </a:lnRef>
+      <a:fillRef idx="3">
+        <a:scrgbClr r="0" g="0" b="0"/>
+      </a:fillRef>
+      <a:effectRef idx="3">
+        <a:scrgbClr r="0" g="0" b="0"/>
+      </a:effectRef>
+      <a:fontRef idx="minor">
+        <a:schemeClr val="lt1"/>
+      </a:fontRef>
+    </dgm:style>
+  </dgm:styleLbl>
+  <dgm:styleLbl name="asst4">
+    <dgm:scene3d>
+      <a:camera prst="orthographicFront"/>
+      <a:lightRig rig="threePt" dir="t"/>
+    </dgm:scene3d>
+    <dgm:sp3d/>
+    <dgm:txPr/>
+    <dgm:style>
+      <a:lnRef idx="0">
+        <a:scrgbClr r="0" g="0" b="0"/>
+      </a:lnRef>
+      <a:fillRef idx="3">
+        <a:scrgbClr r="0" g="0" b="0"/>
+      </a:fillRef>
+      <a:effectRef idx="3">
+        <a:scrgbClr r="0" g="0" b="0"/>
+      </a:effectRef>
+      <a:fontRef idx="minor">
+        <a:schemeClr val="lt1"/>
+      </a:fontRef>
+    </dgm:style>
+  </dgm:styleLbl>
+  <dgm:styleLbl name="parChTrans2D1">
+    <dgm:scene3d>
+      <a:camera prst="orthographicFront"/>
+      <a:lightRig rig="threePt" dir="t"/>
+    </dgm:scene3d>
+    <dgm:sp3d/>
+    <dgm:txPr/>
+    <dgm:style>
+      <a:lnRef idx="0">
+        <a:scrgbClr r="0" g="0" b="0"/>
+      </a:lnRef>
+      <a:fillRef idx="3">
+        <a:scrgbClr r="0" g="0" b="0"/>
+      </a:fillRef>
+      <a:effectRef idx="3">
+        <a:scrgbClr r="0" g="0" b="0"/>
+      </a:effectRef>
+      <a:fontRef idx="minor">
+        <a:schemeClr val="lt1"/>
+      </a:fontRef>
+    </dgm:style>
+  </dgm:styleLbl>
+  <dgm:styleLbl name="parChTrans2D2">
+    <dgm:scene3d>
+      <a:camera prst="orthographicFront"/>
+      <a:lightRig rig="threePt" dir="t"/>
+    </dgm:scene3d>
+    <dgm:sp3d/>
+    <dgm:txPr/>
+    <dgm:style>
+      <a:lnRef idx="0">
+        <a:scrgbClr r="0" g="0" b="0"/>
+      </a:lnRef>
+      <a:fillRef idx="3">
+        <a:scrgbClr r="0" g="0" b="0"/>
+      </a:fillRef>
+      <a:effectRef idx="3">
+        <a:scrgbClr r="0" g="0" b="0"/>
+      </a:effectRef>
+      <a:fontRef idx="minor">
+        <a:schemeClr val="lt1"/>
+      </a:fontRef>
+    </dgm:style>
+  </dgm:styleLbl>
+  <dgm:styleLbl name="parChTrans2D3">
+    <dgm:scene3d>
+      <a:camera prst="orthographicFront"/>
+      <a:lightRig rig="threePt" dir="t"/>
+    </dgm:scene3d>
+    <dgm:sp3d/>
+    <dgm:txPr/>
+    <dgm:style>
+      <a:lnRef idx="0">
+        <a:scrgbClr r="0" g="0" b="0"/>
+      </a:lnRef>
+      <a:fillRef idx="3">
+        <a:scrgbClr r="0" g="0" b="0"/>
+      </a:fillRef>
+      <a:effectRef idx="3">
+        <a:scrgbClr r="0" g="0" b="0"/>
+      </a:effectRef>
+      <a:fontRef idx="minor">
+        <a:schemeClr val="lt1"/>
+      </a:fontRef>
+    </dgm:style>
+  </dgm:styleLbl>
+  <dgm:styleLbl name="parChTrans2D4">
+    <dgm:scene3d>
+      <a:camera prst="orthographicFront"/>
+      <a:lightRig rig="threePt" dir="t"/>
+    </dgm:scene3d>
+    <dgm:sp3d/>
+    <dgm:txPr/>
+    <dgm:style>
+      <a:lnRef idx="0">
+        <a:scrgbClr r="0" g="0" b="0"/>
+      </a:lnRef>
+      <a:fillRef idx="3">
+        <a:scrgbClr r="0" g="0" b="0"/>
+      </a:fillRef>
+      <a:effectRef idx="3">
+        <a:scrgbClr r="0" g="0" b="0"/>
+      </a:effectRef>
+      <a:fontRef idx="minor">
+        <a:schemeClr val="lt1"/>
+      </a:fontRef>
+    </dgm:style>
+  </dgm:styleLbl>
+  <dgm:styleLbl name="parChTrans1D1">
+    <dgm:scene3d>
+      <a:camera prst="orthographicFront"/>
+      <a:lightRig rig="threePt" dir="t"/>
+    </dgm:scene3d>
+    <dgm:sp3d/>
+    <dgm:txPr/>
+    <dgm:style>
+      <a:lnRef idx="2">
+        <a:scrgbClr r="0" g="0" b="0"/>
+      </a:lnRef>
+      <a:fillRef idx="0">
+        <a:scrgbClr r="0" g="0" b="0"/>
+      </a:fillRef>
+      <a:effectRef idx="0">
+        <a:scrgbClr r="0" g="0" b="0"/>
+      </a:effectRef>
+      <a:fontRef idx="minor"/>
+    </dgm:style>
+  </dgm:styleLbl>
+  <dgm:styleLbl name="parChTrans1D2">
+    <dgm:scene3d>
+      <a:camera prst="orthographicFront"/>
+      <a:lightRig rig="threePt" dir="t"/>
+    </dgm:scene3d>
+    <dgm:sp3d/>
+    <dgm:txPr/>
+    <dgm:style>
+      <a:lnRef idx="2">
+        <a:scrgbClr r="0" g="0" b="0"/>
+      </a:lnRef>
+      <a:fillRef idx="0">
+        <a:scrgbClr r="0" g="0" b="0"/>
+      </a:fillRef>
+      <a:effectRef idx="0">
+        <a:scrgbClr r="0" g="0" b="0"/>
+      </a:effectRef>
+      <a:fontRef idx="minor"/>
+    </dgm:style>
+  </dgm:styleLbl>
+  <dgm:styleLbl name="parChTrans1D3">
+    <dgm:scene3d>
+      <a:camera prst="orthographicFront"/>
+      <a:lightRig rig="threePt" dir="t"/>
+    </dgm:scene3d>
+    <dgm:sp3d/>
+    <dgm:txPr/>
+    <dgm:style>
+      <a:lnRef idx="2">
+        <a:scrgbClr r="0" g="0" b="0"/>
+      </a:lnRef>
+      <a:fillRef idx="0">
+        <a:scrgbClr r="0" g="0" b="0"/>
+      </a:fillRef>
+      <a:effectRef idx="0">
+        <a:scrgbClr r="0" g="0" b="0"/>
+      </a:effectRef>
+      <a:fontRef idx="minor"/>
+    </dgm:style>
+  </dgm:styleLbl>
+  <dgm:styleLbl name="parChTrans1D4">
+    <dgm:scene3d>
+      <a:camera prst="orthographicFront"/>
+      <a:lightRig rig="threePt" dir="t"/>
+    </dgm:scene3d>
+    <dgm:sp3d/>
+    <dgm:txPr/>
+    <dgm:style>
+      <a:lnRef idx="2">
+        <a:scrgbClr r="0" g="0" b="0"/>
+      </a:lnRef>
+      <a:fillRef idx="0">
+        <a:scrgbClr r="0" g="0" b="0"/>
+      </a:fillRef>
+      <a:effectRef idx="0">
+        <a:scrgbClr r="0" g="0" b="0"/>
+      </a:effectRef>
+      <a:fontRef idx="minor"/>
+    </dgm:style>
+  </dgm:styleLbl>
+  <dgm:styleLbl name="fgAcc1">
+    <dgm:scene3d>
+      <a:camera prst="orthographicFront"/>
+      <a:lightRig rig="threePt" dir="t"/>
+    </dgm:scene3d>
+    <dgm:sp3d/>
+    <dgm:txPr/>
+    <dgm:style>
+      <a:lnRef idx="1">
+        <a:scrgbClr r="0" g="0" b="0"/>
+      </a:lnRef>
+      <a:fillRef idx="1">
+        <a:scrgbClr r="0" g="0" b="0"/>
+      </a:fillRef>
+      <a:effectRef idx="2">
+        <a:scrgbClr r="0" g="0" b="0"/>
+      </a:effectRef>
+      <a:fontRef idx="minor"/>
+    </dgm:style>
+  </dgm:styleLbl>
+  <dgm:styleLbl name="conFgAcc1">
+    <dgm:scene3d>
+      <a:camera prst="orthographicFront"/>
+      <a:lightRig rig="threePt" dir="t"/>
+    </dgm:scene3d>
+    <dgm:sp3d/>
+    <dgm:txPr/>
+    <dgm:style>
+      <a:lnRef idx="1">
+        <a:scrgbClr r="0" g="0" b="0"/>
+      </a:lnRef>
+      <a:fillRef idx="1">
+        <a:scrgbClr r="0" g="0" b="0"/>
+      </a:fillRef>
+      <a:effectRef idx="2">
+        <a:scrgbClr r="0" g="0" b="0"/>
+      </a:effectRef>
+      <a:fontRef idx="minor"/>
+    </dgm:style>
+  </dgm:styleLbl>
+  <dgm:styleLbl name="alignAcc1">
+    <dgm:scene3d>
+      <a:camera prst="orthographicFront"/>
+      <a:lightRig rig="threePt" dir="t"/>
+    </dgm:scene3d>
+    <dgm:sp3d/>
+    <dgm:txPr/>
+    <dgm:style>
+      <a:lnRef idx="1">
+        <a:scrgbClr r="0" g="0" b="0"/>
+      </a:lnRef>
+      <a:fillRef idx="1">
+        <a:scrgbClr r="0" g="0" b="0"/>
+      </a:fillRef>
+      <a:effectRef idx="2">
+        <a:scrgbClr r="0" g="0" b="0"/>
+      </a:effectRef>
+      <a:fontRef idx="minor"/>
+    </dgm:style>
+  </dgm:styleLbl>
+  <dgm:styleLbl name="trAlignAcc1">
+    <dgm:scene3d>
+      <a:camera prst="orthographicFront"/>
+      <a:lightRig rig="threePt" dir="t"/>
+    </dgm:scene3d>
+    <dgm:sp3d/>
+    <dgm:txPr/>
+    <dgm:style>
+      <a:lnRef idx="1">
+        <a:scrgbClr r="0" g="0" b="0"/>
+      </a:lnRef>
+      <a:fillRef idx="1">
+        <a:scrgbClr r="0" g="0" b="0"/>
+      </a:fillRef>
+      <a:effectRef idx="0">
+        <a:scrgbClr r="0" g="0" b="0"/>
+      </a:effectRef>
+      <a:fontRef idx="minor"/>
+    </dgm:style>
+  </dgm:styleLbl>
+  <dgm:styleLbl name="bgAcc1">
+    <dgm:scene3d>
+      <a:camera prst="orthographicFront"/>
+      <a:lightRig rig="threePt" dir="t"/>
+    </dgm:scene3d>
+    <dgm:sp3d/>
+    <dgm:txPr/>
+    <dgm:style>
+      <a:lnRef idx="1">
+        <a:scrgbClr r="0" g="0" b="0"/>
+      </a:lnRef>
+      <a:fillRef idx="1">
+        <a:scrgbClr r="0" g="0" b="0"/>
+      </a:fillRef>
+      <a:effectRef idx="2">
+        <a:scrgbClr r="0" g="0" b="0"/>
+      </a:effectRef>
+      <a:fontRef idx="minor"/>
+    </dgm:style>
+  </dgm:styleLbl>
+  <dgm:styleLbl name="solidFgAcc1">
+    <dgm:scene3d>
+      <a:camera prst="orthographicFront"/>
+      <a:lightRig rig="threePt" dir="t"/>
+    </dgm:scene3d>
+    <dgm:sp3d/>
+    <dgm:txPr/>
+    <dgm:style>
+      <a:lnRef idx="1">
+        <a:scrgbClr r="0" g="0" b="0"/>
+      </a:lnRef>
+      <a:fillRef idx="1">
+        <a:scrgbClr r="0" g="0" b="0"/>
+      </a:fillRef>
+      <a:effectRef idx="2">
+        <a:scrgbClr r="0" g="0" b="0"/>
+      </a:effectRef>
+      <a:fontRef idx="minor"/>
+    </dgm:style>
+  </dgm:styleLbl>
+  <dgm:styleLbl name="solidAlignAcc1">
+    <dgm:scene3d>
+      <a:camera prst="orthographicFront"/>
+      <a:lightRig rig="threePt" dir="t"/>
+    </dgm:scene3d>
+    <dgm:sp3d/>
+    <dgm:txPr/>
+    <dgm:style>
+      <a:lnRef idx="1">
+        <a:scrgbClr r="0" g="0" b="0"/>
+      </a:lnRef>
+      <a:fillRef idx="1">
+        <a:scrgbClr r="0" g="0" b="0"/>
+      </a:fillRef>
+      <a:effectRef idx="3">
+        <a:scrgbClr r="0" g="0" b="0"/>
+      </a:effectRef>
+      <a:fontRef idx="minor"/>
+    </dgm:style>
+  </dgm:styleLbl>
+  <dgm:styleLbl name="solidBgAcc1">
+    <dgm:scene3d>
+      <a:camera prst="orthographicFront"/>
+      <a:lightRig rig="threePt" dir="t"/>
+    </dgm:scene3d>
+    <dgm:sp3d/>
+    <dgm:txPr/>
+    <dgm:style>
+      <a:lnRef idx="1">
+        <a:scrgbClr r="0" g="0" b="0"/>
+      </a:lnRef>
+      <a:fillRef idx="1">
+        <a:scrgbClr r="0" g="0" b="0"/>
+      </a:fillRef>
+      <a:effectRef idx="3">
+        <a:scrgbClr r="0" g="0" b="0"/>
+      </a:effectRef>
+      <a:fontRef idx="minor"/>
+    </dgm:style>
+  </dgm:styleLbl>
+  <dgm:styleLbl name="fgAccFollowNode1">
+    <dgm:scene3d>
+      <a:camera prst="orthographicFront"/>
+      <a:lightRig rig="threePt" dir="t"/>
+    </dgm:scene3d>
+    <dgm:sp3d/>
+    <dgm:txPr/>
+    <dgm:style>
+      <a:lnRef idx="1">
+        <a:scrgbClr r="0" g="0" b="0"/>
+      </a:lnRef>
+      <a:fillRef idx="1">
+        <a:scrgbClr r="0" g="0" b="0"/>
+      </a:fillRef>
+      <a:effectRef idx="2">
+        <a:scrgbClr r="0" g="0" b="0"/>
+      </a:effectRef>
+      <a:fontRef idx="minor"/>
+    </dgm:style>
+  </dgm:styleLbl>
+  <dgm:styleLbl name="alignAccFollowNode1">
+    <dgm:scene3d>
+      <a:camera prst="orthographicFront"/>
+      <a:lightRig rig="threePt" dir="t"/>
+    </dgm:scene3d>
+    <dgm:sp3d/>
+    <dgm:txPr/>
+    <dgm:style>
+      <a:lnRef idx="1">
+        <a:scrgbClr r="0" g="0" b="0"/>
+      </a:lnRef>
+      <a:fillRef idx="1">
+        <a:scrgbClr r="0" g="0" b="0"/>
+      </a:fillRef>
+      <a:effectRef idx="2">
+        <a:scrgbClr r="0" g="0" b="0"/>
+      </a:effectRef>
+      <a:fontRef idx="minor"/>
+    </dgm:style>
+  </dgm:styleLbl>
+  <dgm:styleLbl name="bgAccFollowNode1">
+    <dgm:scene3d>
+      <a:camera prst="orthographicFront"/>
+      <a:lightRig rig="threePt" dir="t"/>
+    </dgm:scene3d>
+    <dgm:sp3d/>
+    <dgm:txPr/>
+    <dgm:style>
+      <a:lnRef idx="1">
+        <a:scrgbClr r="0" g="0" b="0"/>
+      </a:lnRef>
+      <a:fillRef idx="1">
+        <a:scrgbClr r="0" g="0" b="0"/>
+      </a:fillRef>
+      <a:effectRef idx="2">
+        <a:scrgbClr r="0" g="0" b="0"/>
+      </a:effectRef>
+      <a:fontRef idx="minor"/>
+    </dgm:style>
+  </dgm:styleLbl>
+  <dgm:styleLbl name="fgAcc0">
+    <dgm:scene3d>
+      <a:camera prst="orthographicFront"/>
+      <a:lightRig rig="threePt" dir="t"/>
+    </dgm:scene3d>
+    <dgm:sp3d/>
+    <dgm:txPr/>
+    <dgm:style>
+      <a:lnRef idx="1">
+        <a:scrgbClr r="0" g="0" b="0"/>
+      </a:lnRef>
+      <a:fillRef idx="1">
+        <a:scrgbClr r="0" g="0" b="0"/>
+      </a:fillRef>
+      <a:effectRef idx="2">
+        <a:scrgbClr r="0" g="0" b="0"/>
+      </a:effectRef>
+      <a:fontRef idx="minor"/>
+    </dgm:style>
+  </dgm:styleLbl>
+  <dgm:styleLbl name="fgAcc2">
+    <dgm:scene3d>
+      <a:camera prst="orthographicFront"/>
+      <a:lightRig rig="threePt" dir="t"/>
+    </dgm:scene3d>
+    <dgm:sp3d/>
+    <dgm:txPr/>
+    <dgm:style>
+      <a:lnRef idx="1">
+        <a:scrgbClr r="0" g="0" b="0"/>
+      </a:lnRef>
+      <a:fillRef idx="1">
+        <a:scrgbClr r="0" g="0" b="0"/>
+      </a:fillRef>
+      <a:effectRef idx="2">
+        <a:scrgbClr r="0" g="0" b="0"/>
+      </a:effectRef>
+      <a:fontRef idx="minor"/>
+    </dgm:style>
+  </dgm:styleLbl>
+  <dgm:styleLbl name="fgAcc3">
+    <dgm:scene3d>
+      <a:camera prst="orthographicFront"/>
+      <a:lightRig rig="threePt" dir="t"/>
+    </dgm:scene3d>
+    <dgm:sp3d/>
+    <dgm:txPr/>
+    <dgm:style>
+      <a:lnRef idx="1">
+        <a:scrgbClr r="0" g="0" b="0"/>
+      </a:lnRef>
+      <a:fillRef idx="1">
+        <a:scrgbClr r="0" g="0" b="0"/>
+      </a:fillRef>
+      <a:effectRef idx="2">
+        <a:scrgbClr r="0" g="0" b="0"/>
+      </a:effectRef>
+      <a:fontRef idx="minor"/>
+    </dgm:style>
+  </dgm:styleLbl>
+  <dgm:styleLbl name="fgAcc4">
+    <dgm:scene3d>
+      <a:camera prst="orthographicFront"/>
+      <a:lightRig rig="threePt" dir="t"/>
+    </dgm:scene3d>
+    <dgm:sp3d/>
+    <dgm:txPr/>
+    <dgm:style>
+      <a:lnRef idx="1">
+        <a:scrgbClr r="0" g="0" b="0"/>
+      </a:lnRef>
+      <a:fillRef idx="1">
+        <a:scrgbClr r="0" g="0" b="0"/>
+      </a:fillRef>
+      <a:effectRef idx="2">
+        <a:scrgbClr r="0" g="0" b="0"/>
+      </a:effectRef>
+      <a:fontRef idx="minor"/>
+    </dgm:style>
+  </dgm:styleLbl>
+  <dgm:styleLbl name="bgShp">
+    <dgm:scene3d>
+      <a:camera prst="orthographicFront"/>
+      <a:lightRig rig="threePt" dir="t"/>
+    </dgm:scene3d>
+    <dgm:sp3d/>
+    <dgm:txPr/>
+    <dgm:style>
+      <a:lnRef idx="0">
+        <a:scrgbClr r="0" g="0" b="0"/>
+      </a:lnRef>
+      <a:fillRef idx="1">
+        <a:scrgbClr r="0" g="0" b="0"/>
+      </a:fillRef>
+      <a:effectRef idx="2">
+        <a:scrgbClr r="0" g="0" b="0"/>
+      </a:effectRef>
+      <a:fontRef idx="minor"/>
+    </dgm:style>
+  </dgm:styleLbl>
+  <dgm:styleLbl name="dkBgShp">
+    <dgm:scene3d>
+      <a:camera prst="orthographicFront"/>
+      <a:lightRig rig="threePt" dir="t"/>
+    </dgm:scene3d>
+    <dgm:sp3d/>
+    <dgm:txPr/>
+    <dgm:style>
+      <a:lnRef idx="0">
+        <a:scrgbClr r="0" g="0" b="0"/>
+      </a:lnRef>
+      <a:fillRef idx="1">
+        <a:scrgbClr r="0" g="0" b="0"/>
+      </a:fillRef>
+      <a:effectRef idx="3">
+        <a:scrgbClr r="0" g="0" b="0"/>
+      </a:effectRef>
+      <a:fontRef idx="minor"/>
+    </dgm:style>
+  </dgm:styleLbl>
+  <dgm:styleLbl name="trBgShp">
+    <dgm:scene3d>
+      <a:camera prst="orthographicFront"/>
+      <a:lightRig rig="threePt" dir="t"/>
+    </dgm:scene3d>
+    <dgm:sp3d/>
+    <dgm:txPr/>
+    <dgm:style>
+      <a:lnRef idx="0">
+        <a:scrgbClr r="0" g="0" b="0"/>
+      </a:lnRef>
+      <a:fillRef idx="1">
+        <a:scrgbClr r="0" g="0" b="0"/>
+      </a:fillRef>
+      <a:effectRef idx="0">
+        <a:scrgbClr r="0" g="0" b="0"/>
+      </a:effectRef>
+      <a:fontRef idx="minor"/>
+    </dgm:style>
+  </dgm:styleLbl>
+  <dgm:styleLbl name="fgShp">
+    <dgm:scene3d>
+      <a:camera prst="orthographicFront"/>
+      <a:lightRig rig="threePt" dir="t"/>
+    </dgm:scene3d>
+    <dgm:sp3d/>
+    <dgm:txPr/>
+    <dgm:style>
+      <a:lnRef idx="0">
+        <a:scrgbClr r="0" g="0" b="0"/>
+      </a:lnRef>
+      <a:fillRef idx="3">
+        <a:scrgbClr r="0" g="0" b="0"/>
+      </a:fillRef>
+      <a:effectRef idx="3">
+        <a:scrgbClr r="0" g="0" b="0"/>
+      </a:effectRef>
+      <a:fontRef idx="minor"/>
+    </dgm:style>
+  </dgm:styleLbl>
+  <dgm:styleLbl name="revTx">
+    <dgm:scene3d>
+      <a:camera prst="orthographicFront"/>
+      <a:lightRig rig="threePt" dir="t"/>
+    </dgm:scene3d>
+    <dgm:sp3d/>
+    <dgm:txPr/>
+    <dgm:style>
+      <a:lnRef idx="0">
+        <a:scrgbClr r="0" g="0" b="0"/>
+      </a:lnRef>
+      <a:fillRef idx="0">
+        <a:scrgbClr r="0" g="0" b="0"/>
+      </a:fillRef>
+      <a:effectRef idx="0">
+        <a:scrgbClr r="0" g="0" b="0"/>
+      </a:effectRef>
+      <a:fontRef idx="minor"/>
+    </dgm:style>
+  </dgm:styleLbl>
+</dgm:styleDef>
+</file>
+
 <file path=ppt/handoutMasters/handoutMaster1.xml><?xml version="1.0" encoding="utf-8"?>
 <p:handoutMaster xmlns:a="http://schemas.openxmlformats.org/drawingml/2006/main" xmlns:r="http://schemas.openxmlformats.org/officeDocument/2006/relationships" xmlns:p="http://schemas.openxmlformats.org/presentationml/2006/main">
   <p:cSld>
@@ -3730,7 +8217,7 @@
           <a:p>
             <a:fld id="{37D5E90A-DF10-4FDD-81DC-C86CDD74C3AB}" type="datetimeFigureOut">
               <a:rPr lang="zh-CN" altLang="en-US" smtClean="0"/>
-              <a:t>2016/6/21</a:t>
+              <a:t>2018/5/22</a:t>
             </a:fld>
             <a:endParaRPr lang="zh-CN" altLang="en-US"/>
           </a:p>
@@ -3939,7 +8426,7 @@
               <a:pPr>
                 <a:defRPr/>
               </a:pPr>
-              <a:t>2016/6/21</a:t>
+              <a:t>2018/5/22</a:t>
             </a:fld>
             <a:endParaRPr lang="en-US"/>
           </a:p>
@@ -4636,7 +9123,7 @@
             <a:fld id="{BDD4B31F-E9F2-4710-A97E-2674C75F51D3}" type="slidenum">
               <a:rPr lang="en-US" altLang="zh-CN" smtClean="0"/>
               <a:pPr eaLnBrk="1" hangingPunct="1"/>
-              <a:t>4</a:t>
+              <a:t>7</a:t>
             </a:fld>
             <a:endParaRPr lang="en-US" altLang="zh-CN" smtClean="0"/>
           </a:p>
@@ -4820,7 +9307,7 @@
             <a:fld id="{BDD4B31F-E9F2-4710-A97E-2674C75F51D3}" type="slidenum">
               <a:rPr lang="en-US" altLang="zh-CN" smtClean="0"/>
               <a:pPr eaLnBrk="1" hangingPunct="1"/>
-              <a:t>5</a:t>
+              <a:t>8</a:t>
             </a:fld>
             <a:endParaRPr lang="en-US" altLang="zh-CN" smtClean="0"/>
           </a:p>
@@ -5004,7 +9491,7 @@
             <a:fld id="{BDD4B31F-E9F2-4710-A97E-2674C75F51D3}" type="slidenum">
               <a:rPr lang="en-US" altLang="zh-CN" smtClean="0"/>
               <a:pPr eaLnBrk="1" hangingPunct="1"/>
-              <a:t>6</a:t>
+              <a:t>9</a:t>
             </a:fld>
             <a:endParaRPr lang="en-US" altLang="zh-CN" smtClean="0"/>
           </a:p>
@@ -5188,7 +9675,7 @@
             <a:fld id="{BDD4B31F-E9F2-4710-A97E-2674C75F51D3}" type="slidenum">
               <a:rPr lang="en-US" altLang="zh-CN" smtClean="0"/>
               <a:pPr eaLnBrk="1" hangingPunct="1"/>
-              <a:t>7</a:t>
+              <a:t>10</a:t>
             </a:fld>
             <a:endParaRPr lang="en-US" altLang="zh-CN" smtClean="0"/>
           </a:p>
@@ -8600,10 +13087,10 @@
                 <a:cs typeface="Times New Roman" panose="02020603050405020304" pitchFamily="18" charset="0"/>
                 <a:sym typeface="宋体" pitchFamily="2" charset="-122"/>
               </a:rPr>
-              <a:t>XXX</a:t>
+              <a:t>Python</a:t>
             </a:r>
             <a:r>
-              <a:rPr lang="zh-CN" altLang="en-US" sz="3600" b="1" dirty="0">
+              <a:rPr lang="zh-CN" altLang="en-US" sz="3600" b="1" dirty="0" smtClean="0">
                 <a:solidFill>
                   <a:srgbClr val="0066FF"/>
                 </a:solidFill>
@@ -8611,7 +13098,7 @@
                 <a:cs typeface="Times New Roman" panose="02020603050405020304" pitchFamily="18" charset="0"/>
                 <a:sym typeface="宋体" pitchFamily="2" charset="-122"/>
               </a:rPr>
-              <a:t>技术积累</a:t>
+              <a:t>编程基础培训</a:t>
             </a:r>
             <a:endParaRPr lang="zh-CN" altLang="en-US" sz="3600" b="1" dirty="0" smtClean="0">
               <a:solidFill>
@@ -8711,277 +13198,7 @@
 </p:sld>
 </file>
 
-<file path=ppt/slides/slide2.xml><?xml version="1.0" encoding="utf-8"?>
-<p:sld xmlns:a="http://schemas.openxmlformats.org/drawingml/2006/main" xmlns:r="http://schemas.openxmlformats.org/officeDocument/2006/relationships" xmlns:p="http://schemas.openxmlformats.org/presentationml/2006/main">
-  <p:cSld>
-    <p:spTree>
-      <p:nvGrpSpPr>
-        <p:cNvPr id="1" name=""/>
-        <p:cNvGrpSpPr/>
-        <p:nvPr/>
-      </p:nvGrpSpPr>
-      <p:grpSpPr>
-        <a:xfrm>
-          <a:off x="0" y="0"/>
-          <a:ext cx="0" cy="0"/>
-          <a:chOff x="0" y="0"/>
-          <a:chExt cx="0" cy="0"/>
-        </a:xfrm>
-      </p:grpSpPr>
-      <p:sp>
-        <p:nvSpPr>
-          <p:cNvPr id="8235" name="Rectangle 2"/>
-          <p:cNvSpPr>
-            <a:spLocks noGrp="1" noChangeArrowheads="1"/>
-          </p:cNvSpPr>
-          <p:nvPr>
-            <p:ph type="title"/>
-          </p:nvPr>
-        </p:nvSpPr>
-        <p:spPr>
-          <a:xfrm>
-            <a:off x="427296" y="159679"/>
-            <a:ext cx="5577636" cy="583456"/>
-          </a:xfrm>
-        </p:spPr>
-        <p:txBody>
-          <a:bodyPr/>
-          <a:lstStyle/>
-          <a:p>
-            <a:pPr algn="l" fontAlgn="auto">
-              <a:spcBef>
-                <a:spcPts val="0"/>
-              </a:spcBef>
-              <a:spcAft>
-                <a:spcPts val="0"/>
-              </a:spcAft>
-              <a:defRPr/>
-            </a:pPr>
-            <a:r>
-              <a:rPr lang="en-US" altLang="zh-CN" sz="2400" dirty="0"/>
-              <a:t>XXX</a:t>
-            </a:r>
-            <a:r>
-              <a:rPr lang="zh-CN" altLang="en-US" sz="2400" dirty="0"/>
-              <a:t>技术积累</a:t>
-            </a:r>
-            <a:endParaRPr lang="en-US" altLang="zh-CN" sz="2400" dirty="0"/>
-          </a:p>
-        </p:txBody>
-      </p:sp>
-      <p:graphicFrame>
-        <p:nvGraphicFramePr>
-          <p:cNvPr id="3" name="图示 2"/>
-          <p:cNvGraphicFramePr/>
-          <p:nvPr>
-            <p:extLst>
-              <p:ext uri="{D42A27DB-BD31-4B8C-83A1-F6EECF244321}">
-                <p14:modId xmlns:p14="http://schemas.microsoft.com/office/powerpoint/2010/main" val="2454522044"/>
-              </p:ext>
-            </p:extLst>
-          </p:nvPr>
-        </p:nvGraphicFramePr>
-        <p:xfrm>
-          <a:off x="793005" y="992778"/>
-          <a:ext cx="7375137" cy="4090358"/>
-        </p:xfrm>
-        <a:graphic>
-          <a:graphicData uri="http://schemas.openxmlformats.org/drawingml/2006/diagram">
-            <dgm:relIds xmlns:dgm="http://schemas.openxmlformats.org/drawingml/2006/diagram" xmlns:r="http://schemas.openxmlformats.org/officeDocument/2006/relationships" r:dm="rId3" r:lo="rId4" r:qs="rId5" r:cs="rId6"/>
-          </a:graphicData>
-        </a:graphic>
-      </p:graphicFrame>
-    </p:spTree>
-    <p:extLst>
-      <p:ext uri="{BB962C8B-B14F-4D97-AF65-F5344CB8AC3E}">
-        <p14:creationId xmlns:p14="http://schemas.microsoft.com/office/powerpoint/2010/main" val="1245348113"/>
-      </p:ext>
-    </p:extLst>
-  </p:cSld>
-  <p:clrMapOvr>
-    <a:masterClrMapping/>
-  </p:clrMapOvr>
-  <mc:AlternateContent xmlns:mc="http://schemas.openxmlformats.org/markup-compatibility/2006" xmlns:p14="http://schemas.microsoft.com/office/powerpoint/2010/main">
-    <mc:Choice Requires="p14">
-      <p:transition spd="slow" p14:dur="2000"/>
-    </mc:Choice>
-    <mc:Fallback xmlns="">
-      <p:transition spd="slow"/>
-    </mc:Fallback>
-  </mc:AlternateContent>
-  <p:timing>
-    <p:tnLst>
-      <p:par>
-        <p:cTn id="1" dur="indefinite" restart="never" nodeType="tmRoot"/>
-      </p:par>
-    </p:tnLst>
-  </p:timing>
-</p:sld>
-</file>
-
-<file path=ppt/slides/slide3.xml><?xml version="1.0" encoding="utf-8"?>
-<p:sld xmlns:a="http://schemas.openxmlformats.org/drawingml/2006/main" xmlns:r="http://schemas.openxmlformats.org/officeDocument/2006/relationships" xmlns:p="http://schemas.openxmlformats.org/presentationml/2006/main">
-  <p:cSld>
-    <p:spTree>
-      <p:nvGrpSpPr>
-        <p:cNvPr id="1" name=""/>
-        <p:cNvGrpSpPr/>
-        <p:nvPr/>
-      </p:nvGrpSpPr>
-      <p:grpSpPr>
-        <a:xfrm>
-          <a:off x="0" y="0"/>
-          <a:ext cx="0" cy="0"/>
-          <a:chOff x="0" y="0"/>
-          <a:chExt cx="0" cy="0"/>
-        </a:xfrm>
-      </p:grpSpPr>
-      <p:sp>
-        <p:nvSpPr>
-          <p:cNvPr id="5" name="Rectangle 2"/>
-          <p:cNvSpPr>
-            <a:spLocks noGrp="1" noChangeArrowheads="1"/>
-          </p:cNvSpPr>
-          <p:nvPr>
-            <p:ph type="title"/>
-          </p:nvPr>
-        </p:nvSpPr>
-        <p:spPr>
-          <a:xfrm>
-            <a:off x="427296" y="159679"/>
-            <a:ext cx="5577636" cy="583456"/>
-          </a:xfrm>
-        </p:spPr>
-        <p:txBody>
-          <a:bodyPr/>
-          <a:lstStyle/>
-          <a:p>
-            <a:pPr algn="l" fontAlgn="auto">
-              <a:spcBef>
-                <a:spcPts val="0"/>
-              </a:spcBef>
-              <a:spcAft>
-                <a:spcPts val="0"/>
-              </a:spcAft>
-              <a:defRPr/>
-            </a:pPr>
-            <a:r>
-              <a:rPr lang="zh-CN" altLang="en-US" sz="2400" dirty="0"/>
-              <a:t>项目背景与团队</a:t>
-            </a:r>
-            <a:endParaRPr lang="en-US" altLang="zh-CN" sz="1500" dirty="0">
-              <a:ea typeface="楷体" panose="02010609060101010101" pitchFamily="49" charset="-122"/>
-            </a:endParaRPr>
-          </a:p>
-        </p:txBody>
-      </p:sp>
-    </p:spTree>
-    <p:extLst>
-      <p:ext uri="{BB962C8B-B14F-4D97-AF65-F5344CB8AC3E}">
-        <p14:creationId xmlns:p14="http://schemas.microsoft.com/office/powerpoint/2010/main" val="1484782928"/>
-      </p:ext>
-    </p:extLst>
-  </p:cSld>
-  <p:clrMapOvr>
-    <a:masterClrMapping/>
-  </p:clrMapOvr>
-  <p:transition/>
-</p:sld>
-</file>
-
-<file path=ppt/slides/slide4.xml><?xml version="1.0" encoding="utf-8"?>
-<p:sld xmlns:a="http://schemas.openxmlformats.org/drawingml/2006/main" xmlns:r="http://schemas.openxmlformats.org/officeDocument/2006/relationships" xmlns:p="http://schemas.openxmlformats.org/presentationml/2006/main">
-  <p:cSld>
-    <p:spTree>
-      <p:nvGrpSpPr>
-        <p:cNvPr id="1" name=""/>
-        <p:cNvGrpSpPr/>
-        <p:nvPr/>
-      </p:nvGrpSpPr>
-      <p:grpSpPr>
-        <a:xfrm>
-          <a:off x="0" y="0"/>
-          <a:ext cx="0" cy="0"/>
-          <a:chOff x="0" y="0"/>
-          <a:chExt cx="0" cy="0"/>
-        </a:xfrm>
-      </p:grpSpPr>
-      <p:sp>
-        <p:nvSpPr>
-          <p:cNvPr id="8235" name="Rectangle 2"/>
-          <p:cNvSpPr>
-            <a:spLocks noGrp="1" noChangeArrowheads="1"/>
-          </p:cNvSpPr>
-          <p:nvPr>
-            <p:ph type="title"/>
-          </p:nvPr>
-        </p:nvSpPr>
-        <p:spPr>
-          <a:xfrm>
-            <a:off x="427296" y="159679"/>
-            <a:ext cx="5577636" cy="583456"/>
-          </a:xfrm>
-        </p:spPr>
-        <p:txBody>
-          <a:bodyPr/>
-          <a:lstStyle/>
-          <a:p>
-            <a:pPr algn="l" fontAlgn="auto">
-              <a:spcBef>
-                <a:spcPts val="0"/>
-              </a:spcBef>
-              <a:spcAft>
-                <a:spcPts val="0"/>
-              </a:spcAft>
-              <a:defRPr/>
-            </a:pPr>
-            <a:r>
-              <a:rPr lang="zh-CN" altLang="en-US" sz="2400" dirty="0"/>
-              <a:t>项目</a:t>
-            </a:r>
-            <a:r>
-              <a:rPr lang="zh-CN" altLang="en-US" sz="2400" dirty="0"/>
-              <a:t>设计方案及</a:t>
-            </a:r>
-            <a:r>
-              <a:rPr lang="zh-CN" altLang="en-US" sz="2400" dirty="0"/>
-              <a:t>原理</a:t>
-            </a:r>
-            <a:endParaRPr lang="en-US" altLang="zh-CN" sz="1500" dirty="0">
-              <a:ea typeface="楷体" panose="02010609060101010101" pitchFamily="49" charset="-122"/>
-            </a:endParaRPr>
-          </a:p>
-        </p:txBody>
-      </p:sp>
-    </p:spTree>
-    <p:extLst>
-      <p:ext uri="{BB962C8B-B14F-4D97-AF65-F5344CB8AC3E}">
-        <p14:creationId xmlns:p14="http://schemas.microsoft.com/office/powerpoint/2010/main" val="3707448817"/>
-      </p:ext>
-    </p:extLst>
-  </p:cSld>
-  <p:clrMapOvr>
-    <a:masterClrMapping/>
-  </p:clrMapOvr>
-  <mc:AlternateContent xmlns:mc="http://schemas.openxmlformats.org/markup-compatibility/2006" xmlns:p14="http://schemas.microsoft.com/office/powerpoint/2010/main">
-    <mc:Choice Requires="p14">
-      <p:transition spd="slow" p14:dur="2000"/>
-    </mc:Choice>
-    <mc:Fallback xmlns="">
-      <p:transition spd="slow"/>
-    </mc:Fallback>
-  </mc:AlternateContent>
-  <p:timing>
-    <p:tnLst>
-      <p:par>
-        <p:cTn id="1" dur="indefinite" restart="never" nodeType="tmRoot"/>
-      </p:par>
-    </p:tnLst>
-  </p:timing>
-</p:sld>
-</file>
-
-<file path=ppt/slides/slide5.xml><?xml version="1.0" encoding="utf-8"?>
+<file path=ppt/slides/slide10.xml><?xml version="1.0" encoding="utf-8"?>
 <p:sld xmlns:a="http://schemas.openxmlformats.org/drawingml/2006/main" xmlns:r="http://schemas.openxmlformats.org/officeDocument/2006/relationships" xmlns:p="http://schemas.openxmlformats.org/presentationml/2006/main">
   <p:cSld>
     <p:spTree>
@@ -9021,159 +13238,8 @@
             <a:pPr lvl="0" algn="l"/>
             <a:r>
               <a:rPr lang="zh-CN" altLang="en-US" sz="2400" dirty="0"/>
-              <a:t>项目具体技术指标</a:t>
+              <a:t>持续改进方案计划</a:t>
             </a:r>
-          </a:p>
-        </p:txBody>
-      </p:sp>
-    </p:spTree>
-    <p:extLst>
-      <p:ext uri="{BB962C8B-B14F-4D97-AF65-F5344CB8AC3E}">
-        <p14:creationId xmlns:p14="http://schemas.microsoft.com/office/powerpoint/2010/main" val="267456097"/>
-      </p:ext>
-    </p:extLst>
-  </p:cSld>
-  <p:clrMapOvr>
-    <a:masterClrMapping/>
-  </p:clrMapOvr>
-  <mc:AlternateContent xmlns:mc="http://schemas.openxmlformats.org/markup-compatibility/2006" xmlns:p14="http://schemas.microsoft.com/office/powerpoint/2010/main">
-    <mc:Choice Requires="p14">
-      <p:transition spd="slow" p14:dur="2000"/>
-    </mc:Choice>
-    <mc:Fallback xmlns="">
-      <p:transition spd="slow"/>
-    </mc:Fallback>
-  </mc:AlternateContent>
-  <p:timing>
-    <p:tnLst>
-      <p:par>
-        <p:cTn id="1" dur="indefinite" restart="never" nodeType="tmRoot"/>
-      </p:par>
-    </p:tnLst>
-  </p:timing>
-</p:sld>
-</file>
-
-<file path=ppt/slides/slide6.xml><?xml version="1.0" encoding="utf-8"?>
-<p:sld xmlns:a="http://schemas.openxmlformats.org/drawingml/2006/main" xmlns:r="http://schemas.openxmlformats.org/officeDocument/2006/relationships" xmlns:p="http://schemas.openxmlformats.org/presentationml/2006/main">
-  <p:cSld>
-    <p:spTree>
-      <p:nvGrpSpPr>
-        <p:cNvPr id="1" name=""/>
-        <p:cNvGrpSpPr/>
-        <p:nvPr/>
-      </p:nvGrpSpPr>
-      <p:grpSpPr>
-        <a:xfrm>
-          <a:off x="0" y="0"/>
-          <a:ext cx="0" cy="0"/>
-          <a:chOff x="0" y="0"/>
-          <a:chExt cx="0" cy="0"/>
-        </a:xfrm>
-      </p:grpSpPr>
-      <p:sp>
-        <p:nvSpPr>
-          <p:cNvPr id="8235" name="Rectangle 2"/>
-          <p:cNvSpPr>
-            <a:spLocks noGrp="1" noChangeArrowheads="1"/>
-          </p:cNvSpPr>
-          <p:nvPr>
-            <p:ph type="title"/>
-          </p:nvPr>
-        </p:nvSpPr>
-        <p:spPr>
-          <a:xfrm>
-            <a:off x="427296" y="159679"/>
-            <a:ext cx="5577636" cy="583456"/>
-          </a:xfrm>
-        </p:spPr>
-        <p:txBody>
-          <a:bodyPr/>
-          <a:lstStyle/>
-          <a:p>
-            <a:pPr lvl="0" algn="l"/>
-            <a:r>
-              <a:rPr lang="zh-CN" altLang="en-US" sz="2400" dirty="0"/>
-              <a:t>项目现状及应用案例</a:t>
-            </a:r>
-          </a:p>
-        </p:txBody>
-      </p:sp>
-    </p:spTree>
-    <p:extLst>
-      <p:ext uri="{BB962C8B-B14F-4D97-AF65-F5344CB8AC3E}">
-        <p14:creationId xmlns:p14="http://schemas.microsoft.com/office/powerpoint/2010/main" val="4095488202"/>
-      </p:ext>
-    </p:extLst>
-  </p:cSld>
-  <p:clrMapOvr>
-    <a:masterClrMapping/>
-  </p:clrMapOvr>
-  <mc:AlternateContent xmlns:mc="http://schemas.openxmlformats.org/markup-compatibility/2006" xmlns:p14="http://schemas.microsoft.com/office/powerpoint/2010/main">
-    <mc:Choice Requires="p14">
-      <p:transition spd="slow" p14:dur="2000"/>
-    </mc:Choice>
-    <mc:Fallback xmlns="">
-      <p:transition spd="slow"/>
-    </mc:Fallback>
-  </mc:AlternateContent>
-  <p:timing>
-    <p:tnLst>
-      <p:par>
-        <p:cTn id="1" dur="indefinite" restart="never" nodeType="tmRoot"/>
-      </p:par>
-    </p:tnLst>
-  </p:timing>
-</p:sld>
-</file>
-
-<file path=ppt/slides/slide7.xml><?xml version="1.0" encoding="utf-8"?>
-<p:sld xmlns:a="http://schemas.openxmlformats.org/drawingml/2006/main" xmlns:r="http://schemas.openxmlformats.org/officeDocument/2006/relationships" xmlns:p="http://schemas.openxmlformats.org/presentationml/2006/main">
-  <p:cSld>
-    <p:spTree>
-      <p:nvGrpSpPr>
-        <p:cNvPr id="1" name=""/>
-        <p:cNvGrpSpPr/>
-        <p:nvPr/>
-      </p:nvGrpSpPr>
-      <p:grpSpPr>
-        <a:xfrm>
-          <a:off x="0" y="0"/>
-          <a:ext cx="0" cy="0"/>
-          <a:chOff x="0" y="0"/>
-          <a:chExt cx="0" cy="0"/>
-        </a:xfrm>
-      </p:grpSpPr>
-      <p:sp>
-        <p:nvSpPr>
-          <p:cNvPr id="8235" name="Rectangle 2"/>
-          <p:cNvSpPr>
-            <a:spLocks noGrp="1" noChangeArrowheads="1"/>
-          </p:cNvSpPr>
-          <p:nvPr>
-            <p:ph type="title"/>
-          </p:nvPr>
-        </p:nvSpPr>
-        <p:spPr>
-          <a:xfrm>
-            <a:off x="427296" y="159679"/>
-            <a:ext cx="5577636" cy="583456"/>
-          </a:xfrm>
-        </p:spPr>
-        <p:txBody>
-          <a:bodyPr/>
-          <a:lstStyle/>
-          <a:p>
-            <a:pPr lvl="0" algn="l"/>
-            <a:r>
-              <a:rPr lang="zh-CN" altLang="en-US" sz="2400" dirty="0"/>
-              <a:t>持续</a:t>
-            </a:r>
-            <a:r>
-              <a:rPr lang="zh-CN" altLang="en-US" sz="2400" dirty="0"/>
-              <a:t>改进方案计划</a:t>
-            </a:r>
-            <a:endParaRPr lang="zh-CN" altLang="en-US" sz="2400" dirty="0"/>
           </a:p>
         </p:txBody>
       </p:sp>
@@ -9205,7 +13271,7 @@
 </p:sld>
 </file>
 
-<file path=ppt/slides/slide8.xml><?xml version="1.0" encoding="utf-8"?>
+<file path=ppt/slides/slide11.xml><?xml version="1.0" encoding="utf-8"?>
 <p:sld xmlns:a="http://schemas.openxmlformats.org/drawingml/2006/main" xmlns:r="http://schemas.openxmlformats.org/officeDocument/2006/relationships" xmlns:p="http://schemas.openxmlformats.org/presentationml/2006/main">
   <p:cSld>
     <p:spTree>
@@ -9463,6 +13529,1553 @@
     <a:masterClrMapping/>
   </p:clrMapOvr>
   <p:transition/>
+  <p:timing>
+    <p:tnLst>
+      <p:par>
+        <p:cTn id="1" dur="indefinite" restart="never" nodeType="tmRoot"/>
+      </p:par>
+    </p:tnLst>
+  </p:timing>
+</p:sld>
+</file>
+
+<file path=ppt/slides/slide2.xml><?xml version="1.0" encoding="utf-8"?>
+<p:sld xmlns:a="http://schemas.openxmlformats.org/drawingml/2006/main" xmlns:r="http://schemas.openxmlformats.org/officeDocument/2006/relationships" xmlns:p="http://schemas.openxmlformats.org/presentationml/2006/main">
+  <p:cSld>
+    <p:spTree>
+      <p:nvGrpSpPr>
+        <p:cNvPr id="1" name=""/>
+        <p:cNvGrpSpPr/>
+        <p:nvPr/>
+      </p:nvGrpSpPr>
+      <p:grpSpPr>
+        <a:xfrm>
+          <a:off x="0" y="0"/>
+          <a:ext cx="0" cy="0"/>
+          <a:chOff x="0" y="0"/>
+          <a:chExt cx="0" cy="0"/>
+        </a:xfrm>
+      </p:grpSpPr>
+      <p:sp>
+        <p:nvSpPr>
+          <p:cNvPr id="8235" name="Rectangle 2"/>
+          <p:cNvSpPr>
+            <a:spLocks noGrp="1" noChangeArrowheads="1"/>
+          </p:cNvSpPr>
+          <p:nvPr>
+            <p:ph type="title"/>
+          </p:nvPr>
+        </p:nvSpPr>
+        <p:spPr>
+          <a:xfrm>
+            <a:off x="427296" y="159679"/>
+            <a:ext cx="5577636" cy="583456"/>
+          </a:xfrm>
+        </p:spPr>
+        <p:txBody>
+          <a:bodyPr/>
+          <a:lstStyle/>
+          <a:p>
+            <a:pPr algn="l" fontAlgn="auto">
+              <a:spcBef>
+                <a:spcPts val="0"/>
+              </a:spcBef>
+              <a:spcAft>
+                <a:spcPts val="0"/>
+              </a:spcAft>
+              <a:defRPr/>
+            </a:pPr>
+            <a:r>
+              <a:rPr lang="en-US" altLang="zh-CN" sz="2400" dirty="0" smtClean="0"/>
+              <a:t>Python</a:t>
+            </a:r>
+            <a:r>
+              <a:rPr lang="zh-CN" altLang="en-US" sz="2400" dirty="0" smtClean="0"/>
+              <a:t>编程基础培训</a:t>
+            </a:r>
+            <a:endParaRPr lang="en-US" altLang="zh-CN" sz="2400" dirty="0"/>
+          </a:p>
+        </p:txBody>
+      </p:sp>
+      <p:graphicFrame>
+        <p:nvGraphicFramePr>
+          <p:cNvPr id="3" name="图示 2"/>
+          <p:cNvGraphicFramePr/>
+          <p:nvPr>
+            <p:extLst>
+              <p:ext uri="{D42A27DB-BD31-4B8C-83A1-F6EECF244321}">
+                <p14:modId xmlns:p14="http://schemas.microsoft.com/office/powerpoint/2010/main" val="3713875095"/>
+              </p:ext>
+            </p:extLst>
+          </p:nvPr>
+        </p:nvGraphicFramePr>
+        <p:xfrm>
+          <a:off x="793005" y="992778"/>
+          <a:ext cx="7375137" cy="4090358"/>
+        </p:xfrm>
+        <a:graphic>
+          <a:graphicData uri="http://schemas.openxmlformats.org/drawingml/2006/diagram">
+            <dgm:relIds xmlns:dgm="http://schemas.openxmlformats.org/drawingml/2006/diagram" xmlns:r="http://schemas.openxmlformats.org/officeDocument/2006/relationships" r:dm="rId3" r:lo="rId4" r:qs="rId5" r:cs="rId6"/>
+          </a:graphicData>
+        </a:graphic>
+      </p:graphicFrame>
+    </p:spTree>
+    <p:extLst>
+      <p:ext uri="{BB962C8B-B14F-4D97-AF65-F5344CB8AC3E}">
+        <p14:creationId xmlns:p14="http://schemas.microsoft.com/office/powerpoint/2010/main" val="1245348113"/>
+      </p:ext>
+    </p:extLst>
+  </p:cSld>
+  <p:clrMapOvr>
+    <a:masterClrMapping/>
+  </p:clrMapOvr>
+  <mc:AlternateContent xmlns:mc="http://schemas.openxmlformats.org/markup-compatibility/2006" xmlns:p14="http://schemas.microsoft.com/office/powerpoint/2010/main">
+    <mc:Choice Requires="p14">
+      <p:transition spd="slow" p14:dur="2000"/>
+    </mc:Choice>
+    <mc:Fallback xmlns="">
+      <p:transition spd="slow"/>
+    </mc:Fallback>
+  </mc:AlternateContent>
+  <p:timing>
+    <p:tnLst>
+      <p:par>
+        <p:cTn id="1" dur="indefinite" restart="never" nodeType="tmRoot"/>
+      </p:par>
+    </p:tnLst>
+  </p:timing>
+</p:sld>
+</file>
+
+<file path=ppt/slides/slide3.xml><?xml version="1.0" encoding="utf-8"?>
+<p:sld xmlns:a="http://schemas.openxmlformats.org/drawingml/2006/main" xmlns:r="http://schemas.openxmlformats.org/officeDocument/2006/relationships" xmlns:p="http://schemas.openxmlformats.org/presentationml/2006/main">
+  <p:cSld>
+    <p:spTree>
+      <p:nvGrpSpPr>
+        <p:cNvPr id="1" name=""/>
+        <p:cNvGrpSpPr/>
+        <p:nvPr/>
+      </p:nvGrpSpPr>
+      <p:grpSpPr>
+        <a:xfrm>
+          <a:off x="0" y="0"/>
+          <a:ext cx="0" cy="0"/>
+          <a:chOff x="0" y="0"/>
+          <a:chExt cx="0" cy="0"/>
+        </a:xfrm>
+      </p:grpSpPr>
+      <p:sp>
+        <p:nvSpPr>
+          <p:cNvPr id="5" name="Rectangle 2"/>
+          <p:cNvSpPr>
+            <a:spLocks noGrp="1" noChangeArrowheads="1"/>
+          </p:cNvSpPr>
+          <p:nvPr>
+            <p:ph type="title"/>
+          </p:nvPr>
+        </p:nvSpPr>
+        <p:spPr>
+          <a:xfrm>
+            <a:off x="427296" y="159679"/>
+            <a:ext cx="5577636" cy="583456"/>
+          </a:xfrm>
+        </p:spPr>
+        <p:txBody>
+          <a:bodyPr/>
+          <a:lstStyle/>
+          <a:p>
+            <a:pPr algn="l" fontAlgn="auto">
+              <a:spcBef>
+                <a:spcPts val="0"/>
+              </a:spcBef>
+              <a:spcAft>
+                <a:spcPts val="0"/>
+              </a:spcAft>
+              <a:defRPr/>
+            </a:pPr>
+            <a:r>
+              <a:rPr lang="zh-CN" altLang="en-US" sz="2400" dirty="0" smtClean="0"/>
+              <a:t>培训背景</a:t>
+            </a:r>
+            <a:endParaRPr lang="en-US" altLang="zh-CN" sz="1500" dirty="0">
+              <a:ea typeface="楷体" panose="02010609060101010101" pitchFamily="49" charset="-122"/>
+            </a:endParaRPr>
+          </a:p>
+        </p:txBody>
+      </p:sp>
+    </p:spTree>
+    <p:extLst>
+      <p:ext uri="{BB962C8B-B14F-4D97-AF65-F5344CB8AC3E}">
+        <p14:creationId xmlns:p14="http://schemas.microsoft.com/office/powerpoint/2010/main" val="1484782928"/>
+      </p:ext>
+    </p:extLst>
+  </p:cSld>
+  <p:clrMapOvr>
+    <a:masterClrMapping/>
+  </p:clrMapOvr>
+  <p:transition/>
+  <p:timing>
+    <p:tnLst>
+      <p:par>
+        <p:cTn id="1" dur="indefinite" restart="never" nodeType="tmRoot"/>
+      </p:par>
+    </p:tnLst>
+  </p:timing>
+</p:sld>
+</file>
+
+<file path=ppt/slides/slide4.xml><?xml version="1.0" encoding="utf-8"?>
+<p:sld xmlns:a="http://schemas.openxmlformats.org/drawingml/2006/main" xmlns:r="http://schemas.openxmlformats.org/officeDocument/2006/relationships" xmlns:p="http://schemas.openxmlformats.org/presentationml/2006/main">
+  <p:cSld>
+    <p:spTree>
+      <p:nvGrpSpPr>
+        <p:cNvPr id="1" name=""/>
+        <p:cNvGrpSpPr/>
+        <p:nvPr/>
+      </p:nvGrpSpPr>
+      <p:grpSpPr>
+        <a:xfrm>
+          <a:off x="0" y="0"/>
+          <a:ext cx="0" cy="0"/>
+          <a:chOff x="0" y="0"/>
+          <a:chExt cx="0" cy="0"/>
+        </a:xfrm>
+      </p:grpSpPr>
+      <p:sp>
+        <p:nvSpPr>
+          <p:cNvPr id="5" name="Rectangle 2"/>
+          <p:cNvSpPr>
+            <a:spLocks noGrp="1" noChangeArrowheads="1"/>
+          </p:cNvSpPr>
+          <p:nvPr>
+            <p:ph type="title"/>
+          </p:nvPr>
+        </p:nvSpPr>
+        <p:spPr>
+          <a:xfrm>
+            <a:off x="427296" y="159679"/>
+            <a:ext cx="5577636" cy="583456"/>
+          </a:xfrm>
+        </p:spPr>
+        <p:txBody>
+          <a:bodyPr/>
+          <a:lstStyle/>
+          <a:p>
+            <a:pPr algn="l" fontAlgn="auto">
+              <a:spcBef>
+                <a:spcPts val="0"/>
+              </a:spcBef>
+              <a:spcAft>
+                <a:spcPts val="0"/>
+              </a:spcAft>
+              <a:defRPr/>
+            </a:pPr>
+            <a:r>
+              <a:rPr lang="zh-CN" altLang="en-US" sz="2400" dirty="0" smtClean="0"/>
+              <a:t>考核方式</a:t>
+            </a:r>
+            <a:endParaRPr lang="en-US" altLang="zh-CN" sz="1500" dirty="0">
+              <a:ea typeface="楷体" panose="02010609060101010101" pitchFamily="49" charset="-122"/>
+            </a:endParaRPr>
+          </a:p>
+        </p:txBody>
+      </p:sp>
+      <p:sp>
+        <p:nvSpPr>
+          <p:cNvPr id="3" name="AutoShape 4"/>
+          <p:cNvSpPr>
+            <a:spLocks noChangeArrowheads="1"/>
+          </p:cNvSpPr>
+          <p:nvPr/>
+        </p:nvSpPr>
+        <p:spPr bwMode="gray">
+          <a:xfrm>
+            <a:off x="179512" y="697260"/>
+            <a:ext cx="8317067" cy="1440160"/>
+          </a:xfrm>
+          <a:prstGeom prst="roundRect">
+            <a:avLst>
+              <a:gd name="adj" fmla="val 10889"/>
+            </a:avLst>
+          </a:prstGeom>
+          <a:gradFill rotWithShape="1">
+            <a:gsLst>
+              <a:gs pos="0">
+                <a:srgbClr val="DDDDDD"/>
+              </a:gs>
+              <a:gs pos="50000">
+                <a:srgbClr val="DDDDDD">
+                  <a:gamma/>
+                  <a:tint val="36471"/>
+                  <a:invGamma/>
+                </a:srgbClr>
+              </a:gs>
+              <a:gs pos="100000">
+                <a:srgbClr val="DDDDDD"/>
+              </a:gs>
+            </a:gsLst>
+            <a:lin ang="2700000" scaled="1"/>
+          </a:gradFill>
+          <a:ln w="38100">
+            <a:solidFill>
+              <a:srgbClr val="FFFFFF"/>
+            </a:solidFill>
+            <a:round/>
+            <a:headEnd/>
+            <a:tailEnd/>
+          </a:ln>
+          <a:effectLst>
+            <a:outerShdw dist="135003" dir="2928844" algn="ctr" rotWithShape="0">
+              <a:srgbClr val="000000">
+                <a:alpha val="50000"/>
+              </a:srgbClr>
+            </a:outerShdw>
+          </a:effectLst>
+        </p:spPr>
+        <p:txBody>
+          <a:bodyPr wrap="none" anchor="ctr"/>
+          <a:lstStyle/>
+          <a:p>
+            <a:endParaRPr lang="zh-CN" altLang="en-US" dirty="0"/>
+          </a:p>
+        </p:txBody>
+      </p:sp>
+      <p:sp>
+        <p:nvSpPr>
+          <p:cNvPr id="4" name="矩形 3"/>
+          <p:cNvSpPr/>
+          <p:nvPr/>
+        </p:nvSpPr>
+        <p:spPr>
+          <a:xfrm>
+            <a:off x="395536" y="841276"/>
+            <a:ext cx="6771730" cy="1246495"/>
+          </a:xfrm>
+          <a:prstGeom prst="rect">
+            <a:avLst/>
+          </a:prstGeom>
+        </p:spPr>
+        <p:txBody>
+          <a:bodyPr wrap="square">
+            <a:spAutoFit/>
+          </a:bodyPr>
+          <a:lstStyle/>
+          <a:p>
+            <a:pPr marL="342900" indent="-342900" algn="just">
+              <a:lnSpc>
+                <a:spcPct val="125000"/>
+              </a:lnSpc>
+              <a:buClr>
+                <a:srgbClr val="000000"/>
+              </a:buClr>
+              <a:buFont typeface="Wingdings" panose="05000000000000000000" pitchFamily="2" charset="2"/>
+              <a:buChar char="p"/>
+            </a:pPr>
+            <a:r>
+              <a:rPr lang="en-US" altLang="zh-CN" sz="2000" dirty="0" smtClean="0"/>
+              <a:t> </a:t>
+            </a:r>
+            <a:r>
+              <a:rPr lang="en-US" altLang="zh-CN" sz="2000" dirty="0"/>
+              <a:t>3</a:t>
+            </a:r>
+            <a:r>
+              <a:rPr lang="en-US" altLang="zh-CN" sz="2000" dirty="0" smtClean="0"/>
+              <a:t>0% </a:t>
+            </a:r>
+            <a:r>
+              <a:rPr lang="zh-CN" altLang="en-US" sz="2000" dirty="0" smtClean="0"/>
+              <a:t>理论考试</a:t>
+            </a:r>
+            <a:endParaRPr lang="en-US" altLang="zh-CN" sz="2000" dirty="0"/>
+          </a:p>
+          <a:p>
+            <a:pPr marL="342900" indent="-342900" algn="just">
+              <a:lnSpc>
+                <a:spcPct val="125000"/>
+              </a:lnSpc>
+              <a:buClr>
+                <a:srgbClr val="000000"/>
+              </a:buClr>
+              <a:buFont typeface="Wingdings" panose="05000000000000000000" pitchFamily="2" charset="2"/>
+              <a:buChar char="p"/>
+            </a:pPr>
+            <a:r>
+              <a:rPr lang="en-US" altLang="zh-CN" sz="2000" dirty="0"/>
+              <a:t>70% </a:t>
+            </a:r>
+            <a:r>
+              <a:rPr lang="zh-CN" altLang="en-US" sz="2000" dirty="0"/>
+              <a:t>课程</a:t>
+            </a:r>
+            <a:r>
+              <a:rPr lang="zh-CN" altLang="en-US" sz="2000" dirty="0" smtClean="0"/>
+              <a:t>实践</a:t>
+            </a:r>
+            <a:endParaRPr lang="en-US" altLang="zh-CN" sz="2000" dirty="0" smtClean="0"/>
+          </a:p>
+          <a:p>
+            <a:pPr marL="342900" indent="-342900" algn="just">
+              <a:lnSpc>
+                <a:spcPct val="125000"/>
+              </a:lnSpc>
+              <a:buClr>
+                <a:srgbClr val="000000"/>
+              </a:buClr>
+              <a:buFont typeface="Wingdings" panose="05000000000000000000" pitchFamily="2" charset="2"/>
+              <a:buChar char="p"/>
+            </a:pPr>
+            <a:endParaRPr lang="en-US" altLang="zh-CN" sz="2000" dirty="0"/>
+          </a:p>
+        </p:txBody>
+      </p:sp>
+    </p:spTree>
+    <p:extLst>
+      <p:ext uri="{BB962C8B-B14F-4D97-AF65-F5344CB8AC3E}">
+        <p14:creationId xmlns:p14="http://schemas.microsoft.com/office/powerpoint/2010/main" val="3165487210"/>
+      </p:ext>
+    </p:extLst>
+  </p:cSld>
+  <p:clrMapOvr>
+    <a:masterClrMapping/>
+  </p:clrMapOvr>
+  <p:transition/>
+  <p:timing>
+    <p:tnLst>
+      <p:par>
+        <p:cTn id="1" dur="indefinite" restart="never" nodeType="tmRoot">
+          <p:childTnLst>
+            <p:seq concurrent="1" nextAc="seek">
+              <p:cTn id="2" dur="indefinite" nodeType="mainSeq">
+                <p:childTnLst>
+                  <p:par>
+                    <p:cTn id="3" fill="hold">
+                      <p:stCondLst>
+                        <p:cond delay="indefinite"/>
+                        <p:cond evt="onBegin" delay="0">
+                          <p:tn val="2"/>
+                        </p:cond>
+                      </p:stCondLst>
+                      <p:childTnLst>
+                        <p:par>
+                          <p:cTn id="4" fill="hold">
+                            <p:stCondLst>
+                              <p:cond delay="0"/>
+                            </p:stCondLst>
+                            <p:childTnLst>
+                              <p:par>
+                                <p:cTn id="5" presetID="22" presetClass="entr" presetSubtype="4" fill="hold" grpId="0" nodeType="withEffect">
+                                  <p:stCondLst>
+                                    <p:cond delay="0"/>
+                                  </p:stCondLst>
+                                  <p:childTnLst>
+                                    <p:set>
+                                      <p:cBhvr>
+                                        <p:cTn id="6" dur="1" fill="hold">
+                                          <p:stCondLst>
+                                            <p:cond delay="0"/>
+                                          </p:stCondLst>
+                                        </p:cTn>
+                                        <p:tgtEl>
+                                          <p:spTgt spid="3"/>
+                                        </p:tgtEl>
+                                        <p:attrNameLst>
+                                          <p:attrName>style.visibility</p:attrName>
+                                        </p:attrNameLst>
+                                      </p:cBhvr>
+                                      <p:to>
+                                        <p:strVal val="visible"/>
+                                      </p:to>
+                                    </p:set>
+                                    <p:animEffect transition="in" filter="wipe(down)">
+                                      <p:cBhvr>
+                                        <p:cTn id="7" dur="500"/>
+                                        <p:tgtEl>
+                                          <p:spTgt spid="3"/>
+                                        </p:tgtEl>
+                                      </p:cBhvr>
+                                    </p:animEffect>
+                                  </p:childTnLst>
+                                </p:cTn>
+                              </p:par>
+                              <p:par>
+                                <p:cTn id="8" presetID="22" presetClass="entr" presetSubtype="4" fill="hold" grpId="0" nodeType="withEffect">
+                                  <p:stCondLst>
+                                    <p:cond delay="0"/>
+                                  </p:stCondLst>
+                                  <p:childTnLst>
+                                    <p:set>
+                                      <p:cBhvr>
+                                        <p:cTn id="9" dur="1" fill="hold">
+                                          <p:stCondLst>
+                                            <p:cond delay="0"/>
+                                          </p:stCondLst>
+                                        </p:cTn>
+                                        <p:tgtEl>
+                                          <p:spTgt spid="4"/>
+                                        </p:tgtEl>
+                                        <p:attrNameLst>
+                                          <p:attrName>style.visibility</p:attrName>
+                                        </p:attrNameLst>
+                                      </p:cBhvr>
+                                      <p:to>
+                                        <p:strVal val="visible"/>
+                                      </p:to>
+                                    </p:set>
+                                    <p:animEffect transition="in" filter="wipe(down)">
+                                      <p:cBhvr>
+                                        <p:cTn id="10" dur="500"/>
+                                        <p:tgtEl>
+                                          <p:spTgt spid="4"/>
+                                        </p:tgtEl>
+                                      </p:cBhvr>
+                                    </p:animEffect>
+                                  </p:childTnLst>
+                                </p:cTn>
+                              </p:par>
+                            </p:childTnLst>
+                          </p:cTn>
+                        </p:par>
+                      </p:childTnLst>
+                    </p:cTn>
+                  </p:par>
+                </p:childTnLst>
+              </p:cTn>
+              <p:prevCondLst>
+                <p:cond evt="onPrev" delay="0">
+                  <p:tgtEl>
+                    <p:sldTgt/>
+                  </p:tgtEl>
+                </p:cond>
+              </p:prevCondLst>
+              <p:nextCondLst>
+                <p:cond evt="onNext" delay="0">
+                  <p:tgtEl>
+                    <p:sldTgt/>
+                  </p:tgtEl>
+                </p:cond>
+              </p:nextCondLst>
+            </p:seq>
+          </p:childTnLst>
+        </p:cTn>
+      </p:par>
+    </p:tnLst>
+    <p:bldLst>
+      <p:bldP spid="3" grpId="0" animBg="1"/>
+      <p:bldP spid="4" grpId="0"/>
+    </p:bldLst>
+  </p:timing>
+</p:sld>
+</file>
+
+<file path=ppt/slides/slide5.xml><?xml version="1.0" encoding="utf-8"?>
+<p:sld xmlns:a="http://schemas.openxmlformats.org/drawingml/2006/main" xmlns:r="http://schemas.openxmlformats.org/officeDocument/2006/relationships" xmlns:p="http://schemas.openxmlformats.org/presentationml/2006/main">
+  <p:cSld>
+    <p:spTree>
+      <p:nvGrpSpPr>
+        <p:cNvPr id="1" name=""/>
+        <p:cNvGrpSpPr/>
+        <p:nvPr/>
+      </p:nvGrpSpPr>
+      <p:grpSpPr>
+        <a:xfrm>
+          <a:off x="0" y="0"/>
+          <a:ext cx="0" cy="0"/>
+          <a:chOff x="0" y="0"/>
+          <a:chExt cx="0" cy="0"/>
+        </a:xfrm>
+      </p:grpSpPr>
+      <p:sp>
+        <p:nvSpPr>
+          <p:cNvPr id="5" name="Rectangle 2"/>
+          <p:cNvSpPr>
+            <a:spLocks noGrp="1" noChangeArrowheads="1"/>
+          </p:cNvSpPr>
+          <p:nvPr>
+            <p:ph type="title"/>
+          </p:nvPr>
+        </p:nvSpPr>
+        <p:spPr>
+          <a:xfrm>
+            <a:off x="427296" y="159679"/>
+            <a:ext cx="5577636" cy="583456"/>
+          </a:xfrm>
+        </p:spPr>
+        <p:txBody>
+          <a:bodyPr/>
+          <a:lstStyle/>
+          <a:p>
+            <a:pPr algn="l" fontAlgn="auto">
+              <a:spcBef>
+                <a:spcPts val="0"/>
+              </a:spcBef>
+              <a:spcAft>
+                <a:spcPts val="0"/>
+              </a:spcAft>
+              <a:defRPr/>
+            </a:pPr>
+            <a:r>
+              <a:rPr lang="en-US" altLang="zh-CN" sz="2400" dirty="0" smtClean="0"/>
+              <a:t>Python</a:t>
+            </a:r>
+            <a:r>
+              <a:rPr lang="zh-CN" altLang="en-US" sz="2400" dirty="0" smtClean="0"/>
+              <a:t>基础知识</a:t>
+            </a:r>
+            <a:endParaRPr lang="en-US" altLang="zh-CN" sz="1500" dirty="0">
+              <a:ea typeface="楷体" panose="02010609060101010101" pitchFamily="49" charset="-122"/>
+            </a:endParaRPr>
+          </a:p>
+        </p:txBody>
+      </p:sp>
+      <p:graphicFrame>
+        <p:nvGraphicFramePr>
+          <p:cNvPr id="6" name="图示 5"/>
+          <p:cNvGraphicFramePr/>
+          <p:nvPr>
+            <p:extLst>
+              <p:ext uri="{D42A27DB-BD31-4B8C-83A1-F6EECF244321}">
+                <p14:modId xmlns:p14="http://schemas.microsoft.com/office/powerpoint/2010/main" val="1977261376"/>
+              </p:ext>
+            </p:extLst>
+          </p:nvPr>
+        </p:nvGraphicFramePr>
+        <p:xfrm>
+          <a:off x="793005" y="992778"/>
+          <a:ext cx="7375137" cy="4090358"/>
+        </p:xfrm>
+        <a:graphic>
+          <a:graphicData uri="http://schemas.openxmlformats.org/drawingml/2006/diagram">
+            <dgm:relIds xmlns:dgm="http://schemas.openxmlformats.org/drawingml/2006/diagram" xmlns:r="http://schemas.openxmlformats.org/officeDocument/2006/relationships" r:dm="rId2" r:lo="rId3" r:qs="rId4" r:cs="rId5"/>
+          </a:graphicData>
+        </a:graphic>
+      </p:graphicFrame>
+    </p:spTree>
+    <p:extLst>
+      <p:ext uri="{BB962C8B-B14F-4D97-AF65-F5344CB8AC3E}">
+        <p14:creationId xmlns:p14="http://schemas.microsoft.com/office/powerpoint/2010/main" val="315131201"/>
+      </p:ext>
+    </p:extLst>
+  </p:cSld>
+  <p:clrMapOvr>
+    <a:masterClrMapping/>
+  </p:clrMapOvr>
+  <p:transition/>
+  <p:timing>
+    <p:tnLst>
+      <p:par>
+        <p:cTn id="1" dur="indefinite" restart="never" nodeType="tmRoot"/>
+      </p:par>
+    </p:tnLst>
+  </p:timing>
+</p:sld>
+</file>
+
+<file path=ppt/slides/slide6.xml><?xml version="1.0" encoding="utf-8"?>
+<p:sld xmlns:a="http://schemas.openxmlformats.org/drawingml/2006/main" xmlns:r="http://schemas.openxmlformats.org/officeDocument/2006/relationships" xmlns:p="http://schemas.openxmlformats.org/presentationml/2006/main">
+  <p:cSld>
+    <p:spTree>
+      <p:nvGrpSpPr>
+        <p:cNvPr id="1" name=""/>
+        <p:cNvGrpSpPr/>
+        <p:nvPr/>
+      </p:nvGrpSpPr>
+      <p:grpSpPr>
+        <a:xfrm>
+          <a:off x="0" y="0"/>
+          <a:ext cx="0" cy="0"/>
+          <a:chOff x="0" y="0"/>
+          <a:chExt cx="0" cy="0"/>
+        </a:xfrm>
+      </p:grpSpPr>
+      <p:sp>
+        <p:nvSpPr>
+          <p:cNvPr id="5" name="Rectangle 2"/>
+          <p:cNvSpPr>
+            <a:spLocks noGrp="1" noChangeArrowheads="1"/>
+          </p:cNvSpPr>
+          <p:nvPr>
+            <p:ph type="title"/>
+          </p:nvPr>
+        </p:nvSpPr>
+        <p:spPr>
+          <a:xfrm>
+            <a:off x="427296" y="159679"/>
+            <a:ext cx="5577636" cy="583456"/>
+          </a:xfrm>
+        </p:spPr>
+        <p:txBody>
+          <a:bodyPr/>
+          <a:lstStyle/>
+          <a:p>
+            <a:pPr algn="l" fontAlgn="auto">
+              <a:spcBef>
+                <a:spcPts val="0"/>
+              </a:spcBef>
+              <a:spcAft>
+                <a:spcPts val="0"/>
+              </a:spcAft>
+              <a:defRPr/>
+            </a:pPr>
+            <a:r>
+              <a:rPr lang="en-US" altLang="zh-CN" sz="2400" dirty="0" smtClean="0"/>
+              <a:t>Python</a:t>
+            </a:r>
+            <a:r>
+              <a:rPr lang="zh-CN" altLang="en-US" sz="2400" dirty="0" smtClean="0"/>
+              <a:t>基础知识</a:t>
+            </a:r>
+            <a:endParaRPr lang="en-US" altLang="zh-CN" sz="1500" dirty="0">
+              <a:ea typeface="楷体" panose="02010609060101010101" pitchFamily="49" charset="-122"/>
+            </a:endParaRPr>
+          </a:p>
+        </p:txBody>
+      </p:sp>
+    </p:spTree>
+    <p:extLst>
+      <p:ext uri="{BB962C8B-B14F-4D97-AF65-F5344CB8AC3E}">
+        <p14:creationId xmlns:p14="http://schemas.microsoft.com/office/powerpoint/2010/main" val="290891787"/>
+      </p:ext>
+    </p:extLst>
+  </p:cSld>
+  <p:clrMapOvr>
+    <a:masterClrMapping/>
+  </p:clrMapOvr>
+  <p:transition/>
+  <p:timing>
+    <p:tnLst>
+      <p:par>
+        <p:cTn id="1" dur="indefinite" restart="never" nodeType="tmRoot"/>
+      </p:par>
+    </p:tnLst>
+  </p:timing>
+</p:sld>
+</file>
+
+<file path=ppt/slides/slide7.xml><?xml version="1.0" encoding="utf-8"?>
+<p:sld xmlns:a="http://schemas.openxmlformats.org/drawingml/2006/main" xmlns:r="http://schemas.openxmlformats.org/officeDocument/2006/relationships" xmlns:p="http://schemas.openxmlformats.org/presentationml/2006/main">
+  <p:cSld>
+    <p:spTree>
+      <p:nvGrpSpPr>
+        <p:cNvPr id="1" name=""/>
+        <p:cNvGrpSpPr/>
+        <p:nvPr/>
+      </p:nvGrpSpPr>
+      <p:grpSpPr>
+        <a:xfrm>
+          <a:off x="0" y="0"/>
+          <a:ext cx="0" cy="0"/>
+          <a:chOff x="0" y="0"/>
+          <a:chExt cx="0" cy="0"/>
+        </a:xfrm>
+      </p:grpSpPr>
+      <p:sp>
+        <p:nvSpPr>
+          <p:cNvPr id="8235" name="Rectangle 2"/>
+          <p:cNvSpPr>
+            <a:spLocks noGrp="1" noChangeArrowheads="1"/>
+          </p:cNvSpPr>
+          <p:nvPr>
+            <p:ph type="title"/>
+          </p:nvPr>
+        </p:nvSpPr>
+        <p:spPr>
+          <a:xfrm>
+            <a:off x="427296" y="159679"/>
+            <a:ext cx="5577636" cy="583456"/>
+          </a:xfrm>
+        </p:spPr>
+        <p:txBody>
+          <a:bodyPr/>
+          <a:lstStyle/>
+          <a:p>
+            <a:pPr algn="l" fontAlgn="auto">
+              <a:spcBef>
+                <a:spcPts val="0"/>
+              </a:spcBef>
+              <a:spcAft>
+                <a:spcPts val="0"/>
+              </a:spcAft>
+              <a:defRPr/>
+            </a:pPr>
+            <a:r>
+              <a:rPr lang="zh-CN" altLang="en-US" sz="2400" dirty="0"/>
+              <a:t>项目设计方案及原理</a:t>
+            </a:r>
+            <a:endParaRPr lang="en-US" altLang="zh-CN" sz="1500" dirty="0">
+              <a:ea typeface="楷体" panose="02010609060101010101" pitchFamily="49" charset="-122"/>
+            </a:endParaRPr>
+          </a:p>
+        </p:txBody>
+      </p:sp>
+      <p:sp>
+        <p:nvSpPr>
+          <p:cNvPr id="3" name="AutoShape 4"/>
+          <p:cNvSpPr>
+            <a:spLocks noChangeArrowheads="1"/>
+          </p:cNvSpPr>
+          <p:nvPr/>
+        </p:nvSpPr>
+        <p:spPr bwMode="gray">
+          <a:xfrm>
+            <a:off x="323528" y="756703"/>
+            <a:ext cx="8317067" cy="2088232"/>
+          </a:xfrm>
+          <a:prstGeom prst="roundRect">
+            <a:avLst>
+              <a:gd name="adj" fmla="val 10889"/>
+            </a:avLst>
+          </a:prstGeom>
+          <a:gradFill rotWithShape="1">
+            <a:gsLst>
+              <a:gs pos="0">
+                <a:srgbClr val="DDDDDD"/>
+              </a:gs>
+              <a:gs pos="50000">
+                <a:srgbClr val="DDDDDD">
+                  <a:gamma/>
+                  <a:tint val="36471"/>
+                  <a:invGamma/>
+                </a:srgbClr>
+              </a:gs>
+              <a:gs pos="100000">
+                <a:srgbClr val="DDDDDD"/>
+              </a:gs>
+            </a:gsLst>
+            <a:lin ang="2700000" scaled="1"/>
+          </a:gradFill>
+          <a:ln w="38100">
+            <a:solidFill>
+              <a:srgbClr val="FFFFFF"/>
+            </a:solidFill>
+            <a:round/>
+            <a:headEnd/>
+            <a:tailEnd/>
+          </a:ln>
+          <a:effectLst>
+            <a:outerShdw dist="135003" dir="2928844" algn="ctr" rotWithShape="0">
+              <a:srgbClr val="000000">
+                <a:alpha val="50000"/>
+              </a:srgbClr>
+            </a:outerShdw>
+          </a:effectLst>
+        </p:spPr>
+        <p:txBody>
+          <a:bodyPr wrap="none" anchor="ctr"/>
+          <a:lstStyle/>
+          <a:p>
+            <a:endParaRPr lang="zh-CN" altLang="en-US"/>
+          </a:p>
+        </p:txBody>
+      </p:sp>
+      <p:pic>
+        <p:nvPicPr>
+          <p:cNvPr id="4" name="图片 3" descr="C:\Users\spzhan\Desktop\2015-04-28_162121.jpg"/>
+          <p:cNvPicPr/>
+          <p:nvPr/>
+        </p:nvPicPr>
+        <p:blipFill>
+          <a:blip r:embed="rId3" cstate="print">
+            <a:extLst>
+              <a:ext uri="{28A0092B-C50C-407E-A947-70E740481C1C}">
+                <a14:useLocalDpi xmlns:a14="http://schemas.microsoft.com/office/drawing/2010/main" val="0"/>
+              </a:ext>
+            </a:extLst>
+          </a:blip>
+          <a:srcRect/>
+          <a:stretch>
+            <a:fillRect/>
+          </a:stretch>
+        </p:blipFill>
+        <p:spPr bwMode="auto">
+          <a:xfrm>
+            <a:off x="7236295" y="913284"/>
+            <a:ext cx="1319759" cy="1891750"/>
+          </a:xfrm>
+          <a:prstGeom prst="rect">
+            <a:avLst/>
+          </a:prstGeom>
+          <a:noFill/>
+          <a:ln>
+            <a:noFill/>
+          </a:ln>
+        </p:spPr>
+      </p:pic>
+      <p:sp>
+        <p:nvSpPr>
+          <p:cNvPr id="5" name="矩形 4"/>
+          <p:cNvSpPr/>
+          <p:nvPr/>
+        </p:nvSpPr>
+        <p:spPr>
+          <a:xfrm>
+            <a:off x="395536" y="841276"/>
+            <a:ext cx="6771730" cy="2054409"/>
+          </a:xfrm>
+          <a:prstGeom prst="rect">
+            <a:avLst/>
+          </a:prstGeom>
+        </p:spPr>
+        <p:txBody>
+          <a:bodyPr wrap="square">
+            <a:spAutoFit/>
+          </a:bodyPr>
+          <a:lstStyle/>
+          <a:p>
+            <a:pPr marL="342900" indent="-342900" algn="just">
+              <a:lnSpc>
+                <a:spcPct val="125000"/>
+              </a:lnSpc>
+              <a:buClr>
+                <a:srgbClr val="000000"/>
+              </a:buClr>
+              <a:buFont typeface="Wingdings" panose="05000000000000000000" pitchFamily="2" charset="2"/>
+              <a:buChar char="p"/>
+            </a:pPr>
+            <a:r>
+              <a:rPr lang="en-US" altLang="zh-CN" sz="2000" dirty="0" smtClean="0"/>
+              <a:t> XXXX(20</a:t>
+            </a:r>
+            <a:r>
+              <a:rPr lang="zh-CN" altLang="en-US" sz="2000" dirty="0" smtClean="0"/>
+              <a:t>号字体</a:t>
+            </a:r>
+            <a:r>
+              <a:rPr lang="en-US" altLang="zh-CN" sz="2000" dirty="0" smtClean="0"/>
+              <a:t>)</a:t>
+            </a:r>
+            <a:endParaRPr lang="en-US" altLang="zh-CN" sz="2000" dirty="0"/>
+          </a:p>
+          <a:p>
+            <a:pPr marL="670804" lvl="1" indent="-285750" algn="just">
+              <a:lnSpc>
+                <a:spcPct val="125000"/>
+              </a:lnSpc>
+              <a:buClr>
+                <a:srgbClr val="000000"/>
+              </a:buClr>
+              <a:buFont typeface="Arial" panose="020B0604020202020204" pitchFamily="34" charset="0"/>
+              <a:buChar char="-"/>
+            </a:pPr>
+            <a:r>
+              <a:rPr lang="en-US" altLang="zh-CN" sz="1600" dirty="0" smtClean="0"/>
+              <a:t>XXX</a:t>
+            </a:r>
+            <a:r>
+              <a:rPr lang="zh-CN" altLang="en-US" sz="1600" dirty="0" smtClean="0"/>
+              <a:t>（</a:t>
+            </a:r>
+            <a:r>
+              <a:rPr lang="en-US" altLang="zh-CN" sz="1600" dirty="0" smtClean="0"/>
+              <a:t>16</a:t>
+            </a:r>
+            <a:r>
+              <a:rPr lang="zh-CN" altLang="en-US" sz="1600" dirty="0" smtClean="0"/>
+              <a:t>号字体）</a:t>
+            </a:r>
+            <a:endParaRPr lang="en-US" altLang="zh-CN" sz="1600" dirty="0" smtClean="0"/>
+          </a:p>
+          <a:p>
+            <a:pPr marL="1055858" lvl="2" indent="-285750" algn="just">
+              <a:lnSpc>
+                <a:spcPct val="125000"/>
+              </a:lnSpc>
+              <a:buClr>
+                <a:srgbClr val="000000"/>
+              </a:buClr>
+              <a:buFont typeface="Calibri" panose="020F0502020204030204" pitchFamily="34" charset="0"/>
+              <a:buChar char="·"/>
+            </a:pPr>
+            <a:r>
+              <a:rPr lang="en-US" altLang="en-US" sz="1400" dirty="0" smtClean="0"/>
+              <a:t>XXX</a:t>
+            </a:r>
+            <a:r>
+              <a:rPr lang="zh-CN" altLang="en-US" sz="1400" dirty="0" smtClean="0"/>
+              <a:t>（</a:t>
+            </a:r>
+            <a:r>
+              <a:rPr lang="en-US" altLang="zh-CN" sz="1400" dirty="0" smtClean="0"/>
+              <a:t>14</a:t>
+            </a:r>
+            <a:r>
+              <a:rPr lang="zh-CN" altLang="en-US" sz="1400" dirty="0" smtClean="0"/>
+              <a:t>号字体）</a:t>
+            </a:r>
+            <a:endParaRPr lang="en-US" altLang="en-US" sz="1400" dirty="0"/>
+          </a:p>
+          <a:p>
+            <a:pPr marL="670804" lvl="1" indent="-285750" algn="just">
+              <a:lnSpc>
+                <a:spcPct val="125000"/>
+              </a:lnSpc>
+              <a:buClr>
+                <a:srgbClr val="000000"/>
+              </a:buClr>
+              <a:buFont typeface="Arial" panose="020B0604020202020204" pitchFamily="34" charset="0"/>
+              <a:buChar char="-"/>
+            </a:pPr>
+            <a:r>
+              <a:rPr lang="en-US" altLang="zh-CN" sz="1600" dirty="0" smtClean="0"/>
+              <a:t>XXX</a:t>
+            </a:r>
+          </a:p>
+          <a:p>
+            <a:pPr marL="670804" lvl="1" indent="-285750" algn="just">
+              <a:lnSpc>
+                <a:spcPct val="125000"/>
+              </a:lnSpc>
+              <a:buClr>
+                <a:srgbClr val="000000"/>
+              </a:buClr>
+              <a:buFont typeface="Arial" panose="020B0604020202020204" pitchFamily="34" charset="0"/>
+              <a:buChar char="-"/>
+            </a:pPr>
+            <a:r>
+              <a:rPr lang="en-US" altLang="zh-CN" sz="1600" dirty="0" smtClean="0"/>
+              <a:t>XXX</a:t>
+            </a:r>
+            <a:endParaRPr lang="en-US" altLang="zh-CN" sz="1600" dirty="0"/>
+          </a:p>
+          <a:p>
+            <a:pPr lvl="0" algn="r">
+              <a:lnSpc>
+                <a:spcPct val="125000"/>
+              </a:lnSpc>
+              <a:buClr>
+                <a:srgbClr val="000000"/>
+              </a:buClr>
+            </a:pPr>
+            <a:r>
+              <a:rPr lang="zh-CN" altLang="en-US" sz="1600" kern="0" dirty="0" smtClean="0">
+                <a:solidFill>
+                  <a:srgbClr val="0000CC"/>
+                </a:solidFill>
+                <a:ea typeface="华文细黑" pitchFamily="2" charset="-122"/>
+              </a:rPr>
+              <a:t>（</a:t>
+            </a:r>
+            <a:r>
+              <a:rPr lang="en-US" altLang="zh-CN" sz="1600" kern="0" dirty="0" smtClean="0">
+                <a:solidFill>
+                  <a:srgbClr val="0000CC"/>
+                </a:solidFill>
+                <a:ea typeface="华文细黑" pitchFamily="2" charset="-122"/>
+              </a:rPr>
+              <a:t>16</a:t>
+            </a:r>
+            <a:r>
+              <a:rPr lang="zh-CN" altLang="en-US" sz="1600" kern="0" dirty="0" smtClean="0">
+                <a:solidFill>
+                  <a:srgbClr val="0000CC"/>
+                </a:solidFill>
+                <a:ea typeface="华文细黑" pitchFamily="2" charset="-122"/>
+              </a:rPr>
+              <a:t>号字体蓝色）</a:t>
+            </a:r>
+            <a:r>
+              <a:rPr lang="en-US" altLang="zh-CN" sz="1600" kern="0" dirty="0" smtClean="0">
+                <a:solidFill>
+                  <a:srgbClr val="0000CC"/>
+                </a:solidFill>
+                <a:ea typeface="华文细黑" pitchFamily="2" charset="-122"/>
+              </a:rPr>
+              <a:t>ECD</a:t>
+            </a:r>
+            <a:r>
+              <a:rPr lang="en-US" altLang="zh-CN" sz="1600" kern="0" dirty="0">
+                <a:solidFill>
+                  <a:srgbClr val="0000CC"/>
+                </a:solidFill>
+                <a:ea typeface="华文细黑" pitchFamily="2" charset="-122"/>
+              </a:rPr>
+              <a:t>: </a:t>
+            </a:r>
+            <a:r>
+              <a:rPr lang="en-US" altLang="zh-CN" sz="1600" kern="0" dirty="0" smtClean="0">
+                <a:solidFill>
+                  <a:srgbClr val="0000CC"/>
+                </a:solidFill>
+                <a:ea typeface="华文细黑" pitchFamily="2" charset="-122"/>
+              </a:rPr>
+              <a:t>Mar-08-2016</a:t>
+            </a:r>
+            <a:r>
+              <a:rPr lang="en-US" altLang="zh-CN" sz="1600" kern="0" dirty="0">
+                <a:solidFill>
+                  <a:srgbClr val="0000CC"/>
+                </a:solidFill>
+                <a:ea typeface="华文细黑" pitchFamily="2" charset="-122"/>
+              </a:rPr>
+              <a:t>, DRI: </a:t>
+            </a:r>
+            <a:r>
+              <a:rPr lang="en-US" altLang="zh-CN" sz="1600" kern="0" dirty="0" smtClean="0">
+                <a:solidFill>
+                  <a:srgbClr val="0000CC"/>
+                </a:solidFill>
+                <a:ea typeface="华文细黑" pitchFamily="2" charset="-122"/>
+              </a:rPr>
+              <a:t>XXX</a:t>
+            </a:r>
+            <a:endParaRPr lang="zh-CN" altLang="en-US" sz="1600" kern="0" dirty="0">
+              <a:solidFill>
+                <a:srgbClr val="0000CC"/>
+              </a:solidFill>
+              <a:ea typeface="华文细黑" pitchFamily="2" charset="-122"/>
+            </a:endParaRPr>
+          </a:p>
+        </p:txBody>
+      </p:sp>
+      <p:sp>
+        <p:nvSpPr>
+          <p:cNvPr id="6" name="圆角矩形标注 5"/>
+          <p:cNvSpPr/>
+          <p:nvPr/>
+        </p:nvSpPr>
+        <p:spPr bwMode="auto">
+          <a:xfrm>
+            <a:off x="5680322" y="1548791"/>
+            <a:ext cx="1800200" cy="504056"/>
+          </a:xfrm>
+          <a:prstGeom prst="wedgeRoundRectCallout">
+            <a:avLst>
+              <a:gd name="adj1" fmla="val 68847"/>
+              <a:gd name="adj2" fmla="val -45971"/>
+              <a:gd name="adj3" fmla="val 16667"/>
+            </a:avLst>
+          </a:prstGeom>
+          <a:solidFill>
+            <a:srgbClr val="FFC000"/>
+          </a:solidFill>
+          <a:ln w="15875" cap="flat" cmpd="sng" algn="ctr">
+            <a:solidFill>
+              <a:srgbClr val="FF9933"/>
+            </a:solidFill>
+            <a:prstDash val="solid"/>
+            <a:round/>
+            <a:headEnd type="none" w="med" len="med"/>
+            <a:tailEnd type="none" w="med" len="med"/>
+          </a:ln>
+          <a:effectLst/>
+        </p:spPr>
+        <p:txBody>
+          <a:bodyPr vert="horz" wrap="square" lIns="91440" tIns="45720" rIns="91440" bIns="45720" numCol="1" rtlCol="0" anchor="t" anchorCtr="0" compatLnSpc="1">
+            <a:prstTxWarp prst="textNoShape">
+              <a:avLst/>
+            </a:prstTxWarp>
+          </a:bodyPr>
+          <a:lstStyle/>
+          <a:p>
+            <a:pPr algn="ctr" eaLnBrk="0" hangingPunct="0"/>
+            <a:r>
+              <a:rPr lang="en-US" altLang="zh-CN" sz="1400" b="1" kern="0" dirty="0" smtClean="0">
+                <a:ea typeface="华文细黑" pitchFamily="2" charset="-122"/>
+              </a:rPr>
+              <a:t>XXX</a:t>
+            </a:r>
+            <a:r>
+              <a:rPr lang="en-US" altLang="zh-CN" sz="1400" b="1" kern="0" dirty="0" smtClean="0">
+                <a:solidFill>
+                  <a:srgbClr val="0000CC"/>
+                </a:solidFill>
+                <a:ea typeface="华文细黑" pitchFamily="2" charset="-122"/>
+              </a:rPr>
+              <a:t> </a:t>
+            </a:r>
+            <a:r>
+              <a:rPr lang="en-US" altLang="zh-CN" sz="1400" b="1" kern="0" dirty="0" err="1" smtClean="0">
+                <a:solidFill>
+                  <a:srgbClr val="0000CC"/>
+                </a:solidFill>
+                <a:ea typeface="华文细黑" pitchFamily="2" charset="-122"/>
+              </a:rPr>
+              <a:t>xxx</a:t>
+            </a:r>
+            <a:endParaRPr lang="en-US" altLang="zh-CN" sz="1400" b="1" kern="0" dirty="0" smtClean="0">
+              <a:solidFill>
+                <a:srgbClr val="0000CC"/>
+              </a:solidFill>
+              <a:ea typeface="华文细黑" pitchFamily="2" charset="-122"/>
+            </a:endParaRPr>
+          </a:p>
+          <a:p>
+            <a:pPr algn="ctr" eaLnBrk="0" hangingPunct="0"/>
+            <a:r>
+              <a:rPr lang="en-US" altLang="zh-CN" sz="1400" b="1" kern="0" dirty="0" smtClean="0">
+                <a:ea typeface="华文细黑" pitchFamily="2" charset="-122"/>
+              </a:rPr>
+              <a:t>XXX </a:t>
+            </a:r>
+            <a:r>
+              <a:rPr lang="en-US" altLang="zh-CN" sz="1400" b="1" kern="0" dirty="0" err="1" smtClean="0">
+                <a:solidFill>
+                  <a:srgbClr val="0000CC"/>
+                </a:solidFill>
+                <a:ea typeface="华文细黑" pitchFamily="2" charset="-122"/>
+              </a:rPr>
+              <a:t>xxx</a:t>
+            </a:r>
+            <a:endParaRPr lang="zh-CN" altLang="en-US" sz="1400" b="1" dirty="0">
+              <a:latin typeface="Arial" pitchFamily="34" charset="0"/>
+              <a:ea typeface="宋体" pitchFamily="2" charset="-122"/>
+            </a:endParaRPr>
+          </a:p>
+        </p:txBody>
+      </p:sp>
+    </p:spTree>
+    <p:extLst>
+      <p:ext uri="{BB962C8B-B14F-4D97-AF65-F5344CB8AC3E}">
+        <p14:creationId xmlns:p14="http://schemas.microsoft.com/office/powerpoint/2010/main" val="3707448817"/>
+      </p:ext>
+    </p:extLst>
+  </p:cSld>
+  <p:clrMapOvr>
+    <a:masterClrMapping/>
+  </p:clrMapOvr>
+  <mc:AlternateContent xmlns:mc="http://schemas.openxmlformats.org/markup-compatibility/2006" xmlns:p14="http://schemas.microsoft.com/office/powerpoint/2010/main">
+    <mc:Choice Requires="p14">
+      <p:transition spd="slow" p14:dur="2000"/>
+    </mc:Choice>
+    <mc:Fallback xmlns="">
+      <p:transition spd="slow"/>
+    </mc:Fallback>
+  </mc:AlternateContent>
+  <p:timing>
+    <p:tnLst>
+      <p:par>
+        <p:cTn id="1" dur="indefinite" restart="never" nodeType="tmRoot">
+          <p:childTnLst>
+            <p:seq concurrent="1" nextAc="seek">
+              <p:cTn id="2" dur="indefinite" nodeType="mainSeq">
+                <p:childTnLst>
+                  <p:par>
+                    <p:cTn id="3" fill="hold">
+                      <p:stCondLst>
+                        <p:cond delay="indefinite"/>
+                        <p:cond evt="onBegin" delay="0">
+                          <p:tn val="2"/>
+                        </p:cond>
+                      </p:stCondLst>
+                      <p:childTnLst>
+                        <p:par>
+                          <p:cTn id="4" fill="hold">
+                            <p:stCondLst>
+                              <p:cond delay="0"/>
+                            </p:stCondLst>
+                            <p:childTnLst>
+                              <p:par>
+                                <p:cTn id="5" presetID="22" presetClass="entr" presetSubtype="4" fill="hold" grpId="0" nodeType="withEffect">
+                                  <p:stCondLst>
+                                    <p:cond delay="0"/>
+                                  </p:stCondLst>
+                                  <p:childTnLst>
+                                    <p:set>
+                                      <p:cBhvr>
+                                        <p:cTn id="6" dur="1" fill="hold">
+                                          <p:stCondLst>
+                                            <p:cond delay="0"/>
+                                          </p:stCondLst>
+                                        </p:cTn>
+                                        <p:tgtEl>
+                                          <p:spTgt spid="5"/>
+                                        </p:tgtEl>
+                                        <p:attrNameLst>
+                                          <p:attrName>style.visibility</p:attrName>
+                                        </p:attrNameLst>
+                                      </p:cBhvr>
+                                      <p:to>
+                                        <p:strVal val="visible"/>
+                                      </p:to>
+                                    </p:set>
+                                    <p:animEffect transition="in" filter="wipe(down)">
+                                      <p:cBhvr>
+                                        <p:cTn id="7" dur="500"/>
+                                        <p:tgtEl>
+                                          <p:spTgt spid="5"/>
+                                        </p:tgtEl>
+                                      </p:cBhvr>
+                                    </p:animEffect>
+                                  </p:childTnLst>
+                                </p:cTn>
+                              </p:par>
+                              <p:par>
+                                <p:cTn id="8" presetID="22" presetClass="entr" presetSubtype="4" fill="hold" nodeType="withEffect">
+                                  <p:stCondLst>
+                                    <p:cond delay="0"/>
+                                  </p:stCondLst>
+                                  <p:childTnLst>
+                                    <p:set>
+                                      <p:cBhvr>
+                                        <p:cTn id="9" dur="1" fill="hold">
+                                          <p:stCondLst>
+                                            <p:cond delay="0"/>
+                                          </p:stCondLst>
+                                        </p:cTn>
+                                        <p:tgtEl>
+                                          <p:spTgt spid="4"/>
+                                        </p:tgtEl>
+                                        <p:attrNameLst>
+                                          <p:attrName>style.visibility</p:attrName>
+                                        </p:attrNameLst>
+                                      </p:cBhvr>
+                                      <p:to>
+                                        <p:strVal val="visible"/>
+                                      </p:to>
+                                    </p:set>
+                                    <p:animEffect transition="in" filter="wipe(down)">
+                                      <p:cBhvr>
+                                        <p:cTn id="10" dur="500"/>
+                                        <p:tgtEl>
+                                          <p:spTgt spid="4"/>
+                                        </p:tgtEl>
+                                      </p:cBhvr>
+                                    </p:animEffect>
+                                  </p:childTnLst>
+                                </p:cTn>
+                              </p:par>
+                              <p:par>
+                                <p:cTn id="11" presetID="22" presetClass="entr" presetSubtype="4" fill="hold" grpId="0" nodeType="withEffect">
+                                  <p:stCondLst>
+                                    <p:cond delay="0"/>
+                                  </p:stCondLst>
+                                  <p:childTnLst>
+                                    <p:set>
+                                      <p:cBhvr>
+                                        <p:cTn id="12" dur="1" fill="hold">
+                                          <p:stCondLst>
+                                            <p:cond delay="0"/>
+                                          </p:stCondLst>
+                                        </p:cTn>
+                                        <p:tgtEl>
+                                          <p:spTgt spid="6"/>
+                                        </p:tgtEl>
+                                        <p:attrNameLst>
+                                          <p:attrName>style.visibility</p:attrName>
+                                        </p:attrNameLst>
+                                      </p:cBhvr>
+                                      <p:to>
+                                        <p:strVal val="visible"/>
+                                      </p:to>
+                                    </p:set>
+                                    <p:animEffect transition="in" filter="wipe(down)">
+                                      <p:cBhvr>
+                                        <p:cTn id="13" dur="500"/>
+                                        <p:tgtEl>
+                                          <p:spTgt spid="6"/>
+                                        </p:tgtEl>
+                                      </p:cBhvr>
+                                    </p:animEffect>
+                                  </p:childTnLst>
+                                </p:cTn>
+                              </p:par>
+                              <p:par>
+                                <p:cTn id="14" presetID="22" presetClass="entr" presetSubtype="4" fill="hold" grpId="0" nodeType="withEffect">
+                                  <p:stCondLst>
+                                    <p:cond delay="0"/>
+                                  </p:stCondLst>
+                                  <p:childTnLst>
+                                    <p:set>
+                                      <p:cBhvr>
+                                        <p:cTn id="15" dur="1" fill="hold">
+                                          <p:stCondLst>
+                                            <p:cond delay="0"/>
+                                          </p:stCondLst>
+                                        </p:cTn>
+                                        <p:tgtEl>
+                                          <p:spTgt spid="3"/>
+                                        </p:tgtEl>
+                                        <p:attrNameLst>
+                                          <p:attrName>style.visibility</p:attrName>
+                                        </p:attrNameLst>
+                                      </p:cBhvr>
+                                      <p:to>
+                                        <p:strVal val="visible"/>
+                                      </p:to>
+                                    </p:set>
+                                    <p:animEffect transition="in" filter="wipe(down)">
+                                      <p:cBhvr>
+                                        <p:cTn id="16" dur="500"/>
+                                        <p:tgtEl>
+                                          <p:spTgt spid="3"/>
+                                        </p:tgtEl>
+                                      </p:cBhvr>
+                                    </p:animEffect>
+                                  </p:childTnLst>
+                                </p:cTn>
+                              </p:par>
+                            </p:childTnLst>
+                          </p:cTn>
+                        </p:par>
+                      </p:childTnLst>
+                    </p:cTn>
+                  </p:par>
+                </p:childTnLst>
+              </p:cTn>
+              <p:prevCondLst>
+                <p:cond evt="onPrev" delay="0">
+                  <p:tgtEl>
+                    <p:sldTgt/>
+                  </p:tgtEl>
+                </p:cond>
+              </p:prevCondLst>
+              <p:nextCondLst>
+                <p:cond evt="onNext" delay="0">
+                  <p:tgtEl>
+                    <p:sldTgt/>
+                  </p:tgtEl>
+                </p:cond>
+              </p:nextCondLst>
+            </p:seq>
+          </p:childTnLst>
+        </p:cTn>
+      </p:par>
+    </p:tnLst>
+    <p:bldLst>
+      <p:bldP spid="3" grpId="0" animBg="1"/>
+      <p:bldP spid="5" grpId="0"/>
+      <p:bldP spid="6" grpId="0" animBg="1"/>
+    </p:bldLst>
+  </p:timing>
+</p:sld>
+</file>
+
+<file path=ppt/slides/slide8.xml><?xml version="1.0" encoding="utf-8"?>
+<p:sld xmlns:a="http://schemas.openxmlformats.org/drawingml/2006/main" xmlns:r="http://schemas.openxmlformats.org/officeDocument/2006/relationships" xmlns:p="http://schemas.openxmlformats.org/presentationml/2006/main">
+  <p:cSld>
+    <p:spTree>
+      <p:nvGrpSpPr>
+        <p:cNvPr id="1" name=""/>
+        <p:cNvGrpSpPr/>
+        <p:nvPr/>
+      </p:nvGrpSpPr>
+      <p:grpSpPr>
+        <a:xfrm>
+          <a:off x="0" y="0"/>
+          <a:ext cx="0" cy="0"/>
+          <a:chOff x="0" y="0"/>
+          <a:chExt cx="0" cy="0"/>
+        </a:xfrm>
+      </p:grpSpPr>
+      <p:sp>
+        <p:nvSpPr>
+          <p:cNvPr id="8235" name="Rectangle 2"/>
+          <p:cNvSpPr>
+            <a:spLocks noGrp="1" noChangeArrowheads="1"/>
+          </p:cNvSpPr>
+          <p:nvPr>
+            <p:ph type="title"/>
+          </p:nvPr>
+        </p:nvSpPr>
+        <p:spPr>
+          <a:xfrm>
+            <a:off x="427296" y="159679"/>
+            <a:ext cx="5577636" cy="583456"/>
+          </a:xfrm>
+        </p:spPr>
+        <p:txBody>
+          <a:bodyPr/>
+          <a:lstStyle/>
+          <a:p>
+            <a:pPr lvl="0" algn="l"/>
+            <a:r>
+              <a:rPr lang="zh-CN" altLang="en-US" sz="2400" dirty="0"/>
+              <a:t>项目具体技术指标</a:t>
+            </a:r>
+          </a:p>
+        </p:txBody>
+      </p:sp>
+    </p:spTree>
+    <p:extLst>
+      <p:ext uri="{BB962C8B-B14F-4D97-AF65-F5344CB8AC3E}">
+        <p14:creationId xmlns:p14="http://schemas.microsoft.com/office/powerpoint/2010/main" val="267456097"/>
+      </p:ext>
+    </p:extLst>
+  </p:cSld>
+  <p:clrMapOvr>
+    <a:masterClrMapping/>
+  </p:clrMapOvr>
+  <mc:AlternateContent xmlns:mc="http://schemas.openxmlformats.org/markup-compatibility/2006" xmlns:p14="http://schemas.microsoft.com/office/powerpoint/2010/main">
+    <mc:Choice Requires="p14">
+      <p:transition spd="slow" p14:dur="2000"/>
+    </mc:Choice>
+    <mc:Fallback xmlns="">
+      <p:transition spd="slow"/>
+    </mc:Fallback>
+  </mc:AlternateContent>
+  <p:timing>
+    <p:tnLst>
+      <p:par>
+        <p:cTn id="1" dur="indefinite" restart="never" nodeType="tmRoot"/>
+      </p:par>
+    </p:tnLst>
+  </p:timing>
+</p:sld>
+</file>
+
+<file path=ppt/slides/slide9.xml><?xml version="1.0" encoding="utf-8"?>
+<p:sld xmlns:a="http://schemas.openxmlformats.org/drawingml/2006/main" xmlns:r="http://schemas.openxmlformats.org/officeDocument/2006/relationships" xmlns:p="http://schemas.openxmlformats.org/presentationml/2006/main">
+  <p:cSld>
+    <p:spTree>
+      <p:nvGrpSpPr>
+        <p:cNvPr id="1" name=""/>
+        <p:cNvGrpSpPr/>
+        <p:nvPr/>
+      </p:nvGrpSpPr>
+      <p:grpSpPr>
+        <a:xfrm>
+          <a:off x="0" y="0"/>
+          <a:ext cx="0" cy="0"/>
+          <a:chOff x="0" y="0"/>
+          <a:chExt cx="0" cy="0"/>
+        </a:xfrm>
+      </p:grpSpPr>
+      <p:sp>
+        <p:nvSpPr>
+          <p:cNvPr id="8235" name="Rectangle 2"/>
+          <p:cNvSpPr>
+            <a:spLocks noGrp="1" noChangeArrowheads="1"/>
+          </p:cNvSpPr>
+          <p:nvPr>
+            <p:ph type="title"/>
+          </p:nvPr>
+        </p:nvSpPr>
+        <p:spPr>
+          <a:xfrm>
+            <a:off x="427296" y="159679"/>
+            <a:ext cx="5577636" cy="583456"/>
+          </a:xfrm>
+        </p:spPr>
+        <p:txBody>
+          <a:bodyPr/>
+          <a:lstStyle/>
+          <a:p>
+            <a:pPr lvl="0" algn="l"/>
+            <a:r>
+              <a:rPr lang="zh-CN" altLang="en-US" sz="2400" dirty="0"/>
+              <a:t>项目现状及应用案例</a:t>
+            </a:r>
+          </a:p>
+        </p:txBody>
+      </p:sp>
+    </p:spTree>
+    <p:extLst>
+      <p:ext uri="{BB962C8B-B14F-4D97-AF65-F5344CB8AC3E}">
+        <p14:creationId xmlns:p14="http://schemas.microsoft.com/office/powerpoint/2010/main" val="4095488202"/>
+      </p:ext>
+    </p:extLst>
+  </p:cSld>
+  <p:clrMapOvr>
+    <a:masterClrMapping/>
+  </p:clrMapOvr>
+  <mc:AlternateContent xmlns:mc="http://schemas.openxmlformats.org/markup-compatibility/2006" xmlns:p14="http://schemas.microsoft.com/office/powerpoint/2010/main">
+    <mc:Choice Requires="p14">
+      <p:transition spd="slow" p14:dur="2000"/>
+    </mc:Choice>
+    <mc:Fallback xmlns="">
+      <p:transition spd="slow"/>
+    </mc:Fallback>
+  </mc:AlternateContent>
   <p:timing>
     <p:tnLst>
       <p:par>
@@ -9875,7 +15488,7 @@
         <a:sysClr val="windowText" lastClr="000000"/>
       </a:dk1>
       <a:lt1>
-        <a:sysClr val="window" lastClr="FFFFFF"/>
+        <a:sysClr val="window" lastClr="CCE8CF"/>
       </a:lt1>
       <a:dk2>
         <a:srgbClr val="1F497D"/>
@@ -10443,7 +16056,7 @@
         <a:sysClr val="windowText" lastClr="000000"/>
       </a:dk1>
       <a:lt1>
-        <a:sysClr val="window" lastClr="FFFFFF"/>
+        <a:sysClr val="window" lastClr="CCE8CF"/>
       </a:lt1>
       <a:dk2>
         <a:srgbClr val="1F497D"/>
